--- a/sessoes/intorucao.pptx
+++ b/sessoes/intorucao.pptx
@@ -115,6 +115,11 @@
       </a:defRPr>
     </a:lvl9pPr>
   </p:defaultTextStyle>
+  <p:extLst>
+    <p:ext uri="{EFAFB233-063F-42B5-8137-9DF3F51BA10A}">
+      <p15:sldGuideLst xmlns:p15="http://schemas.microsoft.com/office/powerpoint/2012/main"/>
+    </p:ext>
+  </p:extLst>
 </p:presentation>
 </file>
 

--- a/sessoes/intorucao.pptx
+++ b/sessoes/intorucao.pptx
@@ -1686,7 +1686,7 @@
             <a:rPr lang="pt-BR" noProof="0" dirty="0">
               <a:latin typeface="+mj-lt"/>
             </a:rPr>
-            <a:t>. curso</a:t>
+            <a:t>. Curso (B+J)</a:t>
           </a:r>
         </a:p>
       </dgm:t>
@@ -1713,7 +1713,235 @@
         </a:p>
       </dgm:t>
     </dgm:pt>
-    <dgm:pt modelId="{71B5FA8A-0C78-034E-A896-108134084ADA}">
+    <dgm:pt modelId="{3DC5BF48-BA14-E94E-BE3F-8FB1C3CF1B90}">
+      <dgm:prSet phldrT="[Text]"/>
+      <dgm:spPr/>
+      <dgm:t>
+        <a:bodyPr/>
+        <a:lstStyle/>
+        <a:p>
+          <a:r>
+            <a:rPr lang="pt-BR" noProof="0" dirty="0">
+              <a:latin typeface="+mj-lt"/>
+            </a:rPr>
+            <a:t>Dia 2 - Teoria de nicho ecológico e distribuição de espécies</a:t>
+          </a:r>
+        </a:p>
+      </dgm:t>
+    </dgm:pt>
+    <dgm:pt modelId="{66636137-4F14-C340-9E6A-C098E47B6F2F}" type="parTrans" cxnId="{2A7391BD-E933-724E-B9B1-BA636999FB1D}">
+      <dgm:prSet/>
+      <dgm:spPr/>
+      <dgm:t>
+        <a:bodyPr/>
+        <a:lstStyle/>
+        <a:p>
+          <a:endParaRPr lang="en-US"/>
+        </a:p>
+      </dgm:t>
+    </dgm:pt>
+    <dgm:pt modelId="{E2837041-A437-774B-A318-B655203B6D90}" type="sibTrans" cxnId="{2A7391BD-E933-724E-B9B1-BA636999FB1D}">
+      <dgm:prSet/>
+      <dgm:spPr/>
+      <dgm:t>
+        <a:bodyPr/>
+        <a:lstStyle/>
+        <a:p>
+          <a:endParaRPr lang="en-US"/>
+        </a:p>
+      </dgm:t>
+    </dgm:pt>
+    <dgm:pt modelId="{15AFFBE7-DAB1-FC45-9FC0-69BC8EFFD4BA}">
+      <dgm:prSet phldrT="[Text]"/>
+      <dgm:spPr/>
+      <dgm:t>
+        <a:bodyPr/>
+        <a:lstStyle/>
+        <a:p>
+          <a:r>
+            <a:rPr lang="pt-BR" noProof="0" dirty="0">
+              <a:latin typeface="+mj-lt"/>
+            </a:rPr>
+            <a:t>Distribuição de espécies (J)</a:t>
+          </a:r>
+        </a:p>
+      </dgm:t>
+    </dgm:pt>
+    <dgm:pt modelId="{8BD24FEB-079D-DD4D-9ED0-A15F63FF9A47}" type="parTrans" cxnId="{CB125556-6806-D04F-B199-FDC2D0D9AE6D}">
+      <dgm:prSet/>
+      <dgm:spPr/>
+      <dgm:t>
+        <a:bodyPr/>
+        <a:lstStyle/>
+        <a:p>
+          <a:endParaRPr lang="en-US"/>
+        </a:p>
+      </dgm:t>
+    </dgm:pt>
+    <dgm:pt modelId="{133DDD6A-9990-B948-8B47-3948C694B1CD}" type="sibTrans" cxnId="{CB125556-6806-D04F-B199-FDC2D0D9AE6D}">
+      <dgm:prSet/>
+      <dgm:spPr/>
+      <dgm:t>
+        <a:bodyPr/>
+        <a:lstStyle/>
+        <a:p>
+          <a:endParaRPr lang="en-US"/>
+        </a:p>
+      </dgm:t>
+    </dgm:pt>
+    <dgm:pt modelId="{8EB3D4DA-D392-624C-ACBA-01FCEF0039D1}">
+      <dgm:prSet phldrT="[Text]"/>
+      <dgm:spPr/>
+      <dgm:t>
+        <a:bodyPr/>
+        <a:lstStyle/>
+        <a:p>
+          <a:r>
+            <a:rPr lang="pt-BR" noProof="0" dirty="0">
+              <a:latin typeface="+mj-lt"/>
+            </a:rPr>
+            <a:t>Dia 3 – Bases de dados disponíveis para biologia / ecologia</a:t>
+          </a:r>
+        </a:p>
+      </dgm:t>
+    </dgm:pt>
+    <dgm:pt modelId="{10862054-81DB-8242-A4C6-06EAE50C713F}" type="parTrans" cxnId="{0D42DA19-A0B1-5844-A3E3-808AD29B097B}">
+      <dgm:prSet/>
+      <dgm:spPr/>
+      <dgm:t>
+        <a:bodyPr/>
+        <a:lstStyle/>
+        <a:p>
+          <a:endParaRPr lang="en-US"/>
+        </a:p>
+      </dgm:t>
+    </dgm:pt>
+    <dgm:pt modelId="{FDBEC8E4-56A3-A844-B9B6-F6031FEBD7F8}" type="sibTrans" cxnId="{0D42DA19-A0B1-5844-A3E3-808AD29B097B}">
+      <dgm:prSet/>
+      <dgm:spPr/>
+      <dgm:t>
+        <a:bodyPr/>
+        <a:lstStyle/>
+        <a:p>
+          <a:endParaRPr lang="en-US"/>
+        </a:p>
+      </dgm:t>
+    </dgm:pt>
+    <dgm:pt modelId="{8A555377-C05A-8846-93A1-D11E746AD7A5}">
+      <dgm:prSet phldrT="[Text]"/>
+      <dgm:spPr/>
+      <dgm:t>
+        <a:bodyPr/>
+        <a:lstStyle/>
+        <a:p>
+          <a:r>
+            <a:rPr lang="pt-BR" noProof="0" dirty="0">
+              <a:latin typeface="+mj-lt"/>
+            </a:rPr>
+            <a:t>Principais bases de dados de ocorrências</a:t>
+          </a:r>
+        </a:p>
+      </dgm:t>
+    </dgm:pt>
+    <dgm:pt modelId="{FA71FF4A-0D05-9046-8223-41581AEB7A56}" type="parTrans" cxnId="{B24B6C27-1328-D64D-82C4-A8ADB45E9BF7}">
+      <dgm:prSet/>
+      <dgm:spPr/>
+      <dgm:t>
+        <a:bodyPr/>
+        <a:lstStyle/>
+        <a:p>
+          <a:endParaRPr lang="en-US"/>
+        </a:p>
+      </dgm:t>
+    </dgm:pt>
+    <dgm:pt modelId="{A42AF4A5-12B9-9A47-87A1-A1080AFEF41D}" type="sibTrans" cxnId="{B24B6C27-1328-D64D-82C4-A8ADB45E9BF7}">
+      <dgm:prSet/>
+      <dgm:spPr/>
+      <dgm:t>
+        <a:bodyPr/>
+        <a:lstStyle/>
+        <a:p>
+          <a:endParaRPr lang="en-US"/>
+        </a:p>
+      </dgm:t>
+    </dgm:pt>
+    <dgm:pt modelId="{0D594C62-8F0E-D547-B5C4-5454A990423E}">
+      <dgm:prSet phldrT="[Text]"/>
+      <dgm:spPr/>
+      <dgm:t>
+        <a:bodyPr/>
+        <a:lstStyle/>
+        <a:p>
+          <a:r>
+            <a:rPr lang="pt-BR" noProof="0" dirty="0">
+              <a:latin typeface="+mj-lt"/>
+            </a:rPr>
+            <a:t>Dia 4 – Problemas com bases de dados grandes</a:t>
+          </a:r>
+        </a:p>
+      </dgm:t>
+    </dgm:pt>
+    <dgm:pt modelId="{FE0DCDF9-B2F9-D24B-BA5F-F37FD6FA0851}" type="parTrans" cxnId="{B308C8BD-5034-E74C-8CFA-FD678506FAEA}">
+      <dgm:prSet/>
+      <dgm:spPr/>
+      <dgm:t>
+        <a:bodyPr/>
+        <a:lstStyle/>
+        <a:p>
+          <a:endParaRPr lang="en-US"/>
+        </a:p>
+      </dgm:t>
+    </dgm:pt>
+    <dgm:pt modelId="{C6B30F07-7703-C24B-B99C-F227B6A1DD06}" type="sibTrans" cxnId="{B308C8BD-5034-E74C-8CFA-FD678506FAEA}">
+      <dgm:prSet/>
+      <dgm:spPr/>
+      <dgm:t>
+        <a:bodyPr/>
+        <a:lstStyle/>
+        <a:p>
+          <a:endParaRPr lang="en-US"/>
+        </a:p>
+      </dgm:t>
+    </dgm:pt>
+    <dgm:pt modelId="{726FAEE0-0671-6A47-992E-19C958FAA5C0}">
+      <dgm:prSet phldrT="[Text]"/>
+      <dgm:spPr/>
+      <dgm:t>
+        <a:bodyPr/>
+        <a:lstStyle/>
+        <a:p>
+          <a:r>
+            <a:rPr lang="pt-BR" noProof="0" dirty="0">
+              <a:latin typeface="+mj-lt"/>
+            </a:rPr>
+            <a:t>Dia 4</a:t>
+          </a:r>
+        </a:p>
+      </dgm:t>
+    </dgm:pt>
+    <dgm:pt modelId="{2F18166A-B3FC-6142-9EE6-69B7FBBE776A}" type="parTrans" cxnId="{EF28A899-EE90-804D-A835-5E18D8C75057}">
+      <dgm:prSet/>
+      <dgm:spPr/>
+      <dgm:t>
+        <a:bodyPr/>
+        <a:lstStyle/>
+        <a:p>
+          <a:endParaRPr lang="en-US"/>
+        </a:p>
+      </dgm:t>
+    </dgm:pt>
+    <dgm:pt modelId="{5E8048C6-AB64-C744-BC71-8297C7F11082}" type="sibTrans" cxnId="{EF28A899-EE90-804D-A835-5E18D8C75057}">
+      <dgm:prSet/>
+      <dgm:spPr/>
+      <dgm:t>
+        <a:bodyPr/>
+        <a:lstStyle/>
+        <a:p>
+          <a:endParaRPr lang="en-US"/>
+        </a:p>
+      </dgm:t>
+    </dgm:pt>
+    <dgm:pt modelId="{7D131D1C-F090-D04A-A63A-BBE136B185DA}">
       <dgm:prSet phldrT="[Text]"/>
       <dgm:spPr/>
       <dgm:t>
@@ -1730,327 +1958,20 @@
             <a:rPr lang="pt-BR" noProof="0" dirty="0">
               <a:latin typeface="+mj-lt"/>
             </a:rPr>
-            <a:t>. Modelos distribuição de espécies</a:t>
+            <a:t>. Analises de dados ecológicos (</a:t>
           </a:r>
-        </a:p>
-      </dgm:t>
-    </dgm:pt>
-    <dgm:pt modelId="{9CABCF1F-167D-9840-9E29-3D3CAD6BBB1E}" type="parTrans" cxnId="{9F824280-F841-B842-8558-02F43A541D25}">
-      <dgm:prSet/>
-      <dgm:spPr/>
-      <dgm:t>
-        <a:bodyPr/>
-        <a:lstStyle/>
-        <a:p>
-          <a:endParaRPr lang="en-US"/>
-        </a:p>
-      </dgm:t>
-    </dgm:pt>
-    <dgm:pt modelId="{ED445228-62FA-9C4F-9030-D8DB1A3E1171}" type="sibTrans" cxnId="{9F824280-F841-B842-8558-02F43A541D25}">
-      <dgm:prSet/>
-      <dgm:spPr/>
-      <dgm:t>
-        <a:bodyPr/>
-        <a:lstStyle/>
-        <a:p>
-          <a:endParaRPr lang="en-US"/>
-        </a:p>
-      </dgm:t>
-    </dgm:pt>
-    <dgm:pt modelId="{3DC5BF48-BA14-E94E-BE3F-8FB1C3CF1B90}">
-      <dgm:prSet phldrT="[Text]"/>
-      <dgm:spPr/>
-      <dgm:t>
-        <a:bodyPr/>
-        <a:lstStyle/>
-        <a:p>
-          <a:r>
-            <a:rPr lang="pt-BR" noProof="0" dirty="0">
-              <a:latin typeface="+mj-lt"/>
-            </a:rPr>
-            <a:t>Dia 2 - Teoria de nicho ecológico e distribuição de espécies</a:t>
-          </a:r>
-        </a:p>
-      </dgm:t>
-    </dgm:pt>
-    <dgm:pt modelId="{66636137-4F14-C340-9E6A-C098E47B6F2F}" type="parTrans" cxnId="{2A7391BD-E933-724E-B9B1-BA636999FB1D}">
-      <dgm:prSet/>
-      <dgm:spPr/>
-      <dgm:t>
-        <a:bodyPr/>
-        <a:lstStyle/>
-        <a:p>
-          <a:endParaRPr lang="en-US"/>
-        </a:p>
-      </dgm:t>
-    </dgm:pt>
-    <dgm:pt modelId="{E2837041-A437-774B-A318-B655203B6D90}" type="sibTrans" cxnId="{2A7391BD-E933-724E-B9B1-BA636999FB1D}">
-      <dgm:prSet/>
-      <dgm:spPr/>
-      <dgm:t>
-        <a:bodyPr/>
-        <a:lstStyle/>
-        <a:p>
-          <a:endParaRPr lang="en-US"/>
-        </a:p>
-      </dgm:t>
-    </dgm:pt>
-    <dgm:pt modelId="{15AFFBE7-DAB1-FC45-9FC0-69BC8EFFD4BA}">
-      <dgm:prSet phldrT="[Text]"/>
-      <dgm:spPr/>
-      <dgm:t>
-        <a:bodyPr/>
-        <a:lstStyle/>
-        <a:p>
-          <a:r>
-            <a:rPr lang="pt-BR" noProof="0" dirty="0">
-              <a:latin typeface="+mj-lt"/>
-            </a:rPr>
-            <a:t>Nicho ecológico</a:t>
-          </a:r>
-        </a:p>
-      </dgm:t>
-    </dgm:pt>
-    <dgm:pt modelId="{8BD24FEB-079D-DD4D-9ED0-A15F63FF9A47}" type="parTrans" cxnId="{CB125556-6806-D04F-B199-FDC2D0D9AE6D}">
-      <dgm:prSet/>
-      <dgm:spPr/>
-      <dgm:t>
-        <a:bodyPr/>
-        <a:lstStyle/>
-        <a:p>
-          <a:endParaRPr lang="en-US"/>
-        </a:p>
-      </dgm:t>
-    </dgm:pt>
-    <dgm:pt modelId="{133DDD6A-9990-B948-8B47-3948C694B1CD}" type="sibTrans" cxnId="{CB125556-6806-D04F-B199-FDC2D0D9AE6D}">
-      <dgm:prSet/>
-      <dgm:spPr/>
-      <dgm:t>
-        <a:bodyPr/>
-        <a:lstStyle/>
-        <a:p>
-          <a:endParaRPr lang="en-US"/>
-        </a:p>
-      </dgm:t>
-    </dgm:pt>
-    <dgm:pt modelId="{9F29B4BA-AC82-6D4E-A947-86A24F9A1244}">
-      <dgm:prSet phldrT="[Text]"/>
-      <dgm:spPr/>
-      <dgm:t>
-        <a:bodyPr/>
-        <a:lstStyle/>
-        <a:p>
-          <a:r>
-            <a:rPr lang="pt-BR" noProof="0" dirty="0">
-              <a:latin typeface="+mj-lt"/>
-            </a:rPr>
-            <a:t>Distribuição de espécies</a:t>
-          </a:r>
-        </a:p>
-      </dgm:t>
-    </dgm:pt>
-    <dgm:pt modelId="{A73F5E14-7602-6248-A85B-A0ABCAF54FB2}" type="parTrans" cxnId="{A1E43E01-B8F3-DB4B-B461-A4B642DA48F5}">
-      <dgm:prSet/>
-      <dgm:spPr/>
-      <dgm:t>
-        <a:bodyPr/>
-        <a:lstStyle/>
-        <a:p>
-          <a:endParaRPr lang="en-US"/>
-        </a:p>
-      </dgm:t>
-    </dgm:pt>
-    <dgm:pt modelId="{A155ADA1-95CE-CF4D-8F2D-2B12705E357C}" type="sibTrans" cxnId="{A1E43E01-B8F3-DB4B-B461-A4B642DA48F5}">
-      <dgm:prSet/>
-      <dgm:spPr/>
-      <dgm:t>
-        <a:bodyPr/>
-        <a:lstStyle/>
-        <a:p>
-          <a:endParaRPr lang="en-US"/>
-        </a:p>
-      </dgm:t>
-    </dgm:pt>
-    <dgm:pt modelId="{8EB3D4DA-D392-624C-ACBA-01FCEF0039D1}">
-      <dgm:prSet phldrT="[Text]"/>
-      <dgm:spPr/>
-      <dgm:t>
-        <a:bodyPr/>
-        <a:lstStyle/>
-        <a:p>
-          <a:r>
-            <a:rPr lang="pt-BR" noProof="0" dirty="0">
-              <a:latin typeface="+mj-lt"/>
-            </a:rPr>
-            <a:t>Dia 3 – Bases de dados disponíveis para biologia / ecologia</a:t>
-          </a:r>
-        </a:p>
-      </dgm:t>
-    </dgm:pt>
-    <dgm:pt modelId="{10862054-81DB-8242-A4C6-06EAE50C713F}" type="parTrans" cxnId="{0D42DA19-A0B1-5844-A3E3-808AD29B097B}">
-      <dgm:prSet/>
-      <dgm:spPr/>
-      <dgm:t>
-        <a:bodyPr/>
-        <a:lstStyle/>
-        <a:p>
-          <a:endParaRPr lang="en-US"/>
-        </a:p>
-      </dgm:t>
-    </dgm:pt>
-    <dgm:pt modelId="{FDBEC8E4-56A3-A844-B9B6-F6031FEBD7F8}" type="sibTrans" cxnId="{0D42DA19-A0B1-5844-A3E3-808AD29B097B}">
-      <dgm:prSet/>
-      <dgm:spPr/>
-      <dgm:t>
-        <a:bodyPr/>
-        <a:lstStyle/>
-        <a:p>
-          <a:endParaRPr lang="en-US"/>
-        </a:p>
-      </dgm:t>
-    </dgm:pt>
-    <dgm:pt modelId="{8A555377-C05A-8846-93A1-D11E746AD7A5}">
-      <dgm:prSet phldrT="[Text]"/>
-      <dgm:spPr/>
-      <dgm:t>
-        <a:bodyPr/>
-        <a:lstStyle/>
-        <a:p>
-          <a:r>
-            <a:rPr lang="pt-BR" noProof="0" dirty="0">
-              <a:latin typeface="+mj-lt"/>
-            </a:rPr>
-            <a:t>Principais bases de dados de ocorrências</a:t>
-          </a:r>
-        </a:p>
-      </dgm:t>
-    </dgm:pt>
-    <dgm:pt modelId="{FA71FF4A-0D05-9046-8223-41581AEB7A56}" type="parTrans" cxnId="{B24B6C27-1328-D64D-82C4-A8ADB45E9BF7}">
-      <dgm:prSet/>
-      <dgm:spPr/>
-      <dgm:t>
-        <a:bodyPr/>
-        <a:lstStyle/>
-        <a:p>
-          <a:endParaRPr lang="en-US"/>
-        </a:p>
-      </dgm:t>
-    </dgm:pt>
-    <dgm:pt modelId="{A42AF4A5-12B9-9A47-87A1-A1080AFEF41D}" type="sibTrans" cxnId="{B24B6C27-1328-D64D-82C4-A8ADB45E9BF7}">
-      <dgm:prSet/>
-      <dgm:spPr/>
-      <dgm:t>
-        <a:bodyPr/>
-        <a:lstStyle/>
-        <a:p>
-          <a:endParaRPr lang="en-US"/>
-        </a:p>
-      </dgm:t>
-    </dgm:pt>
-    <dgm:pt modelId="{0D594C62-8F0E-D547-B5C4-5454A990423E}">
-      <dgm:prSet phldrT="[Text]"/>
-      <dgm:spPr/>
-      <dgm:t>
-        <a:bodyPr/>
-        <a:lstStyle/>
-        <a:p>
-          <a:r>
-            <a:rPr lang="pt-BR" noProof="0" dirty="0">
-              <a:latin typeface="+mj-lt"/>
-            </a:rPr>
-            <a:t>Dia 4 – Problemas com bases de dados grandes</a:t>
-          </a:r>
-        </a:p>
-      </dgm:t>
-    </dgm:pt>
-    <dgm:pt modelId="{FE0DCDF9-B2F9-D24B-BA5F-F37FD6FA0851}" type="parTrans" cxnId="{B308C8BD-5034-E74C-8CFA-FD678506FAEA}">
-      <dgm:prSet/>
-      <dgm:spPr/>
-      <dgm:t>
-        <a:bodyPr/>
-        <a:lstStyle/>
-        <a:p>
-          <a:endParaRPr lang="en-US"/>
-        </a:p>
-      </dgm:t>
-    </dgm:pt>
-    <dgm:pt modelId="{C6B30F07-7703-C24B-B99C-F227B6A1DD06}" type="sibTrans" cxnId="{B308C8BD-5034-E74C-8CFA-FD678506FAEA}">
-      <dgm:prSet/>
-      <dgm:spPr/>
-      <dgm:t>
-        <a:bodyPr/>
-        <a:lstStyle/>
-        <a:p>
-          <a:endParaRPr lang="en-US"/>
-        </a:p>
-      </dgm:t>
-    </dgm:pt>
-    <dgm:pt modelId="{726FAEE0-0671-6A47-992E-19C958FAA5C0}">
-      <dgm:prSet phldrT="[Text]"/>
-      <dgm:spPr/>
-      <dgm:t>
-        <a:bodyPr/>
-        <a:lstStyle/>
-        <a:p>
-          <a:r>
-            <a:rPr lang="pt-BR" noProof="0" dirty="0">
-              <a:latin typeface="+mj-lt"/>
-            </a:rPr>
-            <a:t>Dia 4</a:t>
-          </a:r>
-        </a:p>
-      </dgm:t>
-    </dgm:pt>
-    <dgm:pt modelId="{2F18166A-B3FC-6142-9EE6-69B7FBBE776A}" type="parTrans" cxnId="{EF28A899-EE90-804D-A835-5E18D8C75057}">
-      <dgm:prSet/>
-      <dgm:spPr/>
-      <dgm:t>
-        <a:bodyPr/>
-        <a:lstStyle/>
-        <a:p>
-          <a:endParaRPr lang="en-US"/>
-        </a:p>
-      </dgm:t>
-    </dgm:pt>
-    <dgm:pt modelId="{5E8048C6-AB64-C744-BC71-8297C7F11082}" type="sibTrans" cxnId="{EF28A899-EE90-804D-A835-5E18D8C75057}">
-      <dgm:prSet/>
-      <dgm:spPr/>
-      <dgm:t>
-        <a:bodyPr/>
-        <a:lstStyle/>
-        <a:p>
-          <a:endParaRPr lang="en-US"/>
-        </a:p>
-      </dgm:t>
-    </dgm:pt>
-    <dgm:pt modelId="{7D131D1C-F090-D04A-A63A-BBE136B185DA}">
-      <dgm:prSet phldrT="[Text]"/>
-      <dgm:spPr/>
-      <dgm:t>
-        <a:bodyPr/>
-        <a:lstStyle/>
-        <a:p>
           <a:r>
             <a:rPr lang="pt-BR" noProof="0" dirty="0" err="1">
               <a:latin typeface="+mj-lt"/>
             </a:rPr>
-            <a:t>Intro</a:t>
+            <a:t>B</a:t>
           </a:r>
           <a:r>
             <a:rPr lang="pt-BR" noProof="0" dirty="0">
               <a:latin typeface="+mj-lt"/>
             </a:rPr>
-            <a:t>. Analises de dados </a:t>
+            <a:t>)</a:t>
           </a:r>
-          <a:r>
-            <a:rPr lang="pt-BR" noProof="0" dirty="0" err="1">
-              <a:latin typeface="+mj-lt"/>
-            </a:rPr>
-            <a:t>ecologicos</a:t>
-          </a:r>
-          <a:endParaRPr lang="pt-BR" noProof="0" dirty="0">
-            <a:latin typeface="+mj-lt"/>
-          </a:endParaRPr>
         </a:p>
       </dgm:t>
     </dgm:pt>
@@ -2128,7 +2049,7 @@
             <a:rPr lang="pt-BR" noProof="0" dirty="0">
               <a:latin typeface="+mj-lt"/>
             </a:rPr>
-            <a:t>Boas praticas</a:t>
+            <a:t>Boas praticas (J)</a:t>
           </a:r>
         </a:p>
       </dgm:t>
@@ -2278,6 +2199,30 @@
         </a:p>
       </dgm:t>
     </dgm:pt>
+    <dgm:pt modelId="{969DF257-AE32-3940-821C-98D9DA62B596}">
+      <dgm:prSet phldrT="[Text]"/>
+      <dgm:spPr/>
+      <dgm:t>
+        <a:bodyPr/>
+        <a:lstStyle/>
+        <a:p>
+          <a:r>
+            <a:rPr lang="pt-BR" noProof="0" dirty="0">
+              <a:latin typeface="+mj-lt"/>
+            </a:rPr>
+            <a:t>Nicho ecológico </a:t>
+          </a:r>
+        </a:p>
+      </dgm:t>
+    </dgm:pt>
+    <dgm:pt modelId="{899B722F-0208-884C-87B5-A4B5E83F6CA6}" type="parTrans" cxnId="{6D7E1459-596F-1E43-81B4-B1710AB5BCE8}">
+      <dgm:prSet/>
+      <dgm:spPr/>
+    </dgm:pt>
+    <dgm:pt modelId="{9C6A73F5-B390-6C48-94B3-31B88DAF5DBE}" type="sibTrans" cxnId="{6D7E1459-596F-1E43-81B4-B1710AB5BCE8}">
+      <dgm:prSet/>
+      <dgm:spPr/>
+    </dgm:pt>
     <dgm:pt modelId="{DCBBD6ED-E7E2-E641-94EA-3B38CC6CF4A5}" type="pres">
       <dgm:prSet presAssocID="{C8661A6B-810B-1E4B-B1CC-141DE757B849}" presName="Name0" presStyleCnt="0">
         <dgm:presLayoutVars>
@@ -2416,7 +2361,6 @@
     </dgm:pt>
   </dgm:ptLst>
   <dgm:cxnLst>
-    <dgm:cxn modelId="{A1E43E01-B8F3-DB4B-B461-A4B642DA48F5}" srcId="{3DC5BF48-BA14-E94E-BE3F-8FB1C3CF1B90}" destId="{9F29B4BA-AC82-6D4E-A947-86A24F9A1244}" srcOrd="1" destOrd="0" parTransId="{A73F5E14-7602-6248-A85B-A0ABCAF54FB2}" sibTransId="{A155ADA1-95CE-CF4D-8F2D-2B12705E357C}"/>
     <dgm:cxn modelId="{0D42DA19-A0B1-5844-A3E3-808AD29B097B}" srcId="{C8661A6B-810B-1E4B-B1CC-141DE757B849}" destId="{8EB3D4DA-D392-624C-ACBA-01FCEF0039D1}" srcOrd="2" destOrd="0" parTransId="{10862054-81DB-8242-A4C6-06EAE50C713F}" sibTransId="{FDBEC8E4-56A3-A844-B9B6-F6031FEBD7F8}"/>
     <dgm:cxn modelId="{B24B6C27-1328-D64D-82C4-A8ADB45E9BF7}" srcId="{8EB3D4DA-D392-624C-ACBA-01FCEF0039D1}" destId="{8A555377-C05A-8846-93A1-D11E746AD7A5}" srcOrd="0" destOrd="0" parTransId="{FA71FF4A-0D05-9046-8223-41581AEB7A56}" sibTransId="{A42AF4A5-12B9-9A47-87A1-A1080AFEF41D}"/>
     <dgm:cxn modelId="{BD826E33-4F4A-424B-8A9A-18DEC9A5DA62}" srcId="{0D594C62-8F0E-D547-B5C4-5454A990423E}" destId="{ABAEC531-3B7E-8C43-947C-01941E1C3768}" srcOrd="0" destOrd="0" parTransId="{95B22694-E70F-BA40-A0AF-AA4F7A94BF92}" sibTransId="{F8A9044D-EDC9-1E4A-82B2-CA2EF10AEE85}"/>
@@ -2425,10 +2369,11 @@
     <dgm:cxn modelId="{2759DD43-1160-1044-A393-4DA743613C0C}" type="presOf" srcId="{8A555377-C05A-8846-93A1-D11E746AD7A5}" destId="{20D095F7-62F7-7748-B677-217EAF898924}" srcOrd="0" destOrd="0" presId="urn:microsoft.com/office/officeart/2005/8/layout/hList1"/>
     <dgm:cxn modelId="{D838BC4F-8976-BD43-9465-5620F7EAB015}" type="presOf" srcId="{C8661A6B-810B-1E4B-B1CC-141DE757B849}" destId="{DCBBD6ED-E7E2-E641-94EA-3B38CC6CF4A5}" srcOrd="0" destOrd="0" presId="urn:microsoft.com/office/officeart/2005/8/layout/hList1"/>
     <dgm:cxn modelId="{CB125556-6806-D04F-B199-FDC2D0D9AE6D}" srcId="{3DC5BF48-BA14-E94E-BE3F-8FB1C3CF1B90}" destId="{15AFFBE7-DAB1-FC45-9FC0-69BC8EFFD4BA}" srcOrd="0" destOrd="0" parTransId="{8BD24FEB-079D-DD4D-9ED0-A15F63FF9A47}" sibTransId="{133DDD6A-9990-B948-8B47-3948C694B1CD}"/>
+    <dgm:cxn modelId="{6D7E1459-596F-1E43-81B4-B1710AB5BCE8}" srcId="{3DC5BF48-BA14-E94E-BE3F-8FB1C3CF1B90}" destId="{969DF257-AE32-3940-821C-98D9DA62B596}" srcOrd="1" destOrd="0" parTransId="{899B722F-0208-884C-87B5-A4B5E83F6CA6}" sibTransId="{9C6A73F5-B390-6C48-94B3-31B88DAF5DBE}"/>
     <dgm:cxn modelId="{20DE6B73-3698-9E41-BF10-05178F64D69D}" type="presOf" srcId="{9769F036-4C76-ED46-85A5-616220C10A05}" destId="{DD81468D-FAD2-994B-B911-D934DCB70CA1}" srcOrd="0" destOrd="2" presId="urn:microsoft.com/office/officeart/2005/8/layout/hList1"/>
     <dgm:cxn modelId="{05A24B7B-0A7A-D941-8899-E41721BD8E08}" type="presOf" srcId="{E2F99037-DD6C-444C-8200-8A7A20646B44}" destId="{A85479BA-39C3-B44C-8F28-84A809FAA5A1}" srcOrd="0" destOrd="0" presId="urn:microsoft.com/office/officeart/2005/8/layout/hList1"/>
     <dgm:cxn modelId="{7604DC7D-D5E0-9C4D-8786-9C0215029E69}" srcId="{C8661A6B-810B-1E4B-B1CC-141DE757B849}" destId="{2C0A458E-41E7-0749-B5F3-B87B657B2C46}" srcOrd="0" destOrd="0" parTransId="{85DFE8F1-77A0-D149-A78B-A94463996F28}" sibTransId="{B575B920-FFFA-344C-81D6-148E999212A2}"/>
-    <dgm:cxn modelId="{9F824280-F841-B842-8558-02F43A541D25}" srcId="{2C0A458E-41E7-0749-B5F3-B87B657B2C46}" destId="{71B5FA8A-0C78-034E-A896-108134084ADA}" srcOrd="2" destOrd="0" parTransId="{9CABCF1F-167D-9840-9E29-3D3CAD6BBB1E}" sibTransId="{ED445228-62FA-9C4F-9030-D8DB1A3E1171}"/>
+    <dgm:cxn modelId="{770DD680-9B9E-1448-ACAC-4AC00C5F8673}" type="presOf" srcId="{969DF257-AE32-3940-821C-98D9DA62B596}" destId="{DD81468D-FAD2-994B-B911-D934DCB70CA1}" srcOrd="0" destOrd="1" presId="urn:microsoft.com/office/officeart/2005/8/layout/hList1"/>
     <dgm:cxn modelId="{22F1BE8A-8087-D042-8942-508C1308CD06}" srcId="{2C0A458E-41E7-0749-B5F3-B87B657B2C46}" destId="{E2F99037-DD6C-444C-8200-8A7A20646B44}" srcOrd="0" destOrd="0" parTransId="{0E183783-E209-9F4F-A70E-F492EA7BD742}" sibTransId="{1BC8B3A4-FB01-764A-8BED-6E8EB8032305}"/>
     <dgm:cxn modelId="{9C499E8F-780B-D84A-A972-D83685A19282}" type="presOf" srcId="{15AFFBE7-DAB1-FC45-9FC0-69BC8EFFD4BA}" destId="{DD81468D-FAD2-994B-B911-D934DCB70CA1}" srcOrd="0" destOrd="0" presId="urn:microsoft.com/office/officeart/2005/8/layout/hList1"/>
     <dgm:cxn modelId="{E8165391-402A-7348-93C1-E044107B9AF2}" type="presOf" srcId="{0D594C62-8F0E-D547-B5C4-5454A990423E}" destId="{4B864F2B-A171-CA4C-8EC7-98380C9D7AAC}" srcOrd="0" destOrd="0" presId="urn:microsoft.com/office/officeart/2005/8/layout/hList1"/>
@@ -2436,15 +2381,13 @@
     <dgm:cxn modelId="{EB007095-A9B2-5445-A1F5-5A90AE429483}" type="presOf" srcId="{7D131D1C-F090-D04A-A63A-BBE136B185DA}" destId="{A85479BA-39C3-B44C-8F28-84A809FAA5A1}" srcOrd="0" destOrd="1" presId="urn:microsoft.com/office/officeart/2005/8/layout/hList1"/>
     <dgm:cxn modelId="{EF28A899-EE90-804D-A835-5E18D8C75057}" srcId="{C8661A6B-810B-1E4B-B1CC-141DE757B849}" destId="{726FAEE0-0671-6A47-992E-19C958FAA5C0}" srcOrd="4" destOrd="0" parTransId="{2F18166A-B3FC-6142-9EE6-69B7FBBE776A}" sibTransId="{5E8048C6-AB64-C744-BC71-8297C7F11082}"/>
     <dgm:cxn modelId="{ECAF81A3-ACA0-3649-9D30-242B00837DB5}" type="presOf" srcId="{8EB3D4DA-D392-624C-ACBA-01FCEF0039D1}" destId="{ADACA0E1-9830-504A-819D-FA1ACF8A190B}" srcOrd="0" destOrd="0" presId="urn:microsoft.com/office/officeart/2005/8/layout/hList1"/>
-    <dgm:cxn modelId="{970470AD-6AA5-8344-9FD1-1772C3893C52}" type="presOf" srcId="{8C8069CD-959D-9D4A-9ABD-5817462EEBF6}" destId="{A85479BA-39C3-B44C-8F28-84A809FAA5A1}" srcOrd="0" destOrd="3" presId="urn:microsoft.com/office/officeart/2005/8/layout/hList1"/>
+    <dgm:cxn modelId="{970470AD-6AA5-8344-9FD1-1772C3893C52}" type="presOf" srcId="{8C8069CD-959D-9D4A-9ABD-5817462EEBF6}" destId="{A85479BA-39C3-B44C-8F28-84A809FAA5A1}" srcOrd="0" destOrd="2" presId="urn:microsoft.com/office/officeart/2005/8/layout/hList1"/>
     <dgm:cxn modelId="{481898B3-7418-894E-A791-4F84721C1A3C}" type="presOf" srcId="{2C0A458E-41E7-0749-B5F3-B87B657B2C46}" destId="{25F78C9F-B521-2441-8888-89EBACCB579C}" srcOrd="0" destOrd="0" presId="urn:microsoft.com/office/officeart/2005/8/layout/hList1"/>
-    <dgm:cxn modelId="{44BF89B9-BFB6-E24E-85BB-BD1FBA318084}" type="presOf" srcId="{9F29B4BA-AC82-6D4E-A947-86A24F9A1244}" destId="{DD81468D-FAD2-994B-B911-D934DCB70CA1}" srcOrd="0" destOrd="1" presId="urn:microsoft.com/office/officeart/2005/8/layout/hList1"/>
     <dgm:cxn modelId="{834412BB-BB26-C04C-A7F4-415DA9A5AB3E}" type="presOf" srcId="{D0F5AB6F-AA61-1842-ADBB-8A8C76FD68DD}" destId="{20D095F7-62F7-7748-B677-217EAF898924}" srcOrd="0" destOrd="1" presId="urn:microsoft.com/office/officeart/2005/8/layout/hList1"/>
     <dgm:cxn modelId="{2A7391BD-E933-724E-B9B1-BA636999FB1D}" srcId="{C8661A6B-810B-1E4B-B1CC-141DE757B849}" destId="{3DC5BF48-BA14-E94E-BE3F-8FB1C3CF1B90}" srcOrd="1" destOrd="0" parTransId="{66636137-4F14-C340-9E6A-C098E47B6F2F}" sibTransId="{E2837041-A437-774B-A318-B655203B6D90}"/>
     <dgm:cxn modelId="{B308C8BD-5034-E74C-8CFA-FD678506FAEA}" srcId="{C8661A6B-810B-1E4B-B1CC-141DE757B849}" destId="{0D594C62-8F0E-D547-B5C4-5454A990423E}" srcOrd="3" destOrd="0" parTransId="{FE0DCDF9-B2F9-D24B-BA5F-F37FD6FA0851}" sibTransId="{C6B30F07-7703-C24B-B99C-F227B6A1DD06}"/>
-    <dgm:cxn modelId="{C882F2C5-E6E0-944D-B8F0-974B83B5B5D3}" srcId="{2C0A458E-41E7-0749-B5F3-B87B657B2C46}" destId="{8C8069CD-959D-9D4A-9ABD-5817462EEBF6}" srcOrd="3" destOrd="0" parTransId="{481DF761-3B74-B14E-B504-A2D81087B8DE}" sibTransId="{66F90A01-CE31-CF4D-A82B-776B9E72F357}"/>
+    <dgm:cxn modelId="{C882F2C5-E6E0-944D-B8F0-974B83B5B5D3}" srcId="{2C0A458E-41E7-0749-B5F3-B87B657B2C46}" destId="{8C8069CD-959D-9D4A-9ABD-5817462EEBF6}" srcOrd="2" destOrd="0" parTransId="{481DF761-3B74-B14E-B504-A2D81087B8DE}" sibTransId="{66F90A01-CE31-CF4D-A82B-776B9E72F357}"/>
     <dgm:cxn modelId="{1E5F0CCA-8CF7-3145-9F8A-F2D6CF258F45}" type="presOf" srcId="{726FAEE0-0671-6A47-992E-19C958FAA5C0}" destId="{3D66253D-95FC-7548-B49C-8D3767F33B71}" srcOrd="0" destOrd="0" presId="urn:microsoft.com/office/officeart/2005/8/layout/hList1"/>
-    <dgm:cxn modelId="{245D36D8-DC15-AE45-89FE-02895AA3B6CD}" type="presOf" srcId="{71B5FA8A-0C78-034E-A896-108134084ADA}" destId="{A85479BA-39C3-B44C-8F28-84A809FAA5A1}" srcOrd="0" destOrd="2" presId="urn:microsoft.com/office/officeart/2005/8/layout/hList1"/>
     <dgm:cxn modelId="{0DFB3AE6-68B7-2E46-8331-94C6789F6430}" type="presOf" srcId="{B104E1B0-0B7A-2D46-BBDC-0278907C22A0}" destId="{5C72DD71-135D-9842-880A-888477FED38E}" srcOrd="0" destOrd="0" presId="urn:microsoft.com/office/officeart/2005/8/layout/hList1"/>
     <dgm:cxn modelId="{AB9249E6-EA10-9547-ABEB-157FFF007F8A}" srcId="{726FAEE0-0671-6A47-992E-19C958FAA5C0}" destId="{B104E1B0-0B7A-2D46-BBDC-0278907C22A0}" srcOrd="0" destOrd="0" parTransId="{3FC769AB-EBF6-DB47-AE23-6A9F1B819A57}" sibTransId="{4EC74BF3-5D61-FE45-AF6F-E01E9EE4F832}"/>
     <dgm:cxn modelId="{4C9024EB-A0A4-D343-962F-84342230B98F}" type="presOf" srcId="{ABAEC531-3B7E-8C43-947C-01941E1C3768}" destId="{617F9704-C5B9-1648-98CF-94F97120C572}" srcOrd="0" destOrd="0" presId="urn:microsoft.com/office/officeart/2005/8/layout/hList1"/>
@@ -2542,13 +2485,31 @@
             <a:rPr lang="pt-BR" b="0" i="0" noProof="0" dirty="0">
               <a:latin typeface="+mj-lt"/>
             </a:rPr>
-            <a:t>Introdução à linguagem </a:t>
+            <a:t>Linguagem </a:t>
           </a:r>
           <a:r>
             <a:rPr lang="pt-BR" b="0" i="0" noProof="0" dirty="0" err="1">
               <a:latin typeface="+mj-lt"/>
             </a:rPr>
             <a:t>R</a:t>
+          </a:r>
+          <a:r>
+            <a:rPr lang="pt-BR" b="0" i="0" noProof="0" dirty="0">
+              <a:latin typeface="+mj-lt"/>
+            </a:rPr>
+            <a:t> para este curso (</a:t>
+          </a:r>
+          <a:r>
+            <a:rPr lang="pt-BR" b="0" i="0" noProof="0" dirty="0" err="1">
+              <a:latin typeface="+mj-lt"/>
+            </a:rPr>
+            <a:t>B</a:t>
+          </a:r>
+          <a:r>
+            <a:rPr lang="pt-BR" b="0" i="0" noProof="0" dirty="0">
+              <a:latin typeface="+mj-lt"/>
+            </a:rPr>
+            <a:t>)</a:t>
           </a:r>
           <a:endParaRPr lang="pt-BR" noProof="0" dirty="0">
             <a:latin typeface="+mj-lt"/>
@@ -2826,7 +2787,7 @@
             <a:rPr lang="pt-BR" noProof="0" dirty="0">
               <a:latin typeface="+mj-lt"/>
             </a:rPr>
-            <a:t>Estrutura do curso</a:t>
+            <a:t>Estrutura do curso (B+J)</a:t>
           </a:r>
         </a:p>
       </dgm:t>
@@ -2957,9 +2918,12 @@
             </a:rPr>
             <a:t>Rmarkdown</a:t>
           </a:r>
-          <a:endParaRPr lang="pt-BR" noProof="0" dirty="0">
-            <a:latin typeface="+mj-lt"/>
-          </a:endParaRPr>
+          <a:r>
+            <a:rPr lang="pt-BR" noProof="0" dirty="0">
+              <a:latin typeface="+mj-lt"/>
+            </a:rPr>
+            <a:t> (?)</a:t>
+          </a:r>
         </a:p>
       </dgm:t>
     </dgm:pt>
@@ -2975,47 +2939,6 @@
       </dgm:t>
     </dgm:pt>
     <dgm:pt modelId="{BAFB61BC-61BC-ED48-AE80-0EAB47B7080C}" type="sibTrans" cxnId="{9BCC25E3-F2F1-0541-889E-C9E13EE2DC87}">
-      <dgm:prSet/>
-      <dgm:spPr/>
-      <dgm:t>
-        <a:bodyPr/>
-        <a:lstStyle/>
-        <a:p>
-          <a:endParaRPr lang="en-US"/>
-        </a:p>
-      </dgm:t>
-    </dgm:pt>
-    <dgm:pt modelId="{491EA70E-BBEF-9D46-A232-198E6052A0A7}">
-      <dgm:prSet phldrT="[Text]"/>
-      <dgm:spPr/>
-      <dgm:t>
-        <a:bodyPr/>
-        <a:lstStyle/>
-        <a:p>
-          <a:r>
-            <a:rPr lang="pt-BR" b="0" i="0" noProof="0" dirty="0">
-              <a:latin typeface="+mj-lt"/>
-            </a:rPr>
-            <a:t>Introdução à GitHub</a:t>
-          </a:r>
-          <a:endParaRPr lang="pt-BR" noProof="0" dirty="0">
-            <a:latin typeface="+mj-lt"/>
-          </a:endParaRPr>
-        </a:p>
-      </dgm:t>
-    </dgm:pt>
-    <dgm:pt modelId="{722BBB64-94FB-5848-9C14-1790F293FA0B}" type="parTrans" cxnId="{EB42C6FB-7B3D-C64C-B6A3-D6954199775B}">
-      <dgm:prSet/>
-      <dgm:spPr/>
-      <dgm:t>
-        <a:bodyPr/>
-        <a:lstStyle/>
-        <a:p>
-          <a:endParaRPr lang="en-US"/>
-        </a:p>
-      </dgm:t>
-    </dgm:pt>
-    <dgm:pt modelId="{056F97BA-806D-D249-B41F-104A586872D3}" type="sibTrans" cxnId="{EB42C6FB-7B3D-C64C-B6A3-D6954199775B}">
       <dgm:prSet/>
       <dgm:spPr/>
       <dgm:t>
@@ -3292,6 +3215,47 @@
         </a:p>
       </dgm:t>
     </dgm:pt>
+    <dgm:pt modelId="{9660AFDC-9955-D145-AA07-BA322E204FF1}">
+      <dgm:prSet phldrT="[Text]"/>
+      <dgm:spPr/>
+      <dgm:t>
+        <a:bodyPr/>
+        <a:lstStyle/>
+        <a:p>
+          <a:r>
+            <a:rPr lang="pt-BR" b="0" i="0" noProof="0" dirty="0">
+              <a:latin typeface="+mj-lt"/>
+            </a:rPr>
+            <a:t>Introdução à GitHub (J)</a:t>
+          </a:r>
+          <a:endParaRPr lang="pt-BR" noProof="0" dirty="0">
+            <a:latin typeface="+mj-lt"/>
+          </a:endParaRPr>
+        </a:p>
+      </dgm:t>
+    </dgm:pt>
+    <dgm:pt modelId="{A6C1C37F-5C64-984E-AAAF-AF823D71741C}" type="parTrans" cxnId="{F0670E2E-14D5-9F47-B6F9-DC9C974B0604}">
+      <dgm:prSet/>
+      <dgm:spPr/>
+      <dgm:t>
+        <a:bodyPr/>
+        <a:lstStyle/>
+        <a:p>
+          <a:endParaRPr lang="en-US"/>
+        </a:p>
+      </dgm:t>
+    </dgm:pt>
+    <dgm:pt modelId="{B4E61655-3402-CD4D-86CF-CD333176EE4F}" type="sibTrans" cxnId="{F0670E2E-14D5-9F47-B6F9-DC9C974B0604}">
+      <dgm:prSet/>
+      <dgm:spPr/>
+      <dgm:t>
+        <a:bodyPr/>
+        <a:lstStyle/>
+        <a:p>
+          <a:endParaRPr lang="en-US"/>
+        </a:p>
+      </dgm:t>
+    </dgm:pt>
     <dgm:pt modelId="{DCBBD6ED-E7E2-E641-94EA-3B38CC6CF4A5}" type="pres">
       <dgm:prSet presAssocID="{C8661A6B-810B-1E4B-B1CC-141DE757B849}" presName="Name0" presStyleCnt="0">
         <dgm:presLayoutVars>
@@ -3435,8 +3399,8 @@
     <dgm:cxn modelId="{0D42DA19-A0B1-5844-A3E3-808AD29B097B}" srcId="{C8661A6B-810B-1E4B-B1CC-141DE757B849}" destId="{8EB3D4DA-D392-624C-ACBA-01FCEF0039D1}" srcOrd="2" destOrd="0" parTransId="{10862054-81DB-8242-A4C6-06EAE50C713F}" sibTransId="{FDBEC8E4-56A3-A844-B9B6-F6031FEBD7F8}"/>
     <dgm:cxn modelId="{F6CFB626-0E56-0B44-8EF2-464372C4762C}" type="presOf" srcId="{9794766A-8C01-0E48-91EA-38B71167FB12}" destId="{617F9704-C5B9-1648-98CF-94F97120C572}" srcOrd="0" destOrd="0" presId="urn:microsoft.com/office/officeart/2005/8/layout/hList1"/>
     <dgm:cxn modelId="{B24B6C27-1328-D64D-82C4-A8ADB45E9BF7}" srcId="{8EB3D4DA-D392-624C-ACBA-01FCEF0039D1}" destId="{8A555377-C05A-8846-93A1-D11E746AD7A5}" srcOrd="0" destOrd="0" parTransId="{FA71FF4A-0D05-9046-8223-41581AEB7A56}" sibTransId="{A42AF4A5-12B9-9A47-87A1-A1080AFEF41D}"/>
+    <dgm:cxn modelId="{F0670E2E-14D5-9F47-B6F9-DC9C974B0604}" srcId="{2C0A458E-41E7-0749-B5F3-B87B657B2C46}" destId="{9660AFDC-9955-D145-AA07-BA322E204FF1}" srcOrd="2" destOrd="0" parTransId="{A6C1C37F-5C64-984E-AAAF-AF823D71741C}" sibTransId="{B4E61655-3402-CD4D-86CF-CD333176EE4F}"/>
     <dgm:cxn modelId="{77D2A235-EBAF-6F4A-B52D-E4EFBB604EFE}" type="presOf" srcId="{3DC5BF48-BA14-E94E-BE3F-8FB1C3CF1B90}" destId="{ECE4CE78-598F-7349-8860-765FB74D8A57}" srcOrd="0" destOrd="0" presId="urn:microsoft.com/office/officeart/2005/8/layout/hList1"/>
-    <dgm:cxn modelId="{2DE22139-E95F-3840-97EA-D750F9440EDC}" type="presOf" srcId="{491EA70E-BBEF-9D46-A232-198E6052A0A7}" destId="{A85479BA-39C3-B44C-8F28-84A809FAA5A1}" srcOrd="0" destOrd="1" presId="urn:microsoft.com/office/officeart/2005/8/layout/hList1"/>
     <dgm:cxn modelId="{2759DD43-1160-1044-A393-4DA743613C0C}" type="presOf" srcId="{8A555377-C05A-8846-93A1-D11E746AD7A5}" destId="{20D095F7-62F7-7748-B677-217EAF898924}" srcOrd="0" destOrd="0" presId="urn:microsoft.com/office/officeart/2005/8/layout/hList1"/>
     <dgm:cxn modelId="{D838BC4F-8976-BD43-9465-5620F7EAB015}" type="presOf" srcId="{C8661A6B-810B-1E4B-B1CC-141DE757B849}" destId="{DCBBD6ED-E7E2-E641-94EA-3B38CC6CF4A5}" srcOrd="0" destOrd="0" presId="urn:microsoft.com/office/officeart/2005/8/layout/hList1"/>
     <dgm:cxn modelId="{CB125556-6806-D04F-B199-FDC2D0D9AE6D}" srcId="{3DC5BF48-BA14-E94E-BE3F-8FB1C3CF1B90}" destId="{15AFFBE7-DAB1-FC45-9FC0-69BC8EFFD4BA}" srcOrd="0" destOrd="0" parTransId="{8BD24FEB-079D-DD4D-9ED0-A15F63FF9A47}" sibTransId="{133DDD6A-9990-B948-8B47-3948C694B1CD}"/>
@@ -3444,14 +3408,15 @@
     <dgm:cxn modelId="{002F695F-F451-1A4B-AAE9-1AD10E9C53BC}" srcId="{3DC5BF48-BA14-E94E-BE3F-8FB1C3CF1B90}" destId="{9BCFE93D-6E84-5B41-801F-56F19DAAF022}" srcOrd="1" destOrd="0" parTransId="{46E92058-9D74-764A-9EFC-E66B9D8CC71B}" sibTransId="{27A58515-4A87-C74B-9454-6E1124391473}"/>
     <dgm:cxn modelId="{6FAD4A6E-7329-6149-A025-6A4491A0D4E4}" srcId="{2C0A458E-41E7-0749-B5F3-B87B657B2C46}" destId="{2D8CDDA4-D3AB-9E47-B00E-87DCAED83B87}" srcOrd="0" destOrd="0" parTransId="{8A7665EC-796D-A24C-A7F2-A6B6B5E0B8AA}" sibTransId="{3F2151BD-3470-9243-83B7-646636527AA1}"/>
     <dgm:cxn modelId="{A7FCF36E-B789-9243-912F-8A3BD6435061}" srcId="{0D594C62-8F0E-D547-B5C4-5454A990423E}" destId="{BE02F444-75AD-2A42-8E17-160D7AAD2ABE}" srcOrd="1" destOrd="0" parTransId="{24F19D2C-B734-2F47-8CCD-52020F2FC386}" sibTransId="{D5BFEAEF-6E75-DD46-97B0-38532E467148}"/>
-    <dgm:cxn modelId="{05A24B7B-0A7A-D941-8899-E41721BD8E08}" type="presOf" srcId="{E2F99037-DD6C-444C-8200-8A7A20646B44}" destId="{A85479BA-39C3-B44C-8F28-84A809FAA5A1}" srcOrd="0" destOrd="2" presId="urn:microsoft.com/office/officeart/2005/8/layout/hList1"/>
+    <dgm:cxn modelId="{05A24B7B-0A7A-D941-8899-E41721BD8E08}" type="presOf" srcId="{E2F99037-DD6C-444C-8200-8A7A20646B44}" destId="{A85479BA-39C3-B44C-8F28-84A809FAA5A1}" srcOrd="0" destOrd="1" presId="urn:microsoft.com/office/officeart/2005/8/layout/hList1"/>
     <dgm:cxn modelId="{7604DC7D-D5E0-9C4D-8786-9C0215029E69}" srcId="{C8661A6B-810B-1E4B-B1CC-141DE757B849}" destId="{2C0A458E-41E7-0749-B5F3-B87B657B2C46}" srcOrd="0" destOrd="0" parTransId="{85DFE8F1-77A0-D149-A78B-A94463996F28}" sibTransId="{B575B920-FFFA-344C-81D6-148E999212A2}"/>
     <dgm:cxn modelId="{C8720D7E-F463-3F4D-A842-D768FCF58084}" type="presOf" srcId="{9BCFE93D-6E84-5B41-801F-56F19DAAF022}" destId="{DD81468D-FAD2-994B-B911-D934DCB70CA1}" srcOrd="0" destOrd="1" presId="urn:microsoft.com/office/officeart/2005/8/layout/hList1"/>
-    <dgm:cxn modelId="{22F1BE8A-8087-D042-8942-508C1308CD06}" srcId="{2C0A458E-41E7-0749-B5F3-B87B657B2C46}" destId="{E2F99037-DD6C-444C-8200-8A7A20646B44}" srcOrd="2" destOrd="0" parTransId="{0E183783-E209-9F4F-A70E-F492EA7BD742}" sibTransId="{1BC8B3A4-FB01-764A-8BED-6E8EB8032305}"/>
+    <dgm:cxn modelId="{22F1BE8A-8087-D042-8942-508C1308CD06}" srcId="{2C0A458E-41E7-0749-B5F3-B87B657B2C46}" destId="{E2F99037-DD6C-444C-8200-8A7A20646B44}" srcOrd="1" destOrd="0" parTransId="{0E183783-E209-9F4F-A70E-F492EA7BD742}" sibTransId="{1BC8B3A4-FB01-764A-8BED-6E8EB8032305}"/>
     <dgm:cxn modelId="{68B3B68C-44FE-3D44-97BB-6B651DFB92A1}" type="presOf" srcId="{BE02F444-75AD-2A42-8E17-160D7AAD2ABE}" destId="{617F9704-C5B9-1648-98CF-94F97120C572}" srcOrd="0" destOrd="1" presId="urn:microsoft.com/office/officeart/2005/8/layout/hList1"/>
     <dgm:cxn modelId="{9C499E8F-780B-D84A-A972-D83685A19282}" type="presOf" srcId="{15AFFBE7-DAB1-FC45-9FC0-69BC8EFFD4BA}" destId="{DD81468D-FAD2-994B-B911-D934DCB70CA1}" srcOrd="0" destOrd="0" presId="urn:microsoft.com/office/officeart/2005/8/layout/hList1"/>
     <dgm:cxn modelId="{E8165391-402A-7348-93C1-E044107B9AF2}" type="presOf" srcId="{0D594C62-8F0E-D547-B5C4-5454A990423E}" destId="{4B864F2B-A171-CA4C-8EC7-98380C9D7AAC}" srcOrd="0" destOrd="0" presId="urn:microsoft.com/office/officeart/2005/8/layout/hList1"/>
     <dgm:cxn modelId="{B414F291-BE96-F747-AFF7-540311917CA3}" type="presOf" srcId="{11C2A335-66EC-CF42-965A-816D0E00DA7F}" destId="{A85479BA-39C3-B44C-8F28-84A809FAA5A1}" srcOrd="0" destOrd="3" presId="urn:microsoft.com/office/officeart/2005/8/layout/hList1"/>
+    <dgm:cxn modelId="{15CE1192-BA53-964B-9F08-908393A01D2E}" type="presOf" srcId="{9660AFDC-9955-D145-AA07-BA322E204FF1}" destId="{A85479BA-39C3-B44C-8F28-84A809FAA5A1}" srcOrd="0" destOrd="2" presId="urn:microsoft.com/office/officeart/2005/8/layout/hList1"/>
     <dgm:cxn modelId="{9DCBD597-D7C6-BB40-BBA9-AAA3815FF3ED}" srcId="{0D594C62-8F0E-D547-B5C4-5454A990423E}" destId="{960A4DE7-D040-C34C-BDE1-053507B5D5FA}" srcOrd="3" destOrd="0" parTransId="{E0587E6D-63CC-8243-A87A-C082692CF03E}" sibTransId="{D44503DF-7CCD-BB4A-9CB0-CA3BBA4B79F3}"/>
     <dgm:cxn modelId="{EF28A899-EE90-804D-A835-5E18D8C75057}" srcId="{C8661A6B-810B-1E4B-B1CC-141DE757B849}" destId="{726FAEE0-0671-6A47-992E-19C958FAA5C0}" srcOrd="4" destOrd="0" parTransId="{2F18166A-B3FC-6142-9EE6-69B7FBBE776A}" sibTransId="{5E8048C6-AB64-C744-BC71-8297C7F11082}"/>
     <dgm:cxn modelId="{A0DBB09D-7EDD-1148-9333-DCE4C93BA9D7}" srcId="{0D594C62-8F0E-D547-B5C4-5454A990423E}" destId="{9794766A-8C01-0E48-91EA-38B71167FB12}" srcOrd="0" destOrd="0" parTransId="{D5ED0948-3692-0F48-8054-F38A33146C84}" sibTransId="{AD5BA8C9-50EC-8149-9EB8-8BC88A3B2CED}"/>
@@ -3470,7 +3435,6 @@
     <dgm:cxn modelId="{9BCC25E3-F2F1-0541-889E-C9E13EE2DC87}" srcId="{2C0A458E-41E7-0749-B5F3-B87B657B2C46}" destId="{11C2A335-66EC-CF42-965A-816D0E00DA7F}" srcOrd="3" destOrd="0" parTransId="{510801A3-F1C9-2247-B4A2-D7B920ABBEF4}" sibTransId="{BAFB61BC-61BC-ED48-AE80-0EAB47B7080C}"/>
     <dgm:cxn modelId="{5D8F6DEA-5CF5-6147-929E-1EC6EAF9490F}" type="presOf" srcId="{60F038A9-D549-3F47-9C60-952B3F373EAE}" destId="{617F9704-C5B9-1648-98CF-94F97120C572}" srcOrd="0" destOrd="4" presId="urn:microsoft.com/office/officeart/2005/8/layout/hList1"/>
     <dgm:cxn modelId="{02474DEB-CE66-9F49-874C-9046605C29DB}" type="presOf" srcId="{9A9CBCCD-57D6-6049-97A4-2D69B1D04227}" destId="{617F9704-C5B9-1648-98CF-94F97120C572}" srcOrd="0" destOrd="2" presId="urn:microsoft.com/office/officeart/2005/8/layout/hList1"/>
-    <dgm:cxn modelId="{EB42C6FB-7B3D-C64C-B6A3-D6954199775B}" srcId="{2C0A458E-41E7-0749-B5F3-B87B657B2C46}" destId="{491EA70E-BBEF-9D46-A232-198E6052A0A7}" srcOrd="1" destOrd="0" parTransId="{722BBB64-94FB-5848-9C14-1790F293FA0B}" sibTransId="{056F97BA-806D-D249-B41F-104A586872D3}"/>
     <dgm:cxn modelId="{4D162DBB-9E40-B14B-9096-C651217A8161}" type="presParOf" srcId="{DCBBD6ED-E7E2-E641-94EA-3B38CC6CF4A5}" destId="{9F03E44B-F21C-A74E-8366-EA8D85CC04EA}" srcOrd="0" destOrd="0" presId="urn:microsoft.com/office/officeart/2005/8/layout/hList1"/>
     <dgm:cxn modelId="{88B32E11-C6D5-1B4E-B1B1-C841B86D33DC}" type="presParOf" srcId="{9F03E44B-F21C-A74E-8366-EA8D85CC04EA}" destId="{25F78C9F-B521-2441-8888-89EBACCB579C}" srcOrd="0" destOrd="0" presId="urn:microsoft.com/office/officeart/2005/8/layout/hList1"/>
     <dgm:cxn modelId="{2B6C4102-AD3B-714C-8D58-F8BC3669FE0A}" type="presParOf" srcId="{9F03E44B-F21C-A74E-8366-EA8D85CC04EA}" destId="{A85479BA-39C3-B44C-8F28-84A809FAA5A1}" srcOrd="1" destOrd="0" presId="urn:microsoft.com/office/officeart/2005/8/layout/hList1"/>
@@ -3516,7 +3480,7 @@
       </dsp:nvSpPr>
       <dsp:spPr>
         <a:xfrm>
-          <a:off x="5715" y="354139"/>
+          <a:off x="5715" y="705499"/>
           <a:ext cx="2190749" cy="811378"/>
         </a:xfrm>
         <a:prstGeom prst="rect">
@@ -3585,7 +3549,7 @@
         </a:p>
       </dsp:txBody>
       <dsp:txXfrm>
-        <a:off x="5715" y="354139"/>
+        <a:off x="5715" y="705499"/>
         <a:ext cx="2190749" cy="811378"/>
       </dsp:txXfrm>
     </dsp:sp>
@@ -3596,8 +3560,8 @@
       </dsp:nvSpPr>
       <dsp:spPr>
         <a:xfrm>
-          <a:off x="5715" y="1155130"/>
-          <a:ext cx="2190749" cy="1888560"/>
+          <a:off x="5715" y="1510355"/>
+          <a:ext cx="2190749" cy="1185840"/>
         </a:xfrm>
         <a:prstGeom prst="rect">
           <a:avLst/>
@@ -3668,7 +3632,7 @@
             <a:rPr lang="pt-BR" sz="1600" kern="1200" noProof="0" dirty="0">
               <a:latin typeface="+mj-lt"/>
             </a:rPr>
-            <a:t>. curso</a:t>
+            <a:t>. Curso (B+J)</a:t>
           </a:r>
         </a:p>
         <a:p>
@@ -3694,42 +3658,19 @@
             <a:rPr lang="pt-BR" sz="1600" kern="1200" noProof="0" dirty="0">
               <a:latin typeface="+mj-lt"/>
             </a:rPr>
-            <a:t>. Analises de dados </a:t>
+            <a:t>. Analises de dados ecológicos (</a:t>
           </a:r>
           <a:r>
             <a:rPr lang="pt-BR" sz="1600" kern="1200" noProof="0" dirty="0" err="1">
               <a:latin typeface="+mj-lt"/>
             </a:rPr>
-            <a:t>ecologicos</a:t>
-          </a:r>
-          <a:endParaRPr lang="pt-BR" sz="1600" kern="1200" noProof="0" dirty="0">
-            <a:latin typeface="+mj-lt"/>
-          </a:endParaRPr>
-        </a:p>
-        <a:p>
-          <a:pPr marL="171450" lvl="1" indent="-171450" algn="l" defTabSz="711200">
-            <a:lnSpc>
-              <a:spcPct val="90000"/>
-            </a:lnSpc>
-            <a:spcBef>
-              <a:spcPct val="0"/>
-            </a:spcBef>
-            <a:spcAft>
-              <a:spcPct val="15000"/>
-            </a:spcAft>
-            <a:buChar char="•"/>
-          </a:pPr>
-          <a:r>
-            <a:rPr lang="pt-BR" sz="1600" kern="1200" noProof="0" dirty="0" err="1">
-              <a:latin typeface="+mj-lt"/>
-            </a:rPr>
-            <a:t>Intro</a:t>
+            <a:t>B</a:t>
           </a:r>
           <a:r>
             <a:rPr lang="pt-BR" sz="1600" kern="1200" noProof="0" dirty="0">
               <a:latin typeface="+mj-lt"/>
             </a:rPr>
-            <a:t>. Modelos distribuição de espécies</a:t>
+            <a:t>)</a:t>
           </a:r>
         </a:p>
         <a:p>
@@ -3749,13 +3690,13 @@
             <a:rPr lang="pt-BR" sz="1600" kern="1200" noProof="0" dirty="0">
               <a:latin typeface="+mj-lt"/>
             </a:rPr>
-            <a:t>Boas praticas</a:t>
+            <a:t>Boas praticas (J)</a:t>
           </a:r>
         </a:p>
       </dsp:txBody>
       <dsp:txXfrm>
-        <a:off x="5715" y="1155130"/>
-        <a:ext cx="2190749" cy="1888560"/>
+        <a:off x="5715" y="1510355"/>
+        <a:ext cx="2190749" cy="1185840"/>
       </dsp:txXfrm>
     </dsp:sp>
     <dsp:sp modelId="{ECE4CE78-598F-7349-8860-765FB74D8A57}">
@@ -3765,7 +3706,7 @@
       </dsp:nvSpPr>
       <dsp:spPr>
         <a:xfrm>
-          <a:off x="2503170" y="354139"/>
+          <a:off x="2503170" y="705499"/>
           <a:ext cx="2190749" cy="811378"/>
         </a:xfrm>
         <a:prstGeom prst="rect">
@@ -3834,7 +3775,7 @@
         </a:p>
       </dsp:txBody>
       <dsp:txXfrm>
-        <a:off x="2503170" y="354139"/>
+        <a:off x="2503170" y="705499"/>
         <a:ext cx="2190749" cy="811378"/>
       </dsp:txXfrm>
     </dsp:sp>
@@ -3845,8 +3786,8 @@
       </dsp:nvSpPr>
       <dsp:spPr>
         <a:xfrm>
-          <a:off x="2503170" y="1165518"/>
-          <a:ext cx="2190749" cy="1888560"/>
+          <a:off x="2503170" y="1516878"/>
+          <a:ext cx="2190749" cy="1185840"/>
         </a:xfrm>
         <a:prstGeom prst="rect">
           <a:avLst/>
@@ -3911,7 +3852,7 @@
             <a:rPr lang="pt-BR" sz="1600" kern="1200" noProof="0" dirty="0">
               <a:latin typeface="+mj-lt"/>
             </a:rPr>
-            <a:t>Nicho ecológico</a:t>
+            <a:t>Distribuição de espécies (J)</a:t>
           </a:r>
         </a:p>
         <a:p>
@@ -3931,7 +3872,7 @@
             <a:rPr lang="pt-BR" sz="1600" kern="1200" noProof="0" dirty="0">
               <a:latin typeface="+mj-lt"/>
             </a:rPr>
-            <a:t>Distribuição de espécies</a:t>
+            <a:t>Nicho ecológico </a:t>
           </a:r>
         </a:p>
         <a:p>
@@ -3959,8 +3900,8 @@
         </a:p>
       </dsp:txBody>
       <dsp:txXfrm>
-        <a:off x="2503170" y="1165518"/>
-        <a:ext cx="2190749" cy="1888560"/>
+        <a:off x="2503170" y="1516878"/>
+        <a:ext cx="2190749" cy="1185840"/>
       </dsp:txXfrm>
     </dsp:sp>
     <dsp:sp modelId="{ADACA0E1-9830-504A-819D-FA1ACF8A190B}">
@@ -3970,7 +3911,7 @@
       </dsp:nvSpPr>
       <dsp:spPr>
         <a:xfrm>
-          <a:off x="5000625" y="354139"/>
+          <a:off x="5000625" y="705499"/>
           <a:ext cx="2190749" cy="811378"/>
         </a:xfrm>
         <a:prstGeom prst="rect">
@@ -4039,7 +3980,7 @@
         </a:p>
       </dsp:txBody>
       <dsp:txXfrm>
-        <a:off x="5000625" y="354139"/>
+        <a:off x="5000625" y="705499"/>
         <a:ext cx="2190749" cy="811378"/>
       </dsp:txXfrm>
     </dsp:sp>
@@ -4050,8 +3991,8 @@
       </dsp:nvSpPr>
       <dsp:spPr>
         <a:xfrm>
-          <a:off x="5000625" y="1165518"/>
-          <a:ext cx="2190749" cy="1888560"/>
+          <a:off x="5000625" y="1516878"/>
+          <a:ext cx="2190749" cy="1185840"/>
         </a:xfrm>
         <a:prstGeom prst="rect">
           <a:avLst/>
@@ -4141,8 +4082,8 @@
         </a:p>
       </dsp:txBody>
       <dsp:txXfrm>
-        <a:off x="5000625" y="1165518"/>
-        <a:ext cx="2190749" cy="1888560"/>
+        <a:off x="5000625" y="1516878"/>
+        <a:ext cx="2190749" cy="1185840"/>
       </dsp:txXfrm>
     </dsp:sp>
     <dsp:sp modelId="{4B864F2B-A171-CA4C-8EC7-98380C9D7AAC}">
@@ -4152,7 +4093,7 @@
       </dsp:nvSpPr>
       <dsp:spPr>
         <a:xfrm>
-          <a:off x="7498080" y="354139"/>
+          <a:off x="7498080" y="705499"/>
           <a:ext cx="2190749" cy="811378"/>
         </a:xfrm>
         <a:prstGeom prst="rect">
@@ -4221,7 +4162,7 @@
         </a:p>
       </dsp:txBody>
       <dsp:txXfrm>
-        <a:off x="7498080" y="354139"/>
+        <a:off x="7498080" y="705499"/>
         <a:ext cx="2190749" cy="811378"/>
       </dsp:txXfrm>
     </dsp:sp>
@@ -4232,8 +4173,8 @@
       </dsp:nvSpPr>
       <dsp:spPr>
         <a:xfrm>
-          <a:off x="7498080" y="1165518"/>
-          <a:ext cx="2190749" cy="1888560"/>
+          <a:off x="7498080" y="1516878"/>
+          <a:ext cx="2190749" cy="1185840"/>
         </a:xfrm>
         <a:prstGeom prst="rect">
           <a:avLst/>
@@ -4312,8 +4253,8 @@
         </a:p>
       </dsp:txBody>
       <dsp:txXfrm>
-        <a:off x="7498080" y="1165518"/>
-        <a:ext cx="2190749" cy="1888560"/>
+        <a:off x="7498080" y="1516878"/>
+        <a:ext cx="2190749" cy="1185840"/>
       </dsp:txXfrm>
     </dsp:sp>
     <dsp:sp modelId="{3D66253D-95FC-7548-B49C-8D3767F33B71}">
@@ -4323,7 +4264,7 @@
       </dsp:nvSpPr>
       <dsp:spPr>
         <a:xfrm>
-          <a:off x="9995535" y="354139"/>
+          <a:off x="9995535" y="705499"/>
           <a:ext cx="2190749" cy="811378"/>
         </a:xfrm>
         <a:prstGeom prst="rect">
@@ -4392,7 +4333,7 @@
         </a:p>
       </dsp:txBody>
       <dsp:txXfrm>
-        <a:off x="9995535" y="354139"/>
+        <a:off x="9995535" y="705499"/>
         <a:ext cx="2190749" cy="811378"/>
       </dsp:txXfrm>
     </dsp:sp>
@@ -4403,8 +4344,8 @@
       </dsp:nvSpPr>
       <dsp:spPr>
         <a:xfrm>
-          <a:off x="9995535" y="1165518"/>
-          <a:ext cx="2190749" cy="1888560"/>
+          <a:off x="9995535" y="1516878"/>
+          <a:ext cx="2190749" cy="1185840"/>
         </a:xfrm>
         <a:prstGeom prst="rect">
           <a:avLst/>
@@ -4474,8 +4415,8 @@
         </a:p>
       </dsp:txBody>
       <dsp:txXfrm>
-        <a:off x="9995535" y="1165518"/>
-        <a:ext cx="2190749" cy="1888560"/>
+        <a:off x="9995535" y="1516878"/>
+        <a:ext cx="2190749" cy="1185840"/>
       </dsp:txXfrm>
     </dsp:sp>
   </dsp:spTree>
@@ -4497,7 +4438,7 @@
       </dsp:nvSpPr>
       <dsp:spPr>
         <a:xfrm>
-          <a:off x="5715" y="364499"/>
+          <a:off x="5715" y="227249"/>
           <a:ext cx="2190749" cy="801639"/>
         </a:xfrm>
         <a:prstGeom prst="rect">
@@ -4566,7 +4507,7 @@
         </a:p>
       </dsp:txBody>
       <dsp:txXfrm>
-        <a:off x="5715" y="364499"/>
+        <a:off x="5715" y="227249"/>
         <a:ext cx="2190749" cy="801639"/>
       </dsp:txXfrm>
     </dsp:sp>
@@ -4577,8 +4518,8 @@
       </dsp:nvSpPr>
       <dsp:spPr>
         <a:xfrm>
-          <a:off x="5715" y="1166138"/>
-          <a:ext cx="2190749" cy="1877579"/>
+          <a:off x="5715" y="1028888"/>
+          <a:ext cx="2190749" cy="2152080"/>
         </a:xfrm>
         <a:prstGeom prst="rect">
           <a:avLst/>
@@ -4643,7 +4584,7 @@
             <a:rPr lang="pt-BR" sz="1600" kern="1200" noProof="0" dirty="0">
               <a:latin typeface="+mj-lt"/>
             </a:rPr>
-            <a:t>Estrutura do curso</a:t>
+            <a:t>Estrutura do curso (B+J)</a:t>
           </a:r>
         </a:p>
         <a:p>
@@ -4663,7 +4604,31 @@
             <a:rPr lang="pt-BR" sz="1600" b="0" i="0" kern="1200" noProof="0" dirty="0">
               <a:latin typeface="+mj-lt"/>
             </a:rPr>
-            <a:t>Introdução à GitHub</a:t>
+            <a:t>Linguagem </a:t>
+          </a:r>
+          <a:r>
+            <a:rPr lang="pt-BR" sz="1600" b="0" i="0" kern="1200" noProof="0" dirty="0" err="1">
+              <a:latin typeface="+mj-lt"/>
+            </a:rPr>
+            <a:t>R</a:t>
+          </a:r>
+          <a:r>
+            <a:rPr lang="pt-BR" sz="1600" b="0" i="0" kern="1200" noProof="0" dirty="0">
+              <a:latin typeface="+mj-lt"/>
+            </a:rPr>
+            <a:t> para este curso (</a:t>
+          </a:r>
+          <a:r>
+            <a:rPr lang="pt-BR" sz="1600" b="0" i="0" kern="1200" noProof="0" dirty="0" err="1">
+              <a:latin typeface="+mj-lt"/>
+            </a:rPr>
+            <a:t>B</a:t>
+          </a:r>
+          <a:r>
+            <a:rPr lang="pt-BR" sz="1600" b="0" i="0" kern="1200" noProof="0" dirty="0">
+              <a:latin typeface="+mj-lt"/>
+            </a:rPr>
+            <a:t>)</a:t>
           </a:r>
           <a:endParaRPr lang="pt-BR" sz="1600" kern="1200" noProof="0" dirty="0">
             <a:latin typeface="+mj-lt"/>
@@ -4686,13 +4651,7 @@
             <a:rPr lang="pt-BR" sz="1600" b="0" i="0" kern="1200" noProof="0" dirty="0">
               <a:latin typeface="+mj-lt"/>
             </a:rPr>
-            <a:t>Introdução à linguagem </a:t>
-          </a:r>
-          <a:r>
-            <a:rPr lang="pt-BR" sz="1600" b="0" i="0" kern="1200" noProof="0" dirty="0" err="1">
-              <a:latin typeface="+mj-lt"/>
-            </a:rPr>
-            <a:t>R</a:t>
+            <a:t>Introdução à GitHub (J)</a:t>
           </a:r>
           <a:endParaRPr lang="pt-BR" sz="1600" kern="1200" noProof="0" dirty="0">
             <a:latin typeface="+mj-lt"/>
@@ -4723,14 +4682,17 @@
             </a:rPr>
             <a:t>Rmarkdown</a:t>
           </a:r>
-          <a:endParaRPr lang="pt-BR" sz="1600" kern="1200" noProof="0" dirty="0">
-            <a:latin typeface="+mj-lt"/>
-          </a:endParaRPr>
+          <a:r>
+            <a:rPr lang="pt-BR" sz="1600" kern="1200" noProof="0" dirty="0">
+              <a:latin typeface="+mj-lt"/>
+            </a:rPr>
+            <a:t> (?)</a:t>
+          </a:r>
         </a:p>
       </dsp:txBody>
       <dsp:txXfrm>
-        <a:off x="5715" y="1166138"/>
-        <a:ext cx="2190749" cy="1877579"/>
+        <a:off x="5715" y="1028888"/>
+        <a:ext cx="2190749" cy="2152080"/>
       </dsp:txXfrm>
     </dsp:sp>
     <dsp:sp modelId="{ECE4CE78-598F-7349-8860-765FB74D8A57}">
@@ -4740,7 +4702,7 @@
       </dsp:nvSpPr>
       <dsp:spPr>
         <a:xfrm>
-          <a:off x="2503170" y="364499"/>
+          <a:off x="2503170" y="227249"/>
           <a:ext cx="2190749" cy="801639"/>
         </a:xfrm>
         <a:prstGeom prst="rect">
@@ -4809,7 +4771,7 @@
         </a:p>
       </dsp:txBody>
       <dsp:txXfrm>
-        <a:off x="2503170" y="364499"/>
+        <a:off x="2503170" y="227249"/>
         <a:ext cx="2190749" cy="801639"/>
       </dsp:txXfrm>
     </dsp:sp>
@@ -4820,8 +4782,8 @@
       </dsp:nvSpPr>
       <dsp:spPr>
         <a:xfrm>
-          <a:off x="2503170" y="1166138"/>
-          <a:ext cx="2190749" cy="1877579"/>
+          <a:off x="2503170" y="1028888"/>
+          <a:ext cx="2190749" cy="2152080"/>
         </a:xfrm>
         <a:prstGeom prst="rect">
           <a:avLst/>
@@ -4929,8 +4891,8 @@
         </a:p>
       </dsp:txBody>
       <dsp:txXfrm>
-        <a:off x="2503170" y="1166138"/>
-        <a:ext cx="2190749" cy="1877579"/>
+        <a:off x="2503170" y="1028888"/>
+        <a:ext cx="2190749" cy="2152080"/>
       </dsp:txXfrm>
     </dsp:sp>
     <dsp:sp modelId="{ADACA0E1-9830-504A-819D-FA1ACF8A190B}">
@@ -4940,7 +4902,7 @@
       </dsp:nvSpPr>
       <dsp:spPr>
         <a:xfrm>
-          <a:off x="5000625" y="364499"/>
+          <a:off x="5000625" y="227249"/>
           <a:ext cx="2190749" cy="801639"/>
         </a:xfrm>
         <a:prstGeom prst="rect">
@@ -5009,7 +4971,7 @@
         </a:p>
       </dsp:txBody>
       <dsp:txXfrm>
-        <a:off x="5000625" y="364499"/>
+        <a:off x="5000625" y="227249"/>
         <a:ext cx="2190749" cy="801639"/>
       </dsp:txXfrm>
     </dsp:sp>
@@ -5020,8 +4982,8 @@
       </dsp:nvSpPr>
       <dsp:spPr>
         <a:xfrm>
-          <a:off x="5000625" y="1166138"/>
-          <a:ext cx="2190749" cy="1877579"/>
+          <a:off x="5000625" y="1028888"/>
+          <a:ext cx="2190749" cy="2152080"/>
         </a:xfrm>
         <a:prstGeom prst="rect">
           <a:avLst/>
@@ -5131,8 +5093,8 @@
         </a:p>
       </dsp:txBody>
       <dsp:txXfrm>
-        <a:off x="5000625" y="1166138"/>
-        <a:ext cx="2190749" cy="1877579"/>
+        <a:off x="5000625" y="1028888"/>
+        <a:ext cx="2190749" cy="2152080"/>
       </dsp:txXfrm>
     </dsp:sp>
     <dsp:sp modelId="{4B864F2B-A171-CA4C-8EC7-98380C9D7AAC}">
@@ -5142,7 +5104,7 @@
       </dsp:nvSpPr>
       <dsp:spPr>
         <a:xfrm>
-          <a:off x="7498080" y="364499"/>
+          <a:off x="7498080" y="227249"/>
           <a:ext cx="2190749" cy="801639"/>
         </a:xfrm>
         <a:prstGeom prst="rect">
@@ -5211,7 +5173,7 @@
         </a:p>
       </dsp:txBody>
       <dsp:txXfrm>
-        <a:off x="7498080" y="364499"/>
+        <a:off x="7498080" y="227249"/>
         <a:ext cx="2190749" cy="801639"/>
       </dsp:txXfrm>
     </dsp:sp>
@@ -5222,8 +5184,8 @@
       </dsp:nvSpPr>
       <dsp:spPr>
         <a:xfrm>
-          <a:off x="7498080" y="1166138"/>
-          <a:ext cx="2190749" cy="1877579"/>
+          <a:off x="7498080" y="1028888"/>
+          <a:ext cx="2190749" cy="2152080"/>
         </a:xfrm>
         <a:prstGeom prst="rect">
           <a:avLst/>
@@ -5373,8 +5335,8 @@
         </a:p>
       </dsp:txBody>
       <dsp:txXfrm>
-        <a:off x="7498080" y="1166138"/>
-        <a:ext cx="2190749" cy="1877579"/>
+        <a:off x="7498080" y="1028888"/>
+        <a:ext cx="2190749" cy="2152080"/>
       </dsp:txXfrm>
     </dsp:sp>
     <dsp:sp modelId="{3D66253D-95FC-7548-B49C-8D3767F33B71}">
@@ -5384,7 +5346,7 @@
       </dsp:nvSpPr>
       <dsp:spPr>
         <a:xfrm>
-          <a:off x="9995535" y="364499"/>
+          <a:off x="9995535" y="227249"/>
           <a:ext cx="2190749" cy="801639"/>
         </a:xfrm>
         <a:prstGeom prst="rect">
@@ -5453,7 +5415,7 @@
         </a:p>
       </dsp:txBody>
       <dsp:txXfrm>
-        <a:off x="9995535" y="364499"/>
+        <a:off x="9995535" y="227249"/>
         <a:ext cx="2190749" cy="801639"/>
       </dsp:txXfrm>
     </dsp:sp>
@@ -5464,8 +5426,8 @@
       </dsp:nvSpPr>
       <dsp:spPr>
         <a:xfrm>
-          <a:off x="9995535" y="1166138"/>
-          <a:ext cx="2190749" cy="1877579"/>
+          <a:off x="9995535" y="1028888"/>
+          <a:ext cx="2190749" cy="2152080"/>
         </a:xfrm>
         <a:prstGeom prst="rect">
           <a:avLst/>
@@ -5535,8 +5497,8 @@
         </a:p>
       </dsp:txBody>
       <dsp:txXfrm>
-        <a:off x="9995535" y="1166138"/>
-        <a:ext cx="2190749" cy="1877579"/>
+        <a:off x="9995535" y="1028888"/>
+        <a:ext cx="2190749" cy="2152080"/>
       </dsp:txXfrm>
     </dsp:sp>
   </dsp:spTree>
@@ -8127,7 +8089,7 @@
           <a:p>
             <a:fld id="{5AFA61FE-4757-8249-859C-CA645ADF0426}" type="datetimeFigureOut">
               <a:rPr lang="pt-BR" smtClean="0"/>
-              <a:t>28/10/2024</a:t>
+              <a:t>29/10/2024</a:t>
             </a:fld>
             <a:endParaRPr lang="pt-BR"/>
           </a:p>
@@ -8628,7 +8590,7 @@
           <a:p>
             <a:fld id="{DEF62065-7324-6243-AE8C-BB5572CA16CD}" type="datetimeFigureOut">
               <a:rPr lang="pt-BR" smtClean="0"/>
-              <a:t>28/10/2024</a:t>
+              <a:t>29/10/2024</a:t>
             </a:fld>
             <a:endParaRPr lang="pt-BR"/>
           </a:p>
@@ -8828,7 +8790,7 @@
           <a:p>
             <a:fld id="{DEF62065-7324-6243-AE8C-BB5572CA16CD}" type="datetimeFigureOut">
               <a:rPr lang="pt-BR" smtClean="0"/>
-              <a:t>28/10/2024</a:t>
+              <a:t>29/10/2024</a:t>
             </a:fld>
             <a:endParaRPr lang="pt-BR"/>
           </a:p>
@@ -9038,7 +9000,7 @@
           <a:p>
             <a:fld id="{DEF62065-7324-6243-AE8C-BB5572CA16CD}" type="datetimeFigureOut">
               <a:rPr lang="pt-BR" smtClean="0"/>
-              <a:t>28/10/2024</a:t>
+              <a:t>29/10/2024</a:t>
             </a:fld>
             <a:endParaRPr lang="pt-BR"/>
           </a:p>
@@ -9238,7 +9200,7 @@
           <a:p>
             <a:fld id="{DEF62065-7324-6243-AE8C-BB5572CA16CD}" type="datetimeFigureOut">
               <a:rPr lang="pt-BR" smtClean="0"/>
-              <a:t>28/10/2024</a:t>
+              <a:t>29/10/2024</a:t>
             </a:fld>
             <a:endParaRPr lang="pt-BR"/>
           </a:p>
@@ -9514,7 +9476,7 @@
           <a:p>
             <a:fld id="{DEF62065-7324-6243-AE8C-BB5572CA16CD}" type="datetimeFigureOut">
               <a:rPr lang="pt-BR" smtClean="0"/>
-              <a:t>28/10/2024</a:t>
+              <a:t>29/10/2024</a:t>
             </a:fld>
             <a:endParaRPr lang="pt-BR"/>
           </a:p>
@@ -9782,7 +9744,7 @@
           <a:p>
             <a:fld id="{DEF62065-7324-6243-AE8C-BB5572CA16CD}" type="datetimeFigureOut">
               <a:rPr lang="pt-BR" smtClean="0"/>
-              <a:t>28/10/2024</a:t>
+              <a:t>29/10/2024</a:t>
             </a:fld>
             <a:endParaRPr lang="pt-BR"/>
           </a:p>
@@ -10197,7 +10159,7 @@
           <a:p>
             <a:fld id="{DEF62065-7324-6243-AE8C-BB5572CA16CD}" type="datetimeFigureOut">
               <a:rPr lang="pt-BR" smtClean="0"/>
-              <a:t>28/10/2024</a:t>
+              <a:t>29/10/2024</a:t>
             </a:fld>
             <a:endParaRPr lang="pt-BR"/>
           </a:p>
@@ -10339,7 +10301,7 @@
           <a:p>
             <a:fld id="{DEF62065-7324-6243-AE8C-BB5572CA16CD}" type="datetimeFigureOut">
               <a:rPr lang="pt-BR" smtClean="0"/>
-              <a:t>28/10/2024</a:t>
+              <a:t>29/10/2024</a:t>
             </a:fld>
             <a:endParaRPr lang="pt-BR"/>
           </a:p>
@@ -10452,7 +10414,7 @@
           <a:p>
             <a:fld id="{DEF62065-7324-6243-AE8C-BB5572CA16CD}" type="datetimeFigureOut">
               <a:rPr lang="pt-BR" smtClean="0"/>
-              <a:t>28/10/2024</a:t>
+              <a:t>29/10/2024</a:t>
             </a:fld>
             <a:endParaRPr lang="pt-BR"/>
           </a:p>
@@ -10765,7 +10727,7 @@
           <a:p>
             <a:fld id="{DEF62065-7324-6243-AE8C-BB5572CA16CD}" type="datetimeFigureOut">
               <a:rPr lang="pt-BR" smtClean="0"/>
-              <a:t>28/10/2024</a:t>
+              <a:t>29/10/2024</a:t>
             </a:fld>
             <a:endParaRPr lang="pt-BR"/>
           </a:p>
@@ -11054,7 +11016,7 @@
           <a:p>
             <a:fld id="{DEF62065-7324-6243-AE8C-BB5572CA16CD}" type="datetimeFigureOut">
               <a:rPr lang="pt-BR" smtClean="0"/>
-              <a:t>28/10/2024</a:t>
+              <a:t>29/10/2024</a:t>
             </a:fld>
             <a:endParaRPr lang="pt-BR"/>
           </a:p>
@@ -11297,7 +11259,7 @@
           <a:p>
             <a:fld id="{DEF62065-7324-6243-AE8C-BB5572CA16CD}" type="datetimeFigureOut">
               <a:rPr lang="pt-BR" smtClean="0"/>
-              <a:t>28/10/2024</a:t>
+              <a:t>29/10/2024</a:t>
             </a:fld>
             <a:endParaRPr lang="pt-BR"/>
           </a:p>
@@ -12721,7 +12683,7 @@
             <p:ph idx="1"/>
             <p:extLst>
               <p:ext uri="{D42A27DB-BD31-4B8C-83A1-F6EECF244321}">
-                <p14:modId xmlns:p14="http://schemas.microsoft.com/office/powerpoint/2010/main" val="2726097892"/>
+                <p14:modId xmlns:p14="http://schemas.microsoft.com/office/powerpoint/2010/main" val="1496170605"/>
               </p:ext>
             </p:extLst>
           </p:nvPr>
@@ -12751,7 +12713,7 @@
           <p:nvPr>
             <p:extLst>
               <p:ext uri="{D42A27DB-BD31-4B8C-83A1-F6EECF244321}">
-                <p14:modId xmlns:p14="http://schemas.microsoft.com/office/powerpoint/2010/main" val="797980289"/>
+                <p14:modId xmlns:p14="http://schemas.microsoft.com/office/powerpoint/2010/main" val="3515048102"/>
               </p:ext>
             </p:extLst>
           </p:nvPr>

--- a/sessoes/intorucao.pptx
+++ b/sessoes/intorucao.pptx
@@ -1724,7 +1724,7 @@
             <a:rPr lang="pt-BR" noProof="0" dirty="0">
               <a:latin typeface="+mj-lt"/>
             </a:rPr>
-            <a:t>Dia 2 - Teoria de nicho ecológico e distribuição de espécies</a:t>
+            <a:t>Dia 2 - Teoria de nicho ecológico e distribuição de espécies (J)</a:t>
           </a:r>
         </a:p>
       </dgm:t>
@@ -1762,7 +1762,7 @@
             <a:rPr lang="pt-BR" noProof="0" dirty="0">
               <a:latin typeface="+mj-lt"/>
             </a:rPr>
-            <a:t>Distribuição de espécies (J)</a:t>
+            <a:t>Distribuição de espécies</a:t>
           </a:r>
         </a:p>
       </dgm:t>
@@ -2218,10 +2218,24 @@
     <dgm:pt modelId="{899B722F-0208-884C-87B5-A4B5E83F6CA6}" type="parTrans" cxnId="{6D7E1459-596F-1E43-81B4-B1710AB5BCE8}">
       <dgm:prSet/>
       <dgm:spPr/>
+      <dgm:t>
+        <a:bodyPr/>
+        <a:lstStyle/>
+        <a:p>
+          <a:endParaRPr lang="en-US"/>
+        </a:p>
+      </dgm:t>
     </dgm:pt>
     <dgm:pt modelId="{9C6A73F5-B390-6C48-94B3-31B88DAF5DBE}" type="sibTrans" cxnId="{6D7E1459-596F-1E43-81B4-B1710AB5BCE8}">
       <dgm:prSet/>
       <dgm:spPr/>
+      <dgm:t>
+        <a:bodyPr/>
+        <a:lstStyle/>
+        <a:p>
+          <a:endParaRPr lang="en-US"/>
+        </a:p>
+      </dgm:t>
     </dgm:pt>
     <dgm:pt modelId="{DCBBD6ED-E7E2-E641-94EA-3B38CC6CF4A5}" type="pres">
       <dgm:prSet presAssocID="{C8661A6B-810B-1E4B-B1CC-141DE757B849}" presName="Name0" presStyleCnt="0">
@@ -2596,9 +2610,24 @@
             </a:rPr>
             <a:t>R</a:t>
           </a:r>
-          <a:endParaRPr lang="pt-BR" noProof="0" dirty="0">
-            <a:latin typeface="+mj-lt"/>
-          </a:endParaRPr>
+          <a:r>
+            <a:rPr lang="pt-BR" noProof="0" dirty="0">
+              <a:latin typeface="+mj-lt"/>
+            </a:rPr>
+            <a:t> (</a:t>
+          </a:r>
+          <a:r>
+            <a:rPr lang="pt-BR" noProof="0" dirty="0" err="1">
+              <a:latin typeface="+mj-lt"/>
+            </a:rPr>
+            <a:t>B</a:t>
+          </a:r>
+          <a:r>
+            <a:rPr lang="pt-BR" noProof="0" dirty="0">
+              <a:latin typeface="+mj-lt"/>
+            </a:rPr>
+            <a:t>)</a:t>
+          </a:r>
         </a:p>
       </dgm:t>
     </dgm:pt>
@@ -2842,53 +2871,6 @@
       </dgm:t>
     </dgm:pt>
     <dgm:pt modelId="{1DA55D21-382C-1F4A-9B46-B7D18EC4F32F}" type="sibTrans" cxnId="{E9BE94A7-DA39-C840-9B01-6DBE523708CD}">
-      <dgm:prSet/>
-      <dgm:spPr/>
-      <dgm:t>
-        <a:bodyPr/>
-        <a:lstStyle/>
-        <a:p>
-          <a:endParaRPr lang="en-US"/>
-        </a:p>
-      </dgm:t>
-    </dgm:pt>
-    <dgm:pt modelId="{9BCFE93D-6E84-5B41-801F-56F19DAAF022}">
-      <dgm:prSet phldrT="[Text]"/>
-      <dgm:spPr/>
-      <dgm:t>
-        <a:bodyPr/>
-        <a:lstStyle/>
-        <a:p>
-          <a:r>
-            <a:rPr lang="pt-BR" noProof="0" dirty="0">
-              <a:latin typeface="+mj-lt"/>
-            </a:rPr>
-            <a:t>Construindo mapas em </a:t>
-          </a:r>
-          <a:r>
-            <a:rPr lang="pt-BR" noProof="0" dirty="0" err="1">
-              <a:latin typeface="+mj-lt"/>
-            </a:rPr>
-            <a:t>R</a:t>
-          </a:r>
-          <a:endParaRPr lang="pt-BR" noProof="0" dirty="0">
-            <a:latin typeface="+mj-lt"/>
-          </a:endParaRPr>
-        </a:p>
-      </dgm:t>
-    </dgm:pt>
-    <dgm:pt modelId="{46E92058-9D74-764A-9EFC-E66B9D8CC71B}" type="parTrans" cxnId="{002F695F-F451-1A4B-AAE9-1AD10E9C53BC}">
-      <dgm:prSet/>
-      <dgm:spPr/>
-      <dgm:t>
-        <a:bodyPr/>
-        <a:lstStyle/>
-        <a:p>
-          <a:endParaRPr lang="en-US"/>
-        </a:p>
-      </dgm:t>
-    </dgm:pt>
-    <dgm:pt modelId="{27A58515-4A87-C74B-9454-6E1124391473}" type="sibTrans" cxnId="{002F695F-F451-1A4B-AAE9-1AD10E9C53BC}">
       <dgm:prSet/>
       <dgm:spPr/>
       <dgm:t>
@@ -3246,6 +3228,56 @@
       </dgm:t>
     </dgm:pt>
     <dgm:pt modelId="{B4E61655-3402-CD4D-86CF-CD333176EE4F}" type="sibTrans" cxnId="{F0670E2E-14D5-9F47-B6F9-DC9C974B0604}">
+      <dgm:prSet/>
+      <dgm:spPr/>
+      <dgm:t>
+        <a:bodyPr/>
+        <a:lstStyle/>
+        <a:p>
+          <a:endParaRPr lang="en-US"/>
+        </a:p>
+      </dgm:t>
+    </dgm:pt>
+    <dgm:pt modelId="{9BCFE93D-6E84-5B41-801F-56F19DAAF022}">
+      <dgm:prSet phldrT="[Text]"/>
+      <dgm:spPr/>
+      <dgm:t>
+        <a:bodyPr/>
+        <a:lstStyle/>
+        <a:p>
+          <a:r>
+            <a:rPr lang="pt-BR" noProof="0" dirty="0">
+              <a:latin typeface="+mj-lt"/>
+            </a:rPr>
+            <a:t>Construindo mapas em </a:t>
+          </a:r>
+          <a:r>
+            <a:rPr lang="pt-BR" noProof="0" dirty="0" err="1">
+              <a:latin typeface="+mj-lt"/>
+            </a:rPr>
+            <a:t>R</a:t>
+          </a:r>
+          <a:r>
+            <a:rPr lang="pt-BR" noProof="0" dirty="0">
+              <a:latin typeface="+mj-lt"/>
+            </a:rPr>
+            <a:t> (J)</a:t>
+          </a:r>
+        </a:p>
+      </dgm:t>
+    </dgm:pt>
+    <dgm:pt modelId="{27A58515-4A87-C74B-9454-6E1124391473}" type="sibTrans" cxnId="{002F695F-F451-1A4B-AAE9-1AD10E9C53BC}">
+      <dgm:prSet/>
+      <dgm:spPr/>
+      <dgm:t>
+        <a:bodyPr/>
+        <a:lstStyle/>
+        <a:p>
+          <a:endParaRPr lang="en-US"/>
+        </a:p>
+      </dgm:t>
+    </dgm:pt>
+    <dgm:pt modelId="{46E92058-9D74-764A-9EFC-E66B9D8CC71B}" type="parTrans" cxnId="{002F695F-F451-1A4B-AAE9-1AD10E9C53BC}">
       <dgm:prSet/>
       <dgm:spPr/>
       <dgm:t>
@@ -3770,7 +3802,7 @@
             <a:rPr lang="pt-BR" sz="1600" kern="1200" noProof="0" dirty="0">
               <a:latin typeface="+mj-lt"/>
             </a:rPr>
-            <a:t>Dia 2 - Teoria de nicho ecológico e distribuição de espécies</a:t>
+            <a:t>Dia 2 - Teoria de nicho ecológico e distribuição de espécies (J)</a:t>
           </a:r>
         </a:p>
       </dsp:txBody>
@@ -3852,7 +3884,7 @@
             <a:rPr lang="pt-BR" sz="1600" kern="1200" noProof="0" dirty="0">
               <a:latin typeface="+mj-lt"/>
             </a:rPr>
-            <a:t>Distribuição de espécies (J)</a:t>
+            <a:t>Distribuição de espécies</a:t>
           </a:r>
         </a:p>
         <a:p>
@@ -4856,9 +4888,24 @@
             </a:rPr>
             <a:t>R</a:t>
           </a:r>
-          <a:endParaRPr lang="pt-BR" sz="1600" kern="1200" noProof="0" dirty="0">
-            <a:latin typeface="+mj-lt"/>
-          </a:endParaRPr>
+          <a:r>
+            <a:rPr lang="pt-BR" sz="1600" kern="1200" noProof="0" dirty="0">
+              <a:latin typeface="+mj-lt"/>
+            </a:rPr>
+            <a:t> (</a:t>
+          </a:r>
+          <a:r>
+            <a:rPr lang="pt-BR" sz="1600" kern="1200" noProof="0" dirty="0" err="1">
+              <a:latin typeface="+mj-lt"/>
+            </a:rPr>
+            <a:t>B</a:t>
+          </a:r>
+          <a:r>
+            <a:rPr lang="pt-BR" sz="1600" kern="1200" noProof="0" dirty="0">
+              <a:latin typeface="+mj-lt"/>
+            </a:rPr>
+            <a:t>)</a:t>
+          </a:r>
         </a:p>
         <a:p>
           <a:pPr marL="171450" lvl="1" indent="-171450" algn="l" defTabSz="711200">
@@ -4885,9 +4932,12 @@
             </a:rPr>
             <a:t>R</a:t>
           </a:r>
-          <a:endParaRPr lang="pt-BR" sz="1600" kern="1200" noProof="0" dirty="0">
-            <a:latin typeface="+mj-lt"/>
-          </a:endParaRPr>
+          <a:r>
+            <a:rPr lang="pt-BR" sz="1600" kern="1200" noProof="0" dirty="0">
+              <a:latin typeface="+mj-lt"/>
+            </a:rPr>
+            <a:t> (J)</a:t>
+          </a:r>
         </a:p>
       </dsp:txBody>
       <dsp:txXfrm>
@@ -8089,7 +8139,7 @@
           <a:p>
             <a:fld id="{5AFA61FE-4757-8249-859C-CA645ADF0426}" type="datetimeFigureOut">
               <a:rPr lang="pt-BR" smtClean="0"/>
-              <a:t>29/10/2024</a:t>
+              <a:t>30/10/2024</a:t>
             </a:fld>
             <a:endParaRPr lang="pt-BR"/>
           </a:p>
@@ -8590,7 +8640,7 @@
           <a:p>
             <a:fld id="{DEF62065-7324-6243-AE8C-BB5572CA16CD}" type="datetimeFigureOut">
               <a:rPr lang="pt-BR" smtClean="0"/>
-              <a:t>29/10/2024</a:t>
+              <a:t>30/10/2024</a:t>
             </a:fld>
             <a:endParaRPr lang="pt-BR"/>
           </a:p>
@@ -8790,7 +8840,7 @@
           <a:p>
             <a:fld id="{DEF62065-7324-6243-AE8C-BB5572CA16CD}" type="datetimeFigureOut">
               <a:rPr lang="pt-BR" smtClean="0"/>
-              <a:t>29/10/2024</a:t>
+              <a:t>30/10/2024</a:t>
             </a:fld>
             <a:endParaRPr lang="pt-BR"/>
           </a:p>
@@ -9000,7 +9050,7 @@
           <a:p>
             <a:fld id="{DEF62065-7324-6243-AE8C-BB5572CA16CD}" type="datetimeFigureOut">
               <a:rPr lang="pt-BR" smtClean="0"/>
-              <a:t>29/10/2024</a:t>
+              <a:t>30/10/2024</a:t>
             </a:fld>
             <a:endParaRPr lang="pt-BR"/>
           </a:p>
@@ -9200,7 +9250,7 @@
           <a:p>
             <a:fld id="{DEF62065-7324-6243-AE8C-BB5572CA16CD}" type="datetimeFigureOut">
               <a:rPr lang="pt-BR" smtClean="0"/>
-              <a:t>29/10/2024</a:t>
+              <a:t>30/10/2024</a:t>
             </a:fld>
             <a:endParaRPr lang="pt-BR"/>
           </a:p>
@@ -9476,7 +9526,7 @@
           <a:p>
             <a:fld id="{DEF62065-7324-6243-AE8C-BB5572CA16CD}" type="datetimeFigureOut">
               <a:rPr lang="pt-BR" smtClean="0"/>
-              <a:t>29/10/2024</a:t>
+              <a:t>30/10/2024</a:t>
             </a:fld>
             <a:endParaRPr lang="pt-BR"/>
           </a:p>
@@ -9744,7 +9794,7 @@
           <a:p>
             <a:fld id="{DEF62065-7324-6243-AE8C-BB5572CA16CD}" type="datetimeFigureOut">
               <a:rPr lang="pt-BR" smtClean="0"/>
-              <a:t>29/10/2024</a:t>
+              <a:t>30/10/2024</a:t>
             </a:fld>
             <a:endParaRPr lang="pt-BR"/>
           </a:p>
@@ -10159,7 +10209,7 @@
           <a:p>
             <a:fld id="{DEF62065-7324-6243-AE8C-BB5572CA16CD}" type="datetimeFigureOut">
               <a:rPr lang="pt-BR" smtClean="0"/>
-              <a:t>29/10/2024</a:t>
+              <a:t>30/10/2024</a:t>
             </a:fld>
             <a:endParaRPr lang="pt-BR"/>
           </a:p>
@@ -10301,7 +10351,7 @@
           <a:p>
             <a:fld id="{DEF62065-7324-6243-AE8C-BB5572CA16CD}" type="datetimeFigureOut">
               <a:rPr lang="pt-BR" smtClean="0"/>
-              <a:t>29/10/2024</a:t>
+              <a:t>30/10/2024</a:t>
             </a:fld>
             <a:endParaRPr lang="pt-BR"/>
           </a:p>
@@ -10414,7 +10464,7 @@
           <a:p>
             <a:fld id="{DEF62065-7324-6243-AE8C-BB5572CA16CD}" type="datetimeFigureOut">
               <a:rPr lang="pt-BR" smtClean="0"/>
-              <a:t>29/10/2024</a:t>
+              <a:t>30/10/2024</a:t>
             </a:fld>
             <a:endParaRPr lang="pt-BR"/>
           </a:p>
@@ -10727,7 +10777,7 @@
           <a:p>
             <a:fld id="{DEF62065-7324-6243-AE8C-BB5572CA16CD}" type="datetimeFigureOut">
               <a:rPr lang="pt-BR" smtClean="0"/>
-              <a:t>29/10/2024</a:t>
+              <a:t>30/10/2024</a:t>
             </a:fld>
             <a:endParaRPr lang="pt-BR"/>
           </a:p>
@@ -11016,7 +11066,7 @@
           <a:p>
             <a:fld id="{DEF62065-7324-6243-AE8C-BB5572CA16CD}" type="datetimeFigureOut">
               <a:rPr lang="pt-BR" smtClean="0"/>
-              <a:t>29/10/2024</a:t>
+              <a:t>30/10/2024</a:t>
             </a:fld>
             <a:endParaRPr lang="pt-BR"/>
           </a:p>
@@ -11259,7 +11309,7 @@
           <a:p>
             <a:fld id="{DEF62065-7324-6243-AE8C-BB5572CA16CD}" type="datetimeFigureOut">
               <a:rPr lang="pt-BR" smtClean="0"/>
-              <a:t>29/10/2024</a:t>
+              <a:t>30/10/2024</a:t>
             </a:fld>
             <a:endParaRPr lang="pt-BR"/>
           </a:p>
@@ -11898,6 +11948,45 @@
           </a:extLst>
         </p:spPr>
       </p:pic>
+      <p:sp>
+        <p:nvSpPr>
+          <p:cNvPr id="4" name="TextBox 3">
+            <a:extLst>
+              <a:ext uri="{FF2B5EF4-FFF2-40B4-BE49-F238E27FC236}">
+                <a16:creationId xmlns:a16="http://schemas.microsoft.com/office/drawing/2014/main" id="{900ADA64-DEE9-AF29-970B-0F4EBDA3B049}"/>
+              </a:ext>
+            </a:extLst>
+          </p:cNvPr>
+          <p:cNvSpPr txBox="1"/>
+          <p:nvPr/>
+        </p:nvSpPr>
+        <p:spPr>
+          <a:xfrm>
+            <a:off x="0" y="6522314"/>
+            <a:ext cx="12192000" cy="338554"/>
+          </a:xfrm>
+          <a:prstGeom prst="rect">
+            <a:avLst/>
+          </a:prstGeom>
+          <a:noFill/>
+        </p:spPr>
+        <p:txBody>
+          <a:bodyPr wrap="square">
+            <a:spAutoFit/>
+          </a:bodyPr>
+          <a:lstStyle/>
+          <a:p>
+            <a:pPr algn="ctr"/>
+            <a:r>
+              <a:rPr lang="pt-BR" sz="1600" i="0" noProof="0" dirty="0">
+                <a:effectLst/>
+                <a:latin typeface="+mj-lt"/>
+              </a:rPr>
+              <a:t>4 a 8 de novembro de 2024, Universidade Federal de Rio Grande do Norte</a:t>
+            </a:r>
+          </a:p>
+        </p:txBody>
+      </p:sp>
     </p:spTree>
     <p:extLst>
       <p:ext uri="{BB962C8B-B14F-4D97-AF65-F5344CB8AC3E}">
@@ -12683,7 +12772,7 @@
             <p:ph idx="1"/>
             <p:extLst>
               <p:ext uri="{D42A27DB-BD31-4B8C-83A1-F6EECF244321}">
-                <p14:modId xmlns:p14="http://schemas.microsoft.com/office/powerpoint/2010/main" val="1496170605"/>
+                <p14:modId xmlns:p14="http://schemas.microsoft.com/office/powerpoint/2010/main" val="3781565240"/>
               </p:ext>
             </p:extLst>
           </p:nvPr>
@@ -12713,7 +12802,7 @@
           <p:nvPr>
             <p:extLst>
               <p:ext uri="{D42A27DB-BD31-4B8C-83A1-F6EECF244321}">
-                <p14:modId xmlns:p14="http://schemas.microsoft.com/office/powerpoint/2010/main" val="3515048102"/>
+                <p14:modId xmlns:p14="http://schemas.microsoft.com/office/powerpoint/2010/main" val="1445577382"/>
               </p:ext>
             </p:extLst>
           </p:nvPr>

--- a/sessoes/intorucao.pptx
+++ b/sessoes/intorucao.pptx
@@ -1632,14 +1632,14 @@
       </dgm:t>
     </dgm:pt>
     <dgm:pt modelId="{2C0A458E-41E7-0749-B5F3-B87B657B2C46}">
-      <dgm:prSet phldrT="[Text]"/>
+      <dgm:prSet phldrT="[Text]" custT="1"/>
       <dgm:spPr/>
       <dgm:t>
         <a:bodyPr/>
         <a:lstStyle/>
         <a:p>
           <a:r>
-            <a:rPr lang="pt-BR" noProof="0" dirty="0">
+            <a:rPr lang="pt-BR" sz="1800" noProof="0" dirty="0">
               <a:latin typeface="+mj-lt"/>
             </a:rPr>
             <a:t>Dia 1 - Introdução</a:t>
@@ -1654,7 +1654,7 @@
         <a:bodyPr/>
         <a:lstStyle/>
         <a:p>
-          <a:endParaRPr lang="en-US"/>
+          <a:endParaRPr lang="en-US" sz="2000"/>
         </a:p>
       </dgm:t>
     </dgm:pt>
@@ -1665,25 +1665,25 @@
         <a:bodyPr/>
         <a:lstStyle/>
         <a:p>
-          <a:endParaRPr lang="en-US"/>
+          <a:endParaRPr lang="en-US" sz="2000"/>
         </a:p>
       </dgm:t>
     </dgm:pt>
     <dgm:pt modelId="{E2F99037-DD6C-444C-8200-8A7A20646B44}">
-      <dgm:prSet phldrT="[Text]"/>
+      <dgm:prSet phldrT="[Text]" custT="1"/>
       <dgm:spPr/>
       <dgm:t>
         <a:bodyPr/>
         <a:lstStyle/>
         <a:p>
           <a:r>
-            <a:rPr lang="pt-BR" noProof="0" dirty="0" err="1">
+            <a:rPr lang="pt-BR" sz="1800" noProof="0" dirty="0" err="1">
               <a:latin typeface="+mj-lt"/>
             </a:rPr>
             <a:t>Intro</a:t>
           </a:r>
           <a:r>
-            <a:rPr lang="pt-BR" noProof="0" dirty="0">
+            <a:rPr lang="pt-BR" sz="1800" noProof="0" dirty="0">
               <a:latin typeface="+mj-lt"/>
             </a:rPr>
             <a:t>. Curso (B+J)</a:t>
@@ -1698,7 +1698,7 @@
         <a:bodyPr/>
         <a:lstStyle/>
         <a:p>
-          <a:endParaRPr lang="en-US"/>
+          <a:endParaRPr lang="en-US" sz="2000"/>
         </a:p>
       </dgm:t>
     </dgm:pt>
@@ -1709,22 +1709,22 @@
         <a:bodyPr/>
         <a:lstStyle/>
         <a:p>
-          <a:endParaRPr lang="en-US"/>
+          <a:endParaRPr lang="en-US" sz="2000"/>
         </a:p>
       </dgm:t>
     </dgm:pt>
     <dgm:pt modelId="{3DC5BF48-BA14-E94E-BE3F-8FB1C3CF1B90}">
-      <dgm:prSet phldrT="[Text]"/>
+      <dgm:prSet phldrT="[Text]" custT="1"/>
       <dgm:spPr/>
       <dgm:t>
         <a:bodyPr/>
         <a:lstStyle/>
         <a:p>
           <a:r>
-            <a:rPr lang="pt-BR" noProof="0" dirty="0">
+            <a:rPr lang="pt-BR" sz="1700" noProof="0" dirty="0">
               <a:latin typeface="+mj-lt"/>
             </a:rPr>
-            <a:t>Dia 2 - Teoria de nicho ecológico e distribuição de espécies (J)</a:t>
+            <a:t>Dia 2 - Teoria de nicho ecológico e modelos distribuição de espécies (J)</a:t>
           </a:r>
         </a:p>
       </dgm:t>
@@ -1736,7 +1736,7 @@
         <a:bodyPr/>
         <a:lstStyle/>
         <a:p>
-          <a:endParaRPr lang="en-US"/>
+          <a:endParaRPr lang="en-US" sz="2000"/>
         </a:p>
       </dgm:t>
     </dgm:pt>
@@ -1747,19 +1747,19 @@
         <a:bodyPr/>
         <a:lstStyle/>
         <a:p>
-          <a:endParaRPr lang="en-US"/>
+          <a:endParaRPr lang="en-US" sz="2000"/>
         </a:p>
       </dgm:t>
     </dgm:pt>
     <dgm:pt modelId="{15AFFBE7-DAB1-FC45-9FC0-69BC8EFFD4BA}">
-      <dgm:prSet phldrT="[Text]"/>
+      <dgm:prSet phldrT="[Text]" custT="1"/>
       <dgm:spPr/>
       <dgm:t>
         <a:bodyPr/>
         <a:lstStyle/>
         <a:p>
           <a:r>
-            <a:rPr lang="pt-BR" noProof="0" dirty="0">
+            <a:rPr lang="pt-BR" sz="1800" noProof="0" dirty="0">
               <a:latin typeface="+mj-lt"/>
             </a:rPr>
             <a:t>Distribuição de espécies</a:t>
@@ -1774,7 +1774,7 @@
         <a:bodyPr/>
         <a:lstStyle/>
         <a:p>
-          <a:endParaRPr lang="en-US"/>
+          <a:endParaRPr lang="en-US" sz="2000"/>
         </a:p>
       </dgm:t>
     </dgm:pt>
@@ -1785,22 +1785,34 @@
         <a:bodyPr/>
         <a:lstStyle/>
         <a:p>
-          <a:endParaRPr lang="en-US"/>
+          <a:endParaRPr lang="en-US" sz="2000"/>
         </a:p>
       </dgm:t>
     </dgm:pt>
     <dgm:pt modelId="{8EB3D4DA-D392-624C-ACBA-01FCEF0039D1}">
-      <dgm:prSet phldrT="[Text]"/>
+      <dgm:prSet phldrT="[Text]" custT="1"/>
       <dgm:spPr/>
       <dgm:t>
         <a:bodyPr/>
         <a:lstStyle/>
         <a:p>
           <a:r>
-            <a:rPr lang="pt-BR" noProof="0" dirty="0">
+            <a:rPr lang="pt-BR" sz="1700" noProof="0" dirty="0">
               <a:latin typeface="+mj-lt"/>
             </a:rPr>
-            <a:t>Dia 3 – Bases de dados disponíveis para biologia / ecologia</a:t>
+            <a:t>Dia 3 – Bases de dados disponíveis para biologia / ecologia (</a:t>
+          </a:r>
+          <a:r>
+            <a:rPr lang="pt-BR" sz="1700" noProof="0" dirty="0" err="1">
+              <a:latin typeface="+mj-lt"/>
+            </a:rPr>
+            <a:t>B</a:t>
+          </a:r>
+          <a:r>
+            <a:rPr lang="pt-BR" sz="1700" noProof="0" dirty="0">
+              <a:latin typeface="+mj-lt"/>
+            </a:rPr>
+            <a:t>)</a:t>
           </a:r>
         </a:p>
       </dgm:t>
@@ -1812,7 +1824,7 @@
         <a:bodyPr/>
         <a:lstStyle/>
         <a:p>
-          <a:endParaRPr lang="en-US"/>
+          <a:endParaRPr lang="en-US" sz="2000"/>
         </a:p>
       </dgm:t>
     </dgm:pt>
@@ -1823,19 +1835,19 @@
         <a:bodyPr/>
         <a:lstStyle/>
         <a:p>
-          <a:endParaRPr lang="en-US"/>
+          <a:endParaRPr lang="en-US" sz="2000"/>
         </a:p>
       </dgm:t>
     </dgm:pt>
     <dgm:pt modelId="{8A555377-C05A-8846-93A1-D11E746AD7A5}">
-      <dgm:prSet phldrT="[Text]"/>
+      <dgm:prSet phldrT="[Text]" custT="1"/>
       <dgm:spPr/>
       <dgm:t>
         <a:bodyPr/>
         <a:lstStyle/>
         <a:p>
           <a:r>
-            <a:rPr lang="pt-BR" noProof="0" dirty="0">
+            <a:rPr lang="pt-BR" sz="1800" noProof="0" dirty="0">
               <a:latin typeface="+mj-lt"/>
             </a:rPr>
             <a:t>Principais bases de dados de ocorrências</a:t>
@@ -1850,7 +1862,7 @@
         <a:bodyPr/>
         <a:lstStyle/>
         <a:p>
-          <a:endParaRPr lang="en-US"/>
+          <a:endParaRPr lang="en-US" sz="2000"/>
         </a:p>
       </dgm:t>
     </dgm:pt>
@@ -1861,22 +1873,22 @@
         <a:bodyPr/>
         <a:lstStyle/>
         <a:p>
-          <a:endParaRPr lang="en-US"/>
+          <a:endParaRPr lang="en-US" sz="2000"/>
         </a:p>
       </dgm:t>
     </dgm:pt>
     <dgm:pt modelId="{0D594C62-8F0E-D547-B5C4-5454A990423E}">
-      <dgm:prSet phldrT="[Text]"/>
+      <dgm:prSet phldrT="[Text]" custT="1"/>
       <dgm:spPr/>
       <dgm:t>
         <a:bodyPr/>
         <a:lstStyle/>
         <a:p>
           <a:r>
-            <a:rPr lang="pt-BR" noProof="0" dirty="0">
+            <a:rPr lang="pt-BR" sz="1800" noProof="0" dirty="0">
               <a:latin typeface="+mj-lt"/>
             </a:rPr>
-            <a:t>Dia 4 – Problemas com bases de dados grandes</a:t>
+            <a:t>Dia 4 – Modelos de Distribuição de Espécies (J+B)</a:t>
           </a:r>
         </a:p>
       </dgm:t>
@@ -1888,7 +1900,7 @@
         <a:bodyPr/>
         <a:lstStyle/>
         <a:p>
-          <a:endParaRPr lang="en-US"/>
+          <a:endParaRPr lang="en-US" sz="2000"/>
         </a:p>
       </dgm:t>
     </dgm:pt>
@@ -1899,22 +1911,22 @@
         <a:bodyPr/>
         <a:lstStyle/>
         <a:p>
-          <a:endParaRPr lang="en-US"/>
+          <a:endParaRPr lang="en-US" sz="2000"/>
         </a:p>
       </dgm:t>
     </dgm:pt>
     <dgm:pt modelId="{726FAEE0-0671-6A47-992E-19C958FAA5C0}">
-      <dgm:prSet phldrT="[Text]"/>
+      <dgm:prSet phldrT="[Text]" custT="1"/>
       <dgm:spPr/>
       <dgm:t>
         <a:bodyPr/>
         <a:lstStyle/>
         <a:p>
           <a:r>
-            <a:rPr lang="pt-BR" noProof="0" dirty="0">
+            <a:rPr lang="pt-BR" sz="1800" noProof="0" dirty="0">
               <a:latin typeface="+mj-lt"/>
             </a:rPr>
-            <a:t>Dia 4</a:t>
+            <a:t>Dia 4 - Conclusão de curso</a:t>
           </a:r>
         </a:p>
       </dgm:t>
@@ -1926,7 +1938,7 @@
         <a:bodyPr/>
         <a:lstStyle/>
         <a:p>
-          <a:endParaRPr lang="en-US"/>
+          <a:endParaRPr lang="en-US" sz="2000"/>
         </a:p>
       </dgm:t>
     </dgm:pt>
@@ -1937,37 +1949,37 @@
         <a:bodyPr/>
         <a:lstStyle/>
         <a:p>
-          <a:endParaRPr lang="en-US"/>
+          <a:endParaRPr lang="en-US" sz="2000"/>
         </a:p>
       </dgm:t>
     </dgm:pt>
     <dgm:pt modelId="{7D131D1C-F090-D04A-A63A-BBE136B185DA}">
-      <dgm:prSet phldrT="[Text]"/>
+      <dgm:prSet phldrT="[Text]" custT="1"/>
       <dgm:spPr/>
       <dgm:t>
         <a:bodyPr/>
         <a:lstStyle/>
         <a:p>
           <a:r>
-            <a:rPr lang="pt-BR" noProof="0" dirty="0" err="1">
+            <a:rPr lang="pt-BR" sz="1800" noProof="0" dirty="0" err="1">
               <a:latin typeface="+mj-lt"/>
             </a:rPr>
             <a:t>Intro</a:t>
           </a:r>
           <a:r>
-            <a:rPr lang="pt-BR" noProof="0" dirty="0">
+            <a:rPr lang="pt-BR" sz="1800" noProof="0" dirty="0">
               <a:latin typeface="+mj-lt"/>
             </a:rPr>
             <a:t>. Analises de dados ecológicos (</a:t>
           </a:r>
           <a:r>
-            <a:rPr lang="pt-BR" noProof="0" dirty="0" err="1">
+            <a:rPr lang="pt-BR" sz="1800" noProof="0" dirty="0" err="1">
               <a:latin typeface="+mj-lt"/>
             </a:rPr>
             <a:t>B</a:t>
           </a:r>
           <a:r>
-            <a:rPr lang="pt-BR" noProof="0" dirty="0">
+            <a:rPr lang="pt-BR" sz="1800" noProof="0" dirty="0">
               <a:latin typeface="+mj-lt"/>
             </a:rPr>
             <a:t>)</a:t>
@@ -1982,7 +1994,7 @@
         <a:bodyPr/>
         <a:lstStyle/>
         <a:p>
-          <a:endParaRPr lang="en-US"/>
+          <a:endParaRPr lang="en-US" sz="2000"/>
         </a:p>
       </dgm:t>
     </dgm:pt>
@@ -1993,24 +2005,24 @@
         <a:bodyPr/>
         <a:lstStyle/>
         <a:p>
-          <a:endParaRPr lang="en-US"/>
+          <a:endParaRPr lang="en-US" sz="2000"/>
         </a:p>
       </dgm:t>
     </dgm:pt>
     <dgm:pt modelId="{9769F036-4C76-ED46-85A5-616220C10A05}">
-      <dgm:prSet phldrT="[Text]"/>
+      <dgm:prSet phldrT="[Text]" custT="1"/>
       <dgm:spPr/>
       <dgm:t>
         <a:bodyPr/>
         <a:lstStyle/>
         <a:p>
           <a:r>
-            <a:rPr lang="pt-BR" b="0" i="0" noProof="0" dirty="0">
+            <a:rPr lang="pt-BR" sz="1800" b="0" i="0" noProof="0" dirty="0">
               <a:latin typeface="+mj-lt"/>
             </a:rPr>
             <a:t>Tipos de modelos</a:t>
           </a:r>
-          <a:endParaRPr lang="pt-BR" noProof="0" dirty="0">
+          <a:endParaRPr lang="pt-BR" sz="1800" noProof="0" dirty="0">
             <a:latin typeface="+mj-lt"/>
           </a:endParaRPr>
         </a:p>
@@ -2023,7 +2035,7 @@
         <a:bodyPr/>
         <a:lstStyle/>
         <a:p>
-          <a:endParaRPr lang="en-US"/>
+          <a:endParaRPr lang="en-US" sz="2000"/>
         </a:p>
       </dgm:t>
     </dgm:pt>
@@ -2034,19 +2046,19 @@
         <a:bodyPr/>
         <a:lstStyle/>
         <a:p>
-          <a:endParaRPr lang="en-US"/>
+          <a:endParaRPr lang="en-US" sz="2000"/>
         </a:p>
       </dgm:t>
     </dgm:pt>
     <dgm:pt modelId="{8C8069CD-959D-9D4A-9ABD-5817462EEBF6}">
-      <dgm:prSet phldrT="[Text]"/>
+      <dgm:prSet phldrT="[Text]" custT="1"/>
       <dgm:spPr/>
       <dgm:t>
         <a:bodyPr/>
         <a:lstStyle/>
         <a:p>
           <a:r>
-            <a:rPr lang="pt-BR" noProof="0" dirty="0">
+            <a:rPr lang="pt-BR" sz="1800" noProof="0" dirty="0">
               <a:latin typeface="+mj-lt"/>
             </a:rPr>
             <a:t>Boas praticas (J)</a:t>
@@ -2061,7 +2073,7 @@
         <a:bodyPr/>
         <a:lstStyle/>
         <a:p>
-          <a:endParaRPr lang="en-US"/>
+          <a:endParaRPr lang="en-US" sz="2000"/>
         </a:p>
       </dgm:t>
     </dgm:pt>
@@ -2072,19 +2084,19 @@
         <a:bodyPr/>
         <a:lstStyle/>
         <a:p>
-          <a:endParaRPr lang="en-US"/>
+          <a:endParaRPr lang="en-US" sz="2000"/>
         </a:p>
       </dgm:t>
     </dgm:pt>
     <dgm:pt modelId="{D0F5AB6F-AA61-1842-ADBB-8A8C76FD68DD}">
-      <dgm:prSet phldrT="[Text]"/>
+      <dgm:prSet phldrT="[Text]" custT="1"/>
       <dgm:spPr/>
       <dgm:t>
         <a:bodyPr/>
         <a:lstStyle/>
         <a:p>
           <a:r>
-            <a:rPr lang="pt-BR" noProof="0" dirty="0">
+            <a:rPr lang="pt-BR" sz="1800" noProof="0" dirty="0">
               <a:latin typeface="+mj-lt"/>
             </a:rPr>
             <a:t>Principais bases de dados ambientais</a:t>
@@ -2099,7 +2111,7 @@
         <a:bodyPr/>
         <a:lstStyle/>
         <a:p>
-          <a:endParaRPr lang="en-US"/>
+          <a:endParaRPr lang="en-US" sz="2000"/>
         </a:p>
       </dgm:t>
     </dgm:pt>
@@ -2110,32 +2122,35 @@
         <a:bodyPr/>
         <a:lstStyle/>
         <a:p>
-          <a:endParaRPr lang="en-US"/>
+          <a:endParaRPr lang="en-US" sz="2000"/>
         </a:p>
       </dgm:t>
     </dgm:pt>
     <dgm:pt modelId="{ABAEC531-3B7E-8C43-947C-01941E1C3768}">
-      <dgm:prSet phldrT="[Text]"/>
+      <dgm:prSet phldrT="[Text]" custT="1"/>
       <dgm:spPr/>
       <dgm:t>
         <a:bodyPr/>
         <a:lstStyle/>
         <a:p>
           <a:r>
-            <a:rPr lang="pt-BR" noProof="0" dirty="0">
+            <a:rPr lang="pt-BR" sz="1800" noProof="0" dirty="0">
               <a:latin typeface="+mj-lt"/>
             </a:rPr>
             <a:t>Introdução a Modelos de Distribuição de Espécies em </a:t>
           </a:r>
           <a:r>
-            <a:rPr lang="pt-BR" noProof="0" dirty="0" err="1">
+            <a:rPr lang="pt-BR" sz="1800" noProof="0" dirty="0" err="1">
               <a:latin typeface="+mj-lt"/>
             </a:rPr>
             <a:t>R</a:t>
           </a:r>
-          <a:endParaRPr lang="pt-BR" noProof="0" dirty="0">
-            <a:latin typeface="+mj-lt"/>
-          </a:endParaRPr>
+          <a:r>
+            <a:rPr lang="pt-BR" sz="1800" noProof="0" dirty="0">
+              <a:latin typeface="+mj-lt"/>
+            </a:rPr>
+            <a:t> (J)</a:t>
+          </a:r>
         </a:p>
       </dgm:t>
     </dgm:pt>
@@ -2146,7 +2161,7 @@
         <a:bodyPr/>
         <a:lstStyle/>
         <a:p>
-          <a:endParaRPr lang="en-US"/>
+          <a:endParaRPr lang="en-US" sz="2000"/>
         </a:p>
       </dgm:t>
     </dgm:pt>
@@ -2157,19 +2172,19 @@
         <a:bodyPr/>
         <a:lstStyle/>
         <a:p>
-          <a:endParaRPr lang="en-US"/>
+          <a:endParaRPr lang="en-US" sz="2000"/>
         </a:p>
       </dgm:t>
     </dgm:pt>
     <dgm:pt modelId="{B104E1B0-0B7A-2D46-BBDC-0278907C22A0}">
-      <dgm:prSet/>
+      <dgm:prSet custT="1"/>
       <dgm:spPr/>
       <dgm:t>
         <a:bodyPr/>
         <a:lstStyle/>
         <a:p>
           <a:r>
-            <a:rPr lang="pt-BR" noProof="0" dirty="0">
+            <a:rPr lang="pt-BR" sz="1800" noProof="0" dirty="0">
               <a:latin typeface="+mj-lt"/>
             </a:rPr>
             <a:t>Conclusão de curso</a:t>
@@ -2184,7 +2199,7 @@
         <a:bodyPr/>
         <a:lstStyle/>
         <a:p>
-          <a:endParaRPr lang="en-US"/>
+          <a:endParaRPr lang="en-US" sz="2000"/>
         </a:p>
       </dgm:t>
     </dgm:pt>
@@ -2195,19 +2210,19 @@
         <a:bodyPr/>
         <a:lstStyle/>
         <a:p>
-          <a:endParaRPr lang="en-US"/>
+          <a:endParaRPr lang="en-US" sz="2000"/>
         </a:p>
       </dgm:t>
     </dgm:pt>
     <dgm:pt modelId="{969DF257-AE32-3940-821C-98D9DA62B596}">
-      <dgm:prSet phldrT="[Text]"/>
+      <dgm:prSet phldrT="[Text]" custT="1"/>
       <dgm:spPr/>
       <dgm:t>
         <a:bodyPr/>
         <a:lstStyle/>
         <a:p>
           <a:r>
-            <a:rPr lang="pt-BR" noProof="0" dirty="0">
+            <a:rPr lang="pt-BR" sz="1800" noProof="0" dirty="0">
               <a:latin typeface="+mj-lt"/>
             </a:rPr>
             <a:t>Nicho ecológico </a:t>
@@ -2222,7 +2237,7 @@
         <a:bodyPr/>
         <a:lstStyle/>
         <a:p>
-          <a:endParaRPr lang="en-US"/>
+          <a:endParaRPr lang="en-US" sz="2000"/>
         </a:p>
       </dgm:t>
     </dgm:pt>
@@ -2233,7 +2248,7 @@
         <a:bodyPr/>
         <a:lstStyle/>
         <a:p>
-          <a:endParaRPr lang="en-US"/>
+          <a:endParaRPr lang="en-US" sz="2000"/>
         </a:p>
       </dgm:t>
     </dgm:pt>
@@ -2262,7 +2277,7 @@
       <dgm:spPr/>
     </dgm:pt>
     <dgm:pt modelId="{A85479BA-39C3-B44C-8F28-84A809FAA5A1}" type="pres">
-      <dgm:prSet presAssocID="{2C0A458E-41E7-0749-B5F3-B87B657B2C46}" presName="desTx" presStyleLbl="alignAccFollowNode1" presStyleIdx="0" presStyleCnt="5" custLinFactNeighborY="-550">
+      <dgm:prSet presAssocID="{2C0A458E-41E7-0749-B5F3-B87B657B2C46}" presName="desTx" presStyleLbl="alignAccFollowNode1" presStyleIdx="0" presStyleCnt="5" custLinFactNeighborY="326">
         <dgm:presLayoutVars>
           <dgm:bulletEnabled val="1"/>
         </dgm:presLayoutVars>
@@ -2451,14 +2466,14 @@
       </dgm:t>
     </dgm:pt>
     <dgm:pt modelId="{2C0A458E-41E7-0749-B5F3-B87B657B2C46}">
-      <dgm:prSet phldrT="[Text]"/>
+      <dgm:prSet phldrT="[Text]" custT="1"/>
       <dgm:spPr/>
       <dgm:t>
         <a:bodyPr/>
         <a:lstStyle/>
         <a:p>
           <a:r>
-            <a:rPr lang="pt-BR" noProof="0" dirty="0">
+            <a:rPr lang="pt-BR" sz="1800" noProof="0" dirty="0">
               <a:latin typeface="+mj-lt"/>
             </a:rPr>
             <a:t>Dia 1 - Introdução</a:t>
@@ -2467,6 +2482,774 @@
       </dgm:t>
     </dgm:pt>
     <dgm:pt modelId="{85DFE8F1-77A0-D149-A78B-A94463996F28}" type="parTrans" cxnId="{7604DC7D-D5E0-9C4D-8786-9C0215029E69}">
+      <dgm:prSet/>
+      <dgm:spPr/>
+      <dgm:t>
+        <a:bodyPr/>
+        <a:lstStyle/>
+        <a:p>
+          <a:endParaRPr lang="en-US" sz="2000"/>
+        </a:p>
+      </dgm:t>
+    </dgm:pt>
+    <dgm:pt modelId="{B575B920-FFFA-344C-81D6-148E999212A2}" type="sibTrans" cxnId="{7604DC7D-D5E0-9C4D-8786-9C0215029E69}">
+      <dgm:prSet/>
+      <dgm:spPr/>
+      <dgm:t>
+        <a:bodyPr/>
+        <a:lstStyle/>
+        <a:p>
+          <a:endParaRPr lang="en-US" sz="2000"/>
+        </a:p>
+      </dgm:t>
+    </dgm:pt>
+    <dgm:pt modelId="{E2F99037-DD6C-444C-8200-8A7A20646B44}">
+      <dgm:prSet phldrT="[Text]" custT="1"/>
+      <dgm:spPr/>
+      <dgm:t>
+        <a:bodyPr/>
+        <a:lstStyle/>
+        <a:p>
+          <a:r>
+            <a:rPr lang="pt-BR" sz="1800" b="0" i="0" noProof="0" dirty="0">
+              <a:latin typeface="+mj-lt"/>
+            </a:rPr>
+            <a:t>Linguagem </a:t>
+          </a:r>
+          <a:r>
+            <a:rPr lang="pt-BR" sz="1800" b="0" i="0" noProof="0" dirty="0" err="1">
+              <a:latin typeface="+mj-lt"/>
+            </a:rPr>
+            <a:t>R</a:t>
+          </a:r>
+          <a:r>
+            <a:rPr lang="pt-BR" sz="1800" b="0" i="0" noProof="0" dirty="0">
+              <a:latin typeface="+mj-lt"/>
+            </a:rPr>
+            <a:t> para este curso (</a:t>
+          </a:r>
+          <a:r>
+            <a:rPr lang="pt-BR" sz="1800" b="0" i="0" noProof="0" dirty="0" err="1">
+              <a:latin typeface="+mj-lt"/>
+            </a:rPr>
+            <a:t>B</a:t>
+          </a:r>
+          <a:r>
+            <a:rPr lang="pt-BR" sz="1800" b="0" i="0" noProof="0" dirty="0">
+              <a:latin typeface="+mj-lt"/>
+            </a:rPr>
+            <a:t>)</a:t>
+          </a:r>
+          <a:endParaRPr lang="pt-BR" sz="1800" noProof="0" dirty="0">
+            <a:latin typeface="+mj-lt"/>
+          </a:endParaRPr>
+        </a:p>
+      </dgm:t>
+    </dgm:pt>
+    <dgm:pt modelId="{0E183783-E209-9F4F-A70E-F492EA7BD742}" type="parTrans" cxnId="{22F1BE8A-8087-D042-8942-508C1308CD06}">
+      <dgm:prSet/>
+      <dgm:spPr/>
+      <dgm:t>
+        <a:bodyPr/>
+        <a:lstStyle/>
+        <a:p>
+          <a:endParaRPr lang="en-US" sz="2000"/>
+        </a:p>
+      </dgm:t>
+    </dgm:pt>
+    <dgm:pt modelId="{1BC8B3A4-FB01-764A-8BED-6E8EB8032305}" type="sibTrans" cxnId="{22F1BE8A-8087-D042-8942-508C1308CD06}">
+      <dgm:prSet/>
+      <dgm:spPr/>
+      <dgm:t>
+        <a:bodyPr/>
+        <a:lstStyle/>
+        <a:p>
+          <a:endParaRPr lang="en-US" sz="2000"/>
+        </a:p>
+      </dgm:t>
+    </dgm:pt>
+    <dgm:pt modelId="{3DC5BF48-BA14-E94E-BE3F-8FB1C3CF1B90}">
+      <dgm:prSet phldrT="[Text]" custT="1"/>
+      <dgm:spPr/>
+      <dgm:t>
+        <a:bodyPr/>
+        <a:lstStyle/>
+        <a:p>
+          <a:r>
+            <a:rPr lang="pt-BR" sz="1800" noProof="0" dirty="0">
+              <a:latin typeface="+mj-lt"/>
+            </a:rPr>
+            <a:t>Dia 2 – Analise de dados</a:t>
+          </a:r>
+        </a:p>
+      </dgm:t>
+    </dgm:pt>
+    <dgm:pt modelId="{66636137-4F14-C340-9E6A-C098E47B6F2F}" type="parTrans" cxnId="{2A7391BD-E933-724E-B9B1-BA636999FB1D}">
+      <dgm:prSet/>
+      <dgm:spPr/>
+      <dgm:t>
+        <a:bodyPr/>
+        <a:lstStyle/>
+        <a:p>
+          <a:endParaRPr lang="en-US" sz="2000"/>
+        </a:p>
+      </dgm:t>
+    </dgm:pt>
+    <dgm:pt modelId="{E2837041-A437-774B-A318-B655203B6D90}" type="sibTrans" cxnId="{2A7391BD-E933-724E-B9B1-BA636999FB1D}">
+      <dgm:prSet/>
+      <dgm:spPr/>
+      <dgm:t>
+        <a:bodyPr/>
+        <a:lstStyle/>
+        <a:p>
+          <a:endParaRPr lang="en-US" sz="2000"/>
+        </a:p>
+      </dgm:t>
+    </dgm:pt>
+    <dgm:pt modelId="{15AFFBE7-DAB1-FC45-9FC0-69BC8EFFD4BA}">
+      <dgm:prSet phldrT="[Text]" custT="1"/>
+      <dgm:spPr/>
+      <dgm:t>
+        <a:bodyPr/>
+        <a:lstStyle/>
+        <a:p>
+          <a:r>
+            <a:rPr lang="pt-BR" sz="1800" noProof="0" dirty="0">
+              <a:latin typeface="+mj-lt"/>
+            </a:rPr>
+            <a:t>Análises de dados em </a:t>
+          </a:r>
+          <a:r>
+            <a:rPr lang="pt-BR" sz="1800" noProof="0" dirty="0" err="1">
+              <a:latin typeface="+mj-lt"/>
+            </a:rPr>
+            <a:t>R</a:t>
+          </a:r>
+          <a:r>
+            <a:rPr lang="pt-BR" sz="1800" noProof="0" dirty="0">
+              <a:latin typeface="+mj-lt"/>
+            </a:rPr>
+            <a:t> (</a:t>
+          </a:r>
+          <a:r>
+            <a:rPr lang="pt-BR" sz="1800" noProof="0" dirty="0" err="1">
+              <a:latin typeface="+mj-lt"/>
+            </a:rPr>
+            <a:t>B</a:t>
+          </a:r>
+          <a:r>
+            <a:rPr lang="pt-BR" sz="1800" noProof="0" dirty="0">
+              <a:latin typeface="+mj-lt"/>
+            </a:rPr>
+            <a:t>)</a:t>
+          </a:r>
+        </a:p>
+      </dgm:t>
+    </dgm:pt>
+    <dgm:pt modelId="{8BD24FEB-079D-DD4D-9ED0-A15F63FF9A47}" type="parTrans" cxnId="{CB125556-6806-D04F-B199-FDC2D0D9AE6D}">
+      <dgm:prSet/>
+      <dgm:spPr/>
+      <dgm:t>
+        <a:bodyPr/>
+        <a:lstStyle/>
+        <a:p>
+          <a:endParaRPr lang="en-US" sz="2000"/>
+        </a:p>
+      </dgm:t>
+    </dgm:pt>
+    <dgm:pt modelId="{133DDD6A-9990-B948-8B47-3948C694B1CD}" type="sibTrans" cxnId="{CB125556-6806-D04F-B199-FDC2D0D9AE6D}">
+      <dgm:prSet/>
+      <dgm:spPr/>
+      <dgm:t>
+        <a:bodyPr/>
+        <a:lstStyle/>
+        <a:p>
+          <a:endParaRPr lang="en-US" sz="2000"/>
+        </a:p>
+      </dgm:t>
+    </dgm:pt>
+    <dgm:pt modelId="{8EB3D4DA-D392-624C-ACBA-01FCEF0039D1}">
+      <dgm:prSet phldrT="[Text]" custT="1"/>
+      <dgm:spPr/>
+      <dgm:t>
+        <a:bodyPr/>
+        <a:lstStyle/>
+        <a:p>
+          <a:r>
+            <a:rPr lang="pt-BR" sz="1800" noProof="0" dirty="0">
+              <a:latin typeface="+mj-lt"/>
+            </a:rPr>
+            <a:t>Dia 3 – Bases de dados disponíveis (</a:t>
+          </a:r>
+          <a:r>
+            <a:rPr lang="pt-BR" sz="1800" noProof="0" dirty="0" err="1">
+              <a:latin typeface="+mj-lt"/>
+            </a:rPr>
+            <a:t>B</a:t>
+          </a:r>
+          <a:r>
+            <a:rPr lang="pt-BR" sz="1800" noProof="0" dirty="0">
+              <a:latin typeface="+mj-lt"/>
+            </a:rPr>
+            <a:t>)</a:t>
+          </a:r>
+        </a:p>
+      </dgm:t>
+    </dgm:pt>
+    <dgm:pt modelId="{10862054-81DB-8242-A4C6-06EAE50C713F}" type="parTrans" cxnId="{0D42DA19-A0B1-5844-A3E3-808AD29B097B}">
+      <dgm:prSet/>
+      <dgm:spPr/>
+      <dgm:t>
+        <a:bodyPr/>
+        <a:lstStyle/>
+        <a:p>
+          <a:endParaRPr lang="en-US" sz="2000"/>
+        </a:p>
+      </dgm:t>
+    </dgm:pt>
+    <dgm:pt modelId="{FDBEC8E4-56A3-A844-B9B6-F6031FEBD7F8}" type="sibTrans" cxnId="{0D42DA19-A0B1-5844-A3E3-808AD29B097B}">
+      <dgm:prSet/>
+      <dgm:spPr/>
+      <dgm:t>
+        <a:bodyPr/>
+        <a:lstStyle/>
+        <a:p>
+          <a:endParaRPr lang="en-US" sz="2000"/>
+        </a:p>
+      </dgm:t>
+    </dgm:pt>
+    <dgm:pt modelId="{8A555377-C05A-8846-93A1-D11E746AD7A5}">
+      <dgm:prSet phldrT="[Text]" custT="1"/>
+      <dgm:spPr/>
+      <dgm:t>
+        <a:bodyPr/>
+        <a:lstStyle/>
+        <a:p>
+          <a:r>
+            <a:rPr lang="pt-BR" sz="1800" noProof="0" dirty="0">
+              <a:latin typeface="+mj-lt"/>
+            </a:rPr>
+            <a:t>Como interagir com as bases</a:t>
+          </a:r>
+        </a:p>
+      </dgm:t>
+    </dgm:pt>
+    <dgm:pt modelId="{FA71FF4A-0D05-9046-8223-41581AEB7A56}" type="parTrans" cxnId="{B24B6C27-1328-D64D-82C4-A8ADB45E9BF7}">
+      <dgm:prSet/>
+      <dgm:spPr/>
+      <dgm:t>
+        <a:bodyPr/>
+        <a:lstStyle/>
+        <a:p>
+          <a:endParaRPr lang="en-US" sz="2000"/>
+        </a:p>
+      </dgm:t>
+    </dgm:pt>
+    <dgm:pt modelId="{A42AF4A5-12B9-9A47-87A1-A1080AFEF41D}" type="sibTrans" cxnId="{B24B6C27-1328-D64D-82C4-A8ADB45E9BF7}">
+      <dgm:prSet/>
+      <dgm:spPr/>
+      <dgm:t>
+        <a:bodyPr/>
+        <a:lstStyle/>
+        <a:p>
+          <a:endParaRPr lang="en-US" sz="2000"/>
+        </a:p>
+      </dgm:t>
+    </dgm:pt>
+    <dgm:pt modelId="{0D594C62-8F0E-D547-B5C4-5454A990423E}">
+      <dgm:prSet phldrT="[Text]" custT="1"/>
+      <dgm:spPr/>
+      <dgm:t>
+        <a:bodyPr/>
+        <a:lstStyle/>
+        <a:p>
+          <a:r>
+            <a:rPr lang="pt-BR" sz="1800" noProof="0" dirty="0">
+              <a:latin typeface="+mj-lt"/>
+            </a:rPr>
+            <a:t>Dia 4 - MDE</a:t>
+          </a:r>
+        </a:p>
+      </dgm:t>
+    </dgm:pt>
+    <dgm:pt modelId="{FE0DCDF9-B2F9-D24B-BA5F-F37FD6FA0851}" type="parTrans" cxnId="{B308C8BD-5034-E74C-8CFA-FD678506FAEA}">
+      <dgm:prSet/>
+      <dgm:spPr/>
+      <dgm:t>
+        <a:bodyPr/>
+        <a:lstStyle/>
+        <a:p>
+          <a:endParaRPr lang="en-US" sz="2000"/>
+        </a:p>
+      </dgm:t>
+    </dgm:pt>
+    <dgm:pt modelId="{C6B30F07-7703-C24B-B99C-F227B6A1DD06}" type="sibTrans" cxnId="{B308C8BD-5034-E74C-8CFA-FD678506FAEA}">
+      <dgm:prSet/>
+      <dgm:spPr/>
+      <dgm:t>
+        <a:bodyPr/>
+        <a:lstStyle/>
+        <a:p>
+          <a:endParaRPr lang="en-US" sz="2000"/>
+        </a:p>
+      </dgm:t>
+    </dgm:pt>
+    <dgm:pt modelId="{726FAEE0-0671-6A47-992E-19C958FAA5C0}">
+      <dgm:prSet phldrT="[Text]" custT="1"/>
+      <dgm:spPr/>
+      <dgm:t>
+        <a:bodyPr/>
+        <a:lstStyle/>
+        <a:p>
+          <a:r>
+            <a:rPr lang="pt-BR" sz="1800" noProof="0" dirty="0">
+              <a:latin typeface="+mj-lt"/>
+            </a:rPr>
+            <a:t>Dia 4</a:t>
+          </a:r>
+        </a:p>
+      </dgm:t>
+    </dgm:pt>
+    <dgm:pt modelId="{2F18166A-B3FC-6142-9EE6-69B7FBBE776A}" type="parTrans" cxnId="{EF28A899-EE90-804D-A835-5E18D8C75057}">
+      <dgm:prSet/>
+      <dgm:spPr/>
+      <dgm:t>
+        <a:bodyPr/>
+        <a:lstStyle/>
+        <a:p>
+          <a:endParaRPr lang="en-US" sz="2000"/>
+        </a:p>
+      </dgm:t>
+    </dgm:pt>
+    <dgm:pt modelId="{5E8048C6-AB64-C744-BC71-8297C7F11082}" type="sibTrans" cxnId="{EF28A899-EE90-804D-A835-5E18D8C75057}">
+      <dgm:prSet/>
+      <dgm:spPr/>
+      <dgm:t>
+        <a:bodyPr/>
+        <a:lstStyle/>
+        <a:p>
+          <a:endParaRPr lang="en-US" sz="2000"/>
+        </a:p>
+      </dgm:t>
+    </dgm:pt>
+    <dgm:pt modelId="{2D8CDDA4-D3AB-9E47-B00E-87DCAED83B87}">
+      <dgm:prSet phldrT="[Text]" custT="1"/>
+      <dgm:spPr/>
+      <dgm:t>
+        <a:bodyPr/>
+        <a:lstStyle/>
+        <a:p>
+          <a:r>
+            <a:rPr lang="pt-BR" sz="1800" noProof="0" dirty="0">
+              <a:latin typeface="+mj-lt"/>
+            </a:rPr>
+            <a:t>Estrutura do </a:t>
+          </a:r>
+          <a:r>
+            <a:rPr lang="pt-BR" sz="1800" noProof="0" dirty="0" err="1">
+              <a:latin typeface="+mj-lt"/>
+            </a:rPr>
+            <a:t>repo</a:t>
+          </a:r>
+          <a:r>
+            <a:rPr lang="pt-BR" sz="1800" noProof="0" dirty="0">
+              <a:latin typeface="+mj-lt"/>
+            </a:rPr>
+            <a:t>. (J)</a:t>
+          </a:r>
+        </a:p>
+      </dgm:t>
+    </dgm:pt>
+    <dgm:pt modelId="{8A7665EC-796D-A24C-A7F2-A6B6B5E0B8AA}" type="parTrans" cxnId="{6FAD4A6E-7329-6149-A025-6A4491A0D4E4}">
+      <dgm:prSet/>
+      <dgm:spPr/>
+      <dgm:t>
+        <a:bodyPr/>
+        <a:lstStyle/>
+        <a:p>
+          <a:endParaRPr lang="en-US" sz="2000"/>
+        </a:p>
+      </dgm:t>
+    </dgm:pt>
+    <dgm:pt modelId="{3F2151BD-3470-9243-83B7-646636527AA1}" type="sibTrans" cxnId="{6FAD4A6E-7329-6149-A025-6A4491A0D4E4}">
+      <dgm:prSet/>
+      <dgm:spPr/>
+      <dgm:t>
+        <a:bodyPr/>
+        <a:lstStyle/>
+        <a:p>
+          <a:endParaRPr lang="en-US" sz="2000"/>
+        </a:p>
+      </dgm:t>
+    </dgm:pt>
+    <dgm:pt modelId="{9B3E5AEA-B70D-D64C-8C1D-10A6FB51ABAC}">
+      <dgm:prSet phldrT="[Text]" custT="1"/>
+      <dgm:spPr/>
+      <dgm:t>
+        <a:bodyPr/>
+        <a:lstStyle/>
+        <a:p>
+          <a:r>
+            <a:rPr lang="pt-BR" sz="1800" noProof="0" dirty="0">
+              <a:latin typeface="+mj-lt"/>
+            </a:rPr>
+            <a:t>Download de dados ambientais e de ocorrência</a:t>
+          </a:r>
+        </a:p>
+      </dgm:t>
+    </dgm:pt>
+    <dgm:pt modelId="{1495C82C-8764-6441-89E2-F327E9C03D4B}" type="parTrans" cxnId="{E9BE94A7-DA39-C840-9B01-6DBE523708CD}">
+      <dgm:prSet/>
+      <dgm:spPr/>
+      <dgm:t>
+        <a:bodyPr/>
+        <a:lstStyle/>
+        <a:p>
+          <a:endParaRPr lang="en-US" sz="2000"/>
+        </a:p>
+      </dgm:t>
+    </dgm:pt>
+    <dgm:pt modelId="{1DA55D21-382C-1F4A-9B46-B7D18EC4F32F}" type="sibTrans" cxnId="{E9BE94A7-DA39-C840-9B01-6DBE523708CD}">
+      <dgm:prSet/>
+      <dgm:spPr/>
+      <dgm:t>
+        <a:bodyPr/>
+        <a:lstStyle/>
+        <a:p>
+          <a:endParaRPr lang="en-US" sz="2000"/>
+        </a:p>
+      </dgm:t>
+    </dgm:pt>
+    <dgm:pt modelId="{9794766A-8C01-0E48-91EA-38B71167FB12}">
+      <dgm:prSet phldrT="[Text]" custT="1"/>
+      <dgm:spPr/>
+      <dgm:t>
+        <a:bodyPr/>
+        <a:lstStyle/>
+        <a:p>
+          <a:r>
+            <a:rPr lang="pt-BR" sz="1800" b="0" i="0" noProof="0" dirty="0">
+              <a:latin typeface="+mj-lt"/>
+            </a:rPr>
+            <a:t>Preparação</a:t>
+          </a:r>
+          <a:r>
+            <a:rPr lang="pt-BR" sz="1800" noProof="0" dirty="0">
+              <a:latin typeface="+mj-lt"/>
+            </a:rPr>
+            <a:t> de dados para MDE (J+B)</a:t>
+          </a:r>
+        </a:p>
+      </dgm:t>
+    </dgm:pt>
+    <dgm:pt modelId="{D5ED0948-3692-0F48-8054-F38A33146C84}" type="parTrans" cxnId="{A0DBB09D-7EDD-1148-9333-DCE4C93BA9D7}">
+      <dgm:prSet/>
+      <dgm:spPr/>
+      <dgm:t>
+        <a:bodyPr/>
+        <a:lstStyle/>
+        <a:p>
+          <a:endParaRPr lang="en-US" sz="2000"/>
+        </a:p>
+      </dgm:t>
+    </dgm:pt>
+    <dgm:pt modelId="{AD5BA8C9-50EC-8149-9EB8-8BC88A3B2CED}" type="sibTrans" cxnId="{A0DBB09D-7EDD-1148-9333-DCE4C93BA9D7}">
+      <dgm:prSet/>
+      <dgm:spPr/>
+      <dgm:t>
+        <a:bodyPr/>
+        <a:lstStyle/>
+        <a:p>
+          <a:endParaRPr lang="en-US" sz="2000"/>
+        </a:p>
+      </dgm:t>
+    </dgm:pt>
+    <dgm:pt modelId="{60F038A9-D549-3F47-9C60-952B3F373EAE}">
+      <dgm:prSet phldrT="[Text]" custT="1"/>
+      <dgm:spPr/>
+      <dgm:t>
+        <a:bodyPr/>
+        <a:lstStyle/>
+        <a:p>
+          <a:endParaRPr lang="pt-BR" sz="1800" noProof="0" dirty="0">
+            <a:latin typeface="+mj-lt"/>
+          </a:endParaRPr>
+        </a:p>
+      </dgm:t>
+    </dgm:pt>
+    <dgm:pt modelId="{9334ABF3-FD4B-7441-9DAA-A87EBE87EC64}" type="parTrans" cxnId="{045B70CB-FAA3-5D4D-B883-45F63E7E3F92}">
+      <dgm:prSet/>
+      <dgm:spPr/>
+      <dgm:t>
+        <a:bodyPr/>
+        <a:lstStyle/>
+        <a:p>
+          <a:endParaRPr lang="en-US" sz="2000"/>
+        </a:p>
+      </dgm:t>
+    </dgm:pt>
+    <dgm:pt modelId="{9615906F-4BE0-2C47-B238-AFB062BC6D7D}" type="sibTrans" cxnId="{045B70CB-FAA3-5D4D-B883-45F63E7E3F92}">
+      <dgm:prSet/>
+      <dgm:spPr/>
+      <dgm:t>
+        <a:bodyPr/>
+        <a:lstStyle/>
+        <a:p>
+          <a:endParaRPr lang="en-US" sz="2000"/>
+        </a:p>
+      </dgm:t>
+    </dgm:pt>
+    <dgm:pt modelId="{FD5B6DB0-8903-9A41-987A-7619C3A6D6F4}">
+      <dgm:prSet custT="1"/>
+      <dgm:spPr/>
+      <dgm:t>
+        <a:bodyPr/>
+        <a:lstStyle/>
+        <a:p>
+          <a:r>
+            <a:rPr lang="pt-BR" sz="1800" noProof="0" dirty="0">
+              <a:latin typeface="+mj-lt"/>
+            </a:rPr>
+            <a:t>“troubleshoot” e apresentação de resultados</a:t>
+          </a:r>
+        </a:p>
+      </dgm:t>
+    </dgm:pt>
+    <dgm:pt modelId="{0C5AD9DB-07F0-E44E-9A6E-114F0755E04E}" type="parTrans" cxnId="{2ED8D059-9856-FF46-BDDB-282375D96933}">
+      <dgm:prSet/>
+      <dgm:spPr/>
+      <dgm:t>
+        <a:bodyPr/>
+        <a:lstStyle/>
+        <a:p>
+          <a:endParaRPr lang="en-US" sz="2000"/>
+        </a:p>
+      </dgm:t>
+    </dgm:pt>
+    <dgm:pt modelId="{69BBBF78-3A94-2E43-83D7-80F5241431D3}" type="sibTrans" cxnId="{2ED8D059-9856-FF46-BDDB-282375D96933}">
+      <dgm:prSet/>
+      <dgm:spPr/>
+      <dgm:t>
+        <a:bodyPr/>
+        <a:lstStyle/>
+        <a:p>
+          <a:endParaRPr lang="en-US" sz="2000"/>
+        </a:p>
+      </dgm:t>
+    </dgm:pt>
+    <dgm:pt modelId="{960A4DE7-D040-C34C-BDE1-053507B5D5FA}">
+      <dgm:prSet phldrT="[Text]" custT="1"/>
+      <dgm:spPr/>
+      <dgm:t>
+        <a:bodyPr/>
+        <a:lstStyle/>
+        <a:p>
+          <a:endParaRPr lang="pt-BR" sz="1800" noProof="0" dirty="0">
+            <a:latin typeface="+mj-lt"/>
+          </a:endParaRPr>
+        </a:p>
+      </dgm:t>
+    </dgm:pt>
+    <dgm:pt modelId="{E0587E6D-63CC-8243-A87A-C082692CF03E}" type="parTrans" cxnId="{9DCBD597-D7C6-BB40-BBA9-AAA3815FF3ED}">
+      <dgm:prSet/>
+      <dgm:spPr/>
+      <dgm:t>
+        <a:bodyPr/>
+        <a:lstStyle/>
+        <a:p>
+          <a:endParaRPr lang="en-US" sz="2000"/>
+        </a:p>
+      </dgm:t>
+    </dgm:pt>
+    <dgm:pt modelId="{D44503DF-7CCD-BB4A-9CB0-CA3BBA4B79F3}" type="sibTrans" cxnId="{9DCBD597-D7C6-BB40-BBA9-AAA3815FF3ED}">
+      <dgm:prSet/>
+      <dgm:spPr/>
+      <dgm:t>
+        <a:bodyPr/>
+        <a:lstStyle/>
+        <a:p>
+          <a:endParaRPr lang="en-US" sz="2000"/>
+        </a:p>
+      </dgm:t>
+    </dgm:pt>
+    <dgm:pt modelId="{9A9CBCCD-57D6-6049-97A4-2D69B1D04227}">
+      <dgm:prSet custT="1"/>
+      <dgm:spPr/>
+      <dgm:t>
+        <a:bodyPr/>
+        <a:lstStyle/>
+        <a:p>
+          <a:endParaRPr lang="pt-BR" sz="1800" b="0" i="0" noProof="0" dirty="0">
+            <a:latin typeface="+mj-lt"/>
+          </a:endParaRPr>
+        </a:p>
+      </dgm:t>
+    </dgm:pt>
+    <dgm:pt modelId="{77709DF4-EF9D-1A4D-9774-B1816260482D}" type="parTrans" cxnId="{4E85FED1-BB96-FD4E-951B-9804DE3F60AF}">
+      <dgm:prSet/>
+      <dgm:spPr/>
+      <dgm:t>
+        <a:bodyPr/>
+        <a:lstStyle/>
+        <a:p>
+          <a:endParaRPr lang="en-US" sz="2000"/>
+        </a:p>
+      </dgm:t>
+    </dgm:pt>
+    <dgm:pt modelId="{D7366BFB-E631-D74B-9BCC-B7D13F503B00}" type="sibTrans" cxnId="{4E85FED1-BB96-FD4E-951B-9804DE3F60AF}">
+      <dgm:prSet/>
+      <dgm:spPr/>
+      <dgm:t>
+        <a:bodyPr/>
+        <a:lstStyle/>
+        <a:p>
+          <a:endParaRPr lang="en-US" sz="2000"/>
+        </a:p>
+      </dgm:t>
+    </dgm:pt>
+    <dgm:pt modelId="{DE1CDDE1-B268-7548-8985-61F74E9269E2}">
+      <dgm:prSet phldrT="[Text]" custT="1"/>
+      <dgm:spPr/>
+      <dgm:t>
+        <a:bodyPr/>
+        <a:lstStyle/>
+        <a:p>
+          <a:r>
+            <a:rPr lang="pt-BR" sz="1800" noProof="0" dirty="0">
+              <a:latin typeface="+mj-lt"/>
+            </a:rPr>
+            <a:t>Limpeza de dados de ocorrência </a:t>
+          </a:r>
+        </a:p>
+      </dgm:t>
+    </dgm:pt>
+    <dgm:pt modelId="{6D7F318D-F80C-6845-9578-A6979BF57975}" type="parTrans" cxnId="{F03D22A0-61F8-9949-94DF-881B03906FB0}">
+      <dgm:prSet/>
+      <dgm:spPr/>
+      <dgm:t>
+        <a:bodyPr/>
+        <a:lstStyle/>
+        <a:p>
+          <a:endParaRPr lang="en-US" sz="2000"/>
+        </a:p>
+      </dgm:t>
+    </dgm:pt>
+    <dgm:pt modelId="{1FC01AD1-4FC9-074B-B42A-F4B832EDFC4D}" type="sibTrans" cxnId="{F03D22A0-61F8-9949-94DF-881B03906FB0}">
+      <dgm:prSet/>
+      <dgm:spPr/>
+      <dgm:t>
+        <a:bodyPr/>
+        <a:lstStyle/>
+        <a:p>
+          <a:endParaRPr lang="en-US" sz="2000"/>
+        </a:p>
+      </dgm:t>
+    </dgm:pt>
+    <dgm:pt modelId="{9660AFDC-9955-D145-AA07-BA322E204FF1}">
+      <dgm:prSet phldrT="[Text]" custT="1"/>
+      <dgm:spPr/>
+      <dgm:t>
+        <a:bodyPr/>
+        <a:lstStyle/>
+        <a:p>
+          <a:r>
+            <a:rPr lang="pt-BR" sz="1800" b="0" i="0" noProof="0" dirty="0">
+              <a:latin typeface="+mj-lt"/>
+            </a:rPr>
+            <a:t>Introdução à GitHub (J+B)</a:t>
+          </a:r>
+          <a:endParaRPr lang="pt-BR" sz="1800" noProof="0" dirty="0">
+            <a:latin typeface="+mj-lt"/>
+          </a:endParaRPr>
+        </a:p>
+      </dgm:t>
+    </dgm:pt>
+    <dgm:pt modelId="{A6C1C37F-5C64-984E-AAAF-AF823D71741C}" type="parTrans" cxnId="{F0670E2E-14D5-9F47-B6F9-DC9C974B0604}">
+      <dgm:prSet/>
+      <dgm:spPr/>
+      <dgm:t>
+        <a:bodyPr/>
+        <a:lstStyle/>
+        <a:p>
+          <a:endParaRPr lang="en-US" sz="2000"/>
+        </a:p>
+      </dgm:t>
+    </dgm:pt>
+    <dgm:pt modelId="{B4E61655-3402-CD4D-86CF-CD333176EE4F}" type="sibTrans" cxnId="{F0670E2E-14D5-9F47-B6F9-DC9C974B0604}">
+      <dgm:prSet/>
+      <dgm:spPr/>
+      <dgm:t>
+        <a:bodyPr/>
+        <a:lstStyle/>
+        <a:p>
+          <a:endParaRPr lang="en-US" sz="2000"/>
+        </a:p>
+      </dgm:t>
+    </dgm:pt>
+    <dgm:pt modelId="{9BCFE93D-6E84-5B41-801F-56F19DAAF022}">
+      <dgm:prSet phldrT="[Text]" custT="1"/>
+      <dgm:spPr/>
+      <dgm:t>
+        <a:bodyPr/>
+        <a:lstStyle/>
+        <a:p>
+          <a:r>
+            <a:rPr lang="pt-BR" sz="1800" noProof="0" dirty="0">
+              <a:latin typeface="+mj-lt"/>
+            </a:rPr>
+            <a:t>Construindo mapas em </a:t>
+          </a:r>
+          <a:r>
+            <a:rPr lang="pt-BR" sz="1800" noProof="0" dirty="0" err="1">
+              <a:latin typeface="+mj-lt"/>
+            </a:rPr>
+            <a:t>R</a:t>
+          </a:r>
+          <a:r>
+            <a:rPr lang="pt-BR" sz="1800" noProof="0" dirty="0">
+              <a:latin typeface="+mj-lt"/>
+            </a:rPr>
+            <a:t> (J)</a:t>
+          </a:r>
+        </a:p>
+      </dgm:t>
+    </dgm:pt>
+    <dgm:pt modelId="{27A58515-4A87-C74B-9454-6E1124391473}" type="sibTrans" cxnId="{002F695F-F451-1A4B-AAE9-1AD10E9C53BC}">
+      <dgm:prSet/>
+      <dgm:spPr/>
+      <dgm:t>
+        <a:bodyPr/>
+        <a:lstStyle/>
+        <a:p>
+          <a:endParaRPr lang="en-US" sz="2000"/>
+        </a:p>
+      </dgm:t>
+    </dgm:pt>
+    <dgm:pt modelId="{46E92058-9D74-764A-9EFC-E66B9D8CC71B}" type="parTrans" cxnId="{002F695F-F451-1A4B-AAE9-1AD10E9C53BC}">
+      <dgm:prSet/>
+      <dgm:spPr/>
+      <dgm:t>
+        <a:bodyPr/>
+        <a:lstStyle/>
+        <a:p>
+          <a:endParaRPr lang="en-US" sz="2000"/>
+        </a:p>
+      </dgm:t>
+    </dgm:pt>
+    <dgm:pt modelId="{C90DA8F3-948E-5E47-8D95-D8BAF110C8B0}">
+      <dgm:prSet phldrT="[Text]" custT="1"/>
+      <dgm:spPr/>
+      <dgm:t>
+        <a:bodyPr/>
+        <a:lstStyle/>
+        <a:p>
+          <a:endParaRPr lang="pt-BR" sz="1800" noProof="0" dirty="0">
+            <a:latin typeface="+mj-lt"/>
+          </a:endParaRPr>
+        </a:p>
+      </dgm:t>
+    </dgm:pt>
+    <dgm:pt modelId="{5D217272-209D-8A43-A914-E00481776B30}" type="parTrans" cxnId="{2721F933-D91A-3B4C-829A-490E447893D9}">
       <dgm:prSet/>
       <dgm:spPr/>
       <dgm:t>
@@ -2477,807 +3260,7 @@
         </a:p>
       </dgm:t>
     </dgm:pt>
-    <dgm:pt modelId="{B575B920-FFFA-344C-81D6-148E999212A2}" type="sibTrans" cxnId="{7604DC7D-D5E0-9C4D-8786-9C0215029E69}">
-      <dgm:prSet/>
-      <dgm:spPr/>
-      <dgm:t>
-        <a:bodyPr/>
-        <a:lstStyle/>
-        <a:p>
-          <a:endParaRPr lang="en-US"/>
-        </a:p>
-      </dgm:t>
-    </dgm:pt>
-    <dgm:pt modelId="{E2F99037-DD6C-444C-8200-8A7A20646B44}">
-      <dgm:prSet phldrT="[Text]"/>
-      <dgm:spPr/>
-      <dgm:t>
-        <a:bodyPr/>
-        <a:lstStyle/>
-        <a:p>
-          <a:r>
-            <a:rPr lang="pt-BR" b="0" i="0" noProof="0" dirty="0">
-              <a:latin typeface="+mj-lt"/>
-            </a:rPr>
-            <a:t>Linguagem </a:t>
-          </a:r>
-          <a:r>
-            <a:rPr lang="pt-BR" b="0" i="0" noProof="0" dirty="0" err="1">
-              <a:latin typeface="+mj-lt"/>
-            </a:rPr>
-            <a:t>R</a:t>
-          </a:r>
-          <a:r>
-            <a:rPr lang="pt-BR" b="0" i="0" noProof="0" dirty="0">
-              <a:latin typeface="+mj-lt"/>
-            </a:rPr>
-            <a:t> para este curso (</a:t>
-          </a:r>
-          <a:r>
-            <a:rPr lang="pt-BR" b="0" i="0" noProof="0" dirty="0" err="1">
-              <a:latin typeface="+mj-lt"/>
-            </a:rPr>
-            <a:t>B</a:t>
-          </a:r>
-          <a:r>
-            <a:rPr lang="pt-BR" b="0" i="0" noProof="0" dirty="0">
-              <a:latin typeface="+mj-lt"/>
-            </a:rPr>
-            <a:t>)</a:t>
-          </a:r>
-          <a:endParaRPr lang="pt-BR" noProof="0" dirty="0">
-            <a:latin typeface="+mj-lt"/>
-          </a:endParaRPr>
-        </a:p>
-      </dgm:t>
-    </dgm:pt>
-    <dgm:pt modelId="{0E183783-E209-9F4F-A70E-F492EA7BD742}" type="parTrans" cxnId="{22F1BE8A-8087-D042-8942-508C1308CD06}">
-      <dgm:prSet/>
-      <dgm:spPr/>
-      <dgm:t>
-        <a:bodyPr/>
-        <a:lstStyle/>
-        <a:p>
-          <a:endParaRPr lang="en-US"/>
-        </a:p>
-      </dgm:t>
-    </dgm:pt>
-    <dgm:pt modelId="{1BC8B3A4-FB01-764A-8BED-6E8EB8032305}" type="sibTrans" cxnId="{22F1BE8A-8087-D042-8942-508C1308CD06}">
-      <dgm:prSet/>
-      <dgm:spPr/>
-      <dgm:t>
-        <a:bodyPr/>
-        <a:lstStyle/>
-        <a:p>
-          <a:endParaRPr lang="en-US"/>
-        </a:p>
-      </dgm:t>
-    </dgm:pt>
-    <dgm:pt modelId="{3DC5BF48-BA14-E94E-BE3F-8FB1C3CF1B90}">
-      <dgm:prSet phldrT="[Text]"/>
-      <dgm:spPr/>
-      <dgm:t>
-        <a:bodyPr/>
-        <a:lstStyle/>
-        <a:p>
-          <a:r>
-            <a:rPr lang="pt-BR" noProof="0" dirty="0">
-              <a:latin typeface="+mj-lt"/>
-            </a:rPr>
-            <a:t>Dia 2 – Analise de dados</a:t>
-          </a:r>
-        </a:p>
-      </dgm:t>
-    </dgm:pt>
-    <dgm:pt modelId="{66636137-4F14-C340-9E6A-C098E47B6F2F}" type="parTrans" cxnId="{2A7391BD-E933-724E-B9B1-BA636999FB1D}">
-      <dgm:prSet/>
-      <dgm:spPr/>
-      <dgm:t>
-        <a:bodyPr/>
-        <a:lstStyle/>
-        <a:p>
-          <a:endParaRPr lang="en-US"/>
-        </a:p>
-      </dgm:t>
-    </dgm:pt>
-    <dgm:pt modelId="{E2837041-A437-774B-A318-B655203B6D90}" type="sibTrans" cxnId="{2A7391BD-E933-724E-B9B1-BA636999FB1D}">
-      <dgm:prSet/>
-      <dgm:spPr/>
-      <dgm:t>
-        <a:bodyPr/>
-        <a:lstStyle/>
-        <a:p>
-          <a:endParaRPr lang="en-US"/>
-        </a:p>
-      </dgm:t>
-    </dgm:pt>
-    <dgm:pt modelId="{15AFFBE7-DAB1-FC45-9FC0-69BC8EFFD4BA}">
-      <dgm:prSet phldrT="[Text]"/>
-      <dgm:spPr/>
-      <dgm:t>
-        <a:bodyPr/>
-        <a:lstStyle/>
-        <a:p>
-          <a:r>
-            <a:rPr lang="pt-BR" noProof="0" dirty="0">
-              <a:latin typeface="+mj-lt"/>
-            </a:rPr>
-            <a:t>Análises de dados em </a:t>
-          </a:r>
-          <a:r>
-            <a:rPr lang="pt-BR" noProof="0" dirty="0" err="1">
-              <a:latin typeface="+mj-lt"/>
-            </a:rPr>
-            <a:t>R</a:t>
-          </a:r>
-          <a:r>
-            <a:rPr lang="pt-BR" noProof="0" dirty="0">
-              <a:latin typeface="+mj-lt"/>
-            </a:rPr>
-            <a:t> (</a:t>
-          </a:r>
-          <a:r>
-            <a:rPr lang="pt-BR" noProof="0" dirty="0" err="1">
-              <a:latin typeface="+mj-lt"/>
-            </a:rPr>
-            <a:t>B</a:t>
-          </a:r>
-          <a:r>
-            <a:rPr lang="pt-BR" noProof="0" dirty="0">
-              <a:latin typeface="+mj-lt"/>
-            </a:rPr>
-            <a:t>)</a:t>
-          </a:r>
-        </a:p>
-      </dgm:t>
-    </dgm:pt>
-    <dgm:pt modelId="{8BD24FEB-079D-DD4D-9ED0-A15F63FF9A47}" type="parTrans" cxnId="{CB125556-6806-D04F-B199-FDC2D0D9AE6D}">
-      <dgm:prSet/>
-      <dgm:spPr/>
-      <dgm:t>
-        <a:bodyPr/>
-        <a:lstStyle/>
-        <a:p>
-          <a:endParaRPr lang="en-US"/>
-        </a:p>
-      </dgm:t>
-    </dgm:pt>
-    <dgm:pt modelId="{133DDD6A-9990-B948-8B47-3948C694B1CD}" type="sibTrans" cxnId="{CB125556-6806-D04F-B199-FDC2D0D9AE6D}">
-      <dgm:prSet/>
-      <dgm:spPr/>
-      <dgm:t>
-        <a:bodyPr/>
-        <a:lstStyle/>
-        <a:p>
-          <a:endParaRPr lang="en-US"/>
-        </a:p>
-      </dgm:t>
-    </dgm:pt>
-    <dgm:pt modelId="{8EB3D4DA-D392-624C-ACBA-01FCEF0039D1}">
-      <dgm:prSet phldrT="[Text]"/>
-      <dgm:spPr/>
-      <dgm:t>
-        <a:bodyPr/>
-        <a:lstStyle/>
-        <a:p>
-          <a:r>
-            <a:rPr lang="pt-BR" noProof="0" dirty="0">
-              <a:latin typeface="+mj-lt"/>
-            </a:rPr>
-            <a:t>Dia 3 – Bases de dados disponíveis para biologia / ecologia</a:t>
-          </a:r>
-        </a:p>
-      </dgm:t>
-    </dgm:pt>
-    <dgm:pt modelId="{10862054-81DB-8242-A4C6-06EAE50C713F}" type="parTrans" cxnId="{0D42DA19-A0B1-5844-A3E3-808AD29B097B}">
-      <dgm:prSet/>
-      <dgm:spPr/>
-      <dgm:t>
-        <a:bodyPr/>
-        <a:lstStyle/>
-        <a:p>
-          <a:endParaRPr lang="en-US"/>
-        </a:p>
-      </dgm:t>
-    </dgm:pt>
-    <dgm:pt modelId="{FDBEC8E4-56A3-A844-B9B6-F6031FEBD7F8}" type="sibTrans" cxnId="{0D42DA19-A0B1-5844-A3E3-808AD29B097B}">
-      <dgm:prSet/>
-      <dgm:spPr/>
-      <dgm:t>
-        <a:bodyPr/>
-        <a:lstStyle/>
-        <a:p>
-          <a:endParaRPr lang="en-US"/>
-        </a:p>
-      </dgm:t>
-    </dgm:pt>
-    <dgm:pt modelId="{8A555377-C05A-8846-93A1-D11E746AD7A5}">
-      <dgm:prSet phldrT="[Text]"/>
-      <dgm:spPr/>
-      <dgm:t>
-        <a:bodyPr/>
-        <a:lstStyle/>
-        <a:p>
-          <a:r>
-            <a:rPr lang="pt-BR" noProof="0" dirty="0">
-              <a:latin typeface="+mj-lt"/>
-            </a:rPr>
-            <a:t>Como interagir com as bases</a:t>
-          </a:r>
-        </a:p>
-      </dgm:t>
-    </dgm:pt>
-    <dgm:pt modelId="{FA71FF4A-0D05-9046-8223-41581AEB7A56}" type="parTrans" cxnId="{B24B6C27-1328-D64D-82C4-A8ADB45E9BF7}">
-      <dgm:prSet/>
-      <dgm:spPr/>
-      <dgm:t>
-        <a:bodyPr/>
-        <a:lstStyle/>
-        <a:p>
-          <a:endParaRPr lang="en-US"/>
-        </a:p>
-      </dgm:t>
-    </dgm:pt>
-    <dgm:pt modelId="{A42AF4A5-12B9-9A47-87A1-A1080AFEF41D}" type="sibTrans" cxnId="{B24B6C27-1328-D64D-82C4-A8ADB45E9BF7}">
-      <dgm:prSet/>
-      <dgm:spPr/>
-      <dgm:t>
-        <a:bodyPr/>
-        <a:lstStyle/>
-        <a:p>
-          <a:endParaRPr lang="en-US"/>
-        </a:p>
-      </dgm:t>
-    </dgm:pt>
-    <dgm:pt modelId="{0D594C62-8F0E-D547-B5C4-5454A990423E}">
-      <dgm:prSet phldrT="[Text]"/>
-      <dgm:spPr/>
-      <dgm:t>
-        <a:bodyPr/>
-        <a:lstStyle/>
-        <a:p>
-          <a:r>
-            <a:rPr lang="pt-BR" noProof="0" dirty="0">
-              <a:latin typeface="+mj-lt"/>
-            </a:rPr>
-            <a:t>Dia 4</a:t>
-          </a:r>
-        </a:p>
-      </dgm:t>
-    </dgm:pt>
-    <dgm:pt modelId="{FE0DCDF9-B2F9-D24B-BA5F-F37FD6FA0851}" type="parTrans" cxnId="{B308C8BD-5034-E74C-8CFA-FD678506FAEA}">
-      <dgm:prSet/>
-      <dgm:spPr/>
-      <dgm:t>
-        <a:bodyPr/>
-        <a:lstStyle/>
-        <a:p>
-          <a:endParaRPr lang="en-US"/>
-        </a:p>
-      </dgm:t>
-    </dgm:pt>
-    <dgm:pt modelId="{C6B30F07-7703-C24B-B99C-F227B6A1DD06}" type="sibTrans" cxnId="{B308C8BD-5034-E74C-8CFA-FD678506FAEA}">
-      <dgm:prSet/>
-      <dgm:spPr/>
-      <dgm:t>
-        <a:bodyPr/>
-        <a:lstStyle/>
-        <a:p>
-          <a:endParaRPr lang="en-US"/>
-        </a:p>
-      </dgm:t>
-    </dgm:pt>
-    <dgm:pt modelId="{726FAEE0-0671-6A47-992E-19C958FAA5C0}">
-      <dgm:prSet phldrT="[Text]"/>
-      <dgm:spPr/>
-      <dgm:t>
-        <a:bodyPr/>
-        <a:lstStyle/>
-        <a:p>
-          <a:r>
-            <a:rPr lang="pt-BR" noProof="0" dirty="0">
-              <a:latin typeface="+mj-lt"/>
-            </a:rPr>
-            <a:t>Dia 4</a:t>
-          </a:r>
-        </a:p>
-      </dgm:t>
-    </dgm:pt>
-    <dgm:pt modelId="{2F18166A-B3FC-6142-9EE6-69B7FBBE776A}" type="parTrans" cxnId="{EF28A899-EE90-804D-A835-5E18D8C75057}">
-      <dgm:prSet/>
-      <dgm:spPr/>
-      <dgm:t>
-        <a:bodyPr/>
-        <a:lstStyle/>
-        <a:p>
-          <a:endParaRPr lang="en-US"/>
-        </a:p>
-      </dgm:t>
-    </dgm:pt>
-    <dgm:pt modelId="{5E8048C6-AB64-C744-BC71-8297C7F11082}" type="sibTrans" cxnId="{EF28A899-EE90-804D-A835-5E18D8C75057}">
-      <dgm:prSet/>
-      <dgm:spPr/>
-      <dgm:t>
-        <a:bodyPr/>
-        <a:lstStyle/>
-        <a:p>
-          <a:endParaRPr lang="en-US"/>
-        </a:p>
-      </dgm:t>
-    </dgm:pt>
-    <dgm:pt modelId="{2D8CDDA4-D3AB-9E47-B00E-87DCAED83B87}">
-      <dgm:prSet phldrT="[Text]"/>
-      <dgm:spPr/>
-      <dgm:t>
-        <a:bodyPr/>
-        <a:lstStyle/>
-        <a:p>
-          <a:r>
-            <a:rPr lang="pt-BR" noProof="0" dirty="0">
-              <a:latin typeface="+mj-lt"/>
-            </a:rPr>
-            <a:t>Estrutura do curso (B+J)</a:t>
-          </a:r>
-        </a:p>
-      </dgm:t>
-    </dgm:pt>
-    <dgm:pt modelId="{8A7665EC-796D-A24C-A7F2-A6B6B5E0B8AA}" type="parTrans" cxnId="{6FAD4A6E-7329-6149-A025-6A4491A0D4E4}">
-      <dgm:prSet/>
-      <dgm:spPr/>
-      <dgm:t>
-        <a:bodyPr/>
-        <a:lstStyle/>
-        <a:p>
-          <a:endParaRPr lang="en-US"/>
-        </a:p>
-      </dgm:t>
-    </dgm:pt>
-    <dgm:pt modelId="{3F2151BD-3470-9243-83B7-646636527AA1}" type="sibTrans" cxnId="{6FAD4A6E-7329-6149-A025-6A4491A0D4E4}">
-      <dgm:prSet/>
-      <dgm:spPr/>
-      <dgm:t>
-        <a:bodyPr/>
-        <a:lstStyle/>
-        <a:p>
-          <a:endParaRPr lang="en-US"/>
-        </a:p>
-      </dgm:t>
-    </dgm:pt>
-    <dgm:pt modelId="{9B3E5AEA-B70D-D64C-8C1D-10A6FB51ABAC}">
-      <dgm:prSet phldrT="[Text]"/>
-      <dgm:spPr/>
-      <dgm:t>
-        <a:bodyPr/>
-        <a:lstStyle/>
-        <a:p>
-          <a:r>
-            <a:rPr lang="pt-BR" noProof="0" dirty="0">
-              <a:latin typeface="+mj-lt"/>
-            </a:rPr>
-            <a:t>Download de dados ambientais e de ocorrência</a:t>
-          </a:r>
-        </a:p>
-      </dgm:t>
-    </dgm:pt>
-    <dgm:pt modelId="{1495C82C-8764-6441-89E2-F327E9C03D4B}" type="parTrans" cxnId="{E9BE94A7-DA39-C840-9B01-6DBE523708CD}">
-      <dgm:prSet/>
-      <dgm:spPr/>
-      <dgm:t>
-        <a:bodyPr/>
-        <a:lstStyle/>
-        <a:p>
-          <a:endParaRPr lang="en-US"/>
-        </a:p>
-      </dgm:t>
-    </dgm:pt>
-    <dgm:pt modelId="{1DA55D21-382C-1F4A-9B46-B7D18EC4F32F}" type="sibTrans" cxnId="{E9BE94A7-DA39-C840-9B01-6DBE523708CD}">
-      <dgm:prSet/>
-      <dgm:spPr/>
-      <dgm:t>
-        <a:bodyPr/>
-        <a:lstStyle/>
-        <a:p>
-          <a:endParaRPr lang="en-US"/>
-        </a:p>
-      </dgm:t>
-    </dgm:pt>
-    <dgm:pt modelId="{11C2A335-66EC-CF42-965A-816D0E00DA7F}">
-      <dgm:prSet phldrT="[Text]"/>
-      <dgm:spPr/>
-      <dgm:t>
-        <a:bodyPr/>
-        <a:lstStyle/>
-        <a:p>
-          <a:r>
-            <a:rPr lang="pt-BR" noProof="0" dirty="0">
-              <a:latin typeface="+mj-lt"/>
-            </a:rPr>
-            <a:t>Introdução a </a:t>
-          </a:r>
-          <a:r>
-            <a:rPr lang="pt-BR" noProof="0" dirty="0" err="1">
-              <a:latin typeface="+mj-lt"/>
-            </a:rPr>
-            <a:t>Rmarkdown</a:t>
-          </a:r>
-          <a:r>
-            <a:rPr lang="pt-BR" noProof="0" dirty="0">
-              <a:latin typeface="+mj-lt"/>
-            </a:rPr>
-            <a:t> (?)</a:t>
-          </a:r>
-        </a:p>
-      </dgm:t>
-    </dgm:pt>
-    <dgm:pt modelId="{510801A3-F1C9-2247-B4A2-D7B920ABBEF4}" type="parTrans" cxnId="{9BCC25E3-F2F1-0541-889E-C9E13EE2DC87}">
-      <dgm:prSet/>
-      <dgm:spPr/>
-      <dgm:t>
-        <a:bodyPr/>
-        <a:lstStyle/>
-        <a:p>
-          <a:endParaRPr lang="en-US"/>
-        </a:p>
-      </dgm:t>
-    </dgm:pt>
-    <dgm:pt modelId="{BAFB61BC-61BC-ED48-AE80-0EAB47B7080C}" type="sibTrans" cxnId="{9BCC25E3-F2F1-0541-889E-C9E13EE2DC87}">
-      <dgm:prSet/>
-      <dgm:spPr/>
-      <dgm:t>
-        <a:bodyPr/>
-        <a:lstStyle/>
-        <a:p>
-          <a:endParaRPr lang="en-US"/>
-        </a:p>
-      </dgm:t>
-    </dgm:pt>
-    <dgm:pt modelId="{9794766A-8C01-0E48-91EA-38B71167FB12}">
-      <dgm:prSet phldrT="[Text]"/>
-      <dgm:spPr/>
-      <dgm:t>
-        <a:bodyPr/>
-        <a:lstStyle/>
-        <a:p>
-          <a:r>
-            <a:rPr lang="pt-BR" b="0" i="0" noProof="0" dirty="0">
-              <a:latin typeface="+mj-lt"/>
-            </a:rPr>
-            <a:t>Preparação</a:t>
-          </a:r>
-          <a:r>
-            <a:rPr lang="pt-BR" noProof="0" dirty="0">
-              <a:latin typeface="+mj-lt"/>
-            </a:rPr>
-            <a:t> de dados para MDE</a:t>
-          </a:r>
-        </a:p>
-      </dgm:t>
-    </dgm:pt>
-    <dgm:pt modelId="{D5ED0948-3692-0F48-8054-F38A33146C84}" type="parTrans" cxnId="{A0DBB09D-7EDD-1148-9333-DCE4C93BA9D7}">
-      <dgm:prSet/>
-      <dgm:spPr/>
-      <dgm:t>
-        <a:bodyPr/>
-        <a:lstStyle/>
-        <a:p>
-          <a:endParaRPr lang="en-US"/>
-        </a:p>
-      </dgm:t>
-    </dgm:pt>
-    <dgm:pt modelId="{AD5BA8C9-50EC-8149-9EB8-8BC88A3B2CED}" type="sibTrans" cxnId="{A0DBB09D-7EDD-1148-9333-DCE4C93BA9D7}">
-      <dgm:prSet/>
-      <dgm:spPr/>
-      <dgm:t>
-        <a:bodyPr/>
-        <a:lstStyle/>
-        <a:p>
-          <a:endParaRPr lang="en-US"/>
-        </a:p>
-      </dgm:t>
-    </dgm:pt>
-    <dgm:pt modelId="{60F038A9-D549-3F47-9C60-952B3F373EAE}">
-      <dgm:prSet phldrT="[Text]"/>
-      <dgm:spPr/>
-      <dgm:t>
-        <a:bodyPr/>
-        <a:lstStyle/>
-        <a:p>
-          <a:endParaRPr lang="pt-BR" noProof="0" dirty="0">
-            <a:latin typeface="+mj-lt"/>
-          </a:endParaRPr>
-        </a:p>
-      </dgm:t>
-    </dgm:pt>
-    <dgm:pt modelId="{9334ABF3-FD4B-7441-9DAA-A87EBE87EC64}" type="parTrans" cxnId="{045B70CB-FAA3-5D4D-B883-45F63E7E3F92}">
-      <dgm:prSet/>
-      <dgm:spPr/>
-      <dgm:t>
-        <a:bodyPr/>
-        <a:lstStyle/>
-        <a:p>
-          <a:endParaRPr lang="en-US"/>
-        </a:p>
-      </dgm:t>
-    </dgm:pt>
-    <dgm:pt modelId="{9615906F-4BE0-2C47-B238-AFB062BC6D7D}" type="sibTrans" cxnId="{045B70CB-FAA3-5D4D-B883-45F63E7E3F92}">
-      <dgm:prSet/>
-      <dgm:spPr/>
-      <dgm:t>
-        <a:bodyPr/>
-        <a:lstStyle/>
-        <a:p>
-          <a:endParaRPr lang="en-US"/>
-        </a:p>
-      </dgm:t>
-    </dgm:pt>
-    <dgm:pt modelId="{FD5B6DB0-8903-9A41-987A-7619C3A6D6F4}">
-      <dgm:prSet/>
-      <dgm:spPr/>
-      <dgm:t>
-        <a:bodyPr/>
-        <a:lstStyle/>
-        <a:p>
-          <a:r>
-            <a:rPr lang="pt-BR" noProof="0" dirty="0">
-              <a:latin typeface="+mj-lt"/>
-            </a:rPr>
-            <a:t>“troubleshoot” e apresentação de resultados</a:t>
-          </a:r>
-        </a:p>
-      </dgm:t>
-    </dgm:pt>
-    <dgm:pt modelId="{0C5AD9DB-07F0-E44E-9A6E-114F0755E04E}" type="parTrans" cxnId="{2ED8D059-9856-FF46-BDDB-282375D96933}">
-      <dgm:prSet/>
-      <dgm:spPr/>
-      <dgm:t>
-        <a:bodyPr/>
-        <a:lstStyle/>
-        <a:p>
-          <a:endParaRPr lang="en-US"/>
-        </a:p>
-      </dgm:t>
-    </dgm:pt>
-    <dgm:pt modelId="{69BBBF78-3A94-2E43-83D7-80F5241431D3}" type="sibTrans" cxnId="{2ED8D059-9856-FF46-BDDB-282375D96933}">
-      <dgm:prSet/>
-      <dgm:spPr/>
-      <dgm:t>
-        <a:bodyPr/>
-        <a:lstStyle/>
-        <a:p>
-          <a:endParaRPr lang="en-US"/>
-        </a:p>
-      </dgm:t>
-    </dgm:pt>
-    <dgm:pt modelId="{960A4DE7-D040-C34C-BDE1-053507B5D5FA}">
-      <dgm:prSet phldrT="[Text]"/>
-      <dgm:spPr/>
-      <dgm:t>
-        <a:bodyPr/>
-        <a:lstStyle/>
-        <a:p>
-          <a:endParaRPr lang="pt-BR" noProof="0" dirty="0">
-            <a:latin typeface="+mj-lt"/>
-          </a:endParaRPr>
-        </a:p>
-      </dgm:t>
-    </dgm:pt>
-    <dgm:pt modelId="{E0587E6D-63CC-8243-A87A-C082692CF03E}" type="parTrans" cxnId="{9DCBD597-D7C6-BB40-BBA9-AAA3815FF3ED}">
-      <dgm:prSet/>
-      <dgm:spPr/>
-      <dgm:t>
-        <a:bodyPr/>
-        <a:lstStyle/>
-        <a:p>
-          <a:endParaRPr lang="en-US"/>
-        </a:p>
-      </dgm:t>
-    </dgm:pt>
-    <dgm:pt modelId="{D44503DF-7CCD-BB4A-9CB0-CA3BBA4B79F3}" type="sibTrans" cxnId="{9DCBD597-D7C6-BB40-BBA9-AAA3815FF3ED}">
-      <dgm:prSet/>
-      <dgm:spPr/>
-      <dgm:t>
-        <a:bodyPr/>
-        <a:lstStyle/>
-        <a:p>
-          <a:endParaRPr lang="en-US"/>
-        </a:p>
-      </dgm:t>
-    </dgm:pt>
-    <dgm:pt modelId="{BE02F444-75AD-2A42-8E17-160D7AAD2ABE}">
-      <dgm:prSet phldrT="[Text]"/>
-      <dgm:spPr/>
-      <dgm:t>
-        <a:bodyPr/>
-        <a:lstStyle/>
-        <a:p>
-          <a:r>
-            <a:rPr lang="pt-BR" b="0" i="0" noProof="0" dirty="0">
-              <a:latin typeface="+mj-lt"/>
-            </a:rPr>
-            <a:t>Modelos de MEM</a:t>
-          </a:r>
-          <a:endParaRPr lang="pt-BR" noProof="0" dirty="0">
-            <a:latin typeface="+mj-lt"/>
-          </a:endParaRPr>
-        </a:p>
-      </dgm:t>
-    </dgm:pt>
-    <dgm:pt modelId="{24F19D2C-B734-2F47-8CCD-52020F2FC386}" type="parTrans" cxnId="{A7FCF36E-B789-9243-912F-8A3BD6435061}">
-      <dgm:prSet/>
-      <dgm:spPr/>
-      <dgm:t>
-        <a:bodyPr/>
-        <a:lstStyle/>
-        <a:p>
-          <a:endParaRPr lang="en-US"/>
-        </a:p>
-      </dgm:t>
-    </dgm:pt>
-    <dgm:pt modelId="{D5BFEAEF-6E75-DD46-97B0-38532E467148}" type="sibTrans" cxnId="{A7FCF36E-B789-9243-912F-8A3BD6435061}">
-      <dgm:prSet/>
-      <dgm:spPr/>
-      <dgm:t>
-        <a:bodyPr/>
-        <a:lstStyle/>
-        <a:p>
-          <a:endParaRPr lang="en-US"/>
-        </a:p>
-      </dgm:t>
-    </dgm:pt>
-    <dgm:pt modelId="{9A9CBCCD-57D6-6049-97A4-2D69B1D04227}">
-      <dgm:prSet/>
-      <dgm:spPr/>
-      <dgm:t>
-        <a:bodyPr/>
-        <a:lstStyle/>
-        <a:p>
-          <a:endParaRPr lang="pt-BR" b="0" i="0" noProof="0" dirty="0">
-            <a:latin typeface="+mj-lt"/>
-          </a:endParaRPr>
-        </a:p>
-      </dgm:t>
-    </dgm:pt>
-    <dgm:pt modelId="{77709DF4-EF9D-1A4D-9774-B1816260482D}" type="parTrans" cxnId="{4E85FED1-BB96-FD4E-951B-9804DE3F60AF}">
-      <dgm:prSet/>
-      <dgm:spPr/>
-      <dgm:t>
-        <a:bodyPr/>
-        <a:lstStyle/>
-        <a:p>
-          <a:endParaRPr lang="en-US"/>
-        </a:p>
-      </dgm:t>
-    </dgm:pt>
-    <dgm:pt modelId="{D7366BFB-E631-D74B-9BCC-B7D13F503B00}" type="sibTrans" cxnId="{4E85FED1-BB96-FD4E-951B-9804DE3F60AF}">
-      <dgm:prSet/>
-      <dgm:spPr/>
-      <dgm:t>
-        <a:bodyPr/>
-        <a:lstStyle/>
-        <a:p>
-          <a:endParaRPr lang="en-US"/>
-        </a:p>
-      </dgm:t>
-    </dgm:pt>
-    <dgm:pt modelId="{DE1CDDE1-B268-7548-8985-61F74E9269E2}">
-      <dgm:prSet phldrT="[Text]"/>
-      <dgm:spPr/>
-      <dgm:t>
-        <a:bodyPr/>
-        <a:lstStyle/>
-        <a:p>
-          <a:r>
-            <a:rPr lang="pt-BR" noProof="0" dirty="0">
-              <a:latin typeface="+mj-lt"/>
-            </a:rPr>
-            <a:t>Limpeza de dados de ocorrência </a:t>
-          </a:r>
-        </a:p>
-      </dgm:t>
-    </dgm:pt>
-    <dgm:pt modelId="{6D7F318D-F80C-6845-9578-A6979BF57975}" type="parTrans" cxnId="{F03D22A0-61F8-9949-94DF-881B03906FB0}">
-      <dgm:prSet/>
-      <dgm:spPr/>
-      <dgm:t>
-        <a:bodyPr/>
-        <a:lstStyle/>
-        <a:p>
-          <a:endParaRPr lang="en-US"/>
-        </a:p>
-      </dgm:t>
-    </dgm:pt>
-    <dgm:pt modelId="{1FC01AD1-4FC9-074B-B42A-F4B832EDFC4D}" type="sibTrans" cxnId="{F03D22A0-61F8-9949-94DF-881B03906FB0}">
-      <dgm:prSet/>
-      <dgm:spPr/>
-      <dgm:t>
-        <a:bodyPr/>
-        <a:lstStyle/>
-        <a:p>
-          <a:endParaRPr lang="en-US"/>
-        </a:p>
-      </dgm:t>
-    </dgm:pt>
-    <dgm:pt modelId="{9660AFDC-9955-D145-AA07-BA322E204FF1}">
-      <dgm:prSet phldrT="[Text]"/>
-      <dgm:spPr/>
-      <dgm:t>
-        <a:bodyPr/>
-        <a:lstStyle/>
-        <a:p>
-          <a:r>
-            <a:rPr lang="pt-BR" b="0" i="0" noProof="0" dirty="0">
-              <a:latin typeface="+mj-lt"/>
-            </a:rPr>
-            <a:t>Introdução à GitHub (J)</a:t>
-          </a:r>
-          <a:endParaRPr lang="pt-BR" noProof="0" dirty="0">
-            <a:latin typeface="+mj-lt"/>
-          </a:endParaRPr>
-        </a:p>
-      </dgm:t>
-    </dgm:pt>
-    <dgm:pt modelId="{A6C1C37F-5C64-984E-AAAF-AF823D71741C}" type="parTrans" cxnId="{F0670E2E-14D5-9F47-B6F9-DC9C974B0604}">
-      <dgm:prSet/>
-      <dgm:spPr/>
-      <dgm:t>
-        <a:bodyPr/>
-        <a:lstStyle/>
-        <a:p>
-          <a:endParaRPr lang="en-US"/>
-        </a:p>
-      </dgm:t>
-    </dgm:pt>
-    <dgm:pt modelId="{B4E61655-3402-CD4D-86CF-CD333176EE4F}" type="sibTrans" cxnId="{F0670E2E-14D5-9F47-B6F9-DC9C974B0604}">
-      <dgm:prSet/>
-      <dgm:spPr/>
-      <dgm:t>
-        <a:bodyPr/>
-        <a:lstStyle/>
-        <a:p>
-          <a:endParaRPr lang="en-US"/>
-        </a:p>
-      </dgm:t>
-    </dgm:pt>
-    <dgm:pt modelId="{9BCFE93D-6E84-5B41-801F-56F19DAAF022}">
-      <dgm:prSet phldrT="[Text]"/>
-      <dgm:spPr/>
-      <dgm:t>
-        <a:bodyPr/>
-        <a:lstStyle/>
-        <a:p>
-          <a:r>
-            <a:rPr lang="pt-BR" noProof="0" dirty="0">
-              <a:latin typeface="+mj-lt"/>
-            </a:rPr>
-            <a:t>Construindo mapas em </a:t>
-          </a:r>
-          <a:r>
-            <a:rPr lang="pt-BR" noProof="0" dirty="0" err="1">
-              <a:latin typeface="+mj-lt"/>
-            </a:rPr>
-            <a:t>R</a:t>
-          </a:r>
-          <a:r>
-            <a:rPr lang="pt-BR" noProof="0" dirty="0">
-              <a:latin typeface="+mj-lt"/>
-            </a:rPr>
-            <a:t> (J)</a:t>
-          </a:r>
-        </a:p>
-      </dgm:t>
-    </dgm:pt>
-    <dgm:pt modelId="{27A58515-4A87-C74B-9454-6E1124391473}" type="sibTrans" cxnId="{002F695F-F451-1A4B-AAE9-1AD10E9C53BC}">
-      <dgm:prSet/>
-      <dgm:spPr/>
-      <dgm:t>
-        <a:bodyPr/>
-        <a:lstStyle/>
-        <a:p>
-          <a:endParaRPr lang="en-US"/>
-        </a:p>
-      </dgm:t>
-    </dgm:pt>
-    <dgm:pt modelId="{46E92058-9D74-764A-9EFC-E66B9D8CC71B}" type="parTrans" cxnId="{002F695F-F451-1A4B-AAE9-1AD10E9C53BC}">
+    <dgm:pt modelId="{F0883202-FFD2-5142-9027-0DC0A2124AD6}" type="sibTrans" cxnId="{2721F933-D91A-3B4C-829A-490E447893D9}">
       <dgm:prSet/>
       <dgm:spPr/>
       <dgm:t>
@@ -3432,6 +3415,7 @@
     <dgm:cxn modelId="{F6CFB626-0E56-0B44-8EF2-464372C4762C}" type="presOf" srcId="{9794766A-8C01-0E48-91EA-38B71167FB12}" destId="{617F9704-C5B9-1648-98CF-94F97120C572}" srcOrd="0" destOrd="0" presId="urn:microsoft.com/office/officeart/2005/8/layout/hList1"/>
     <dgm:cxn modelId="{B24B6C27-1328-D64D-82C4-A8ADB45E9BF7}" srcId="{8EB3D4DA-D392-624C-ACBA-01FCEF0039D1}" destId="{8A555377-C05A-8846-93A1-D11E746AD7A5}" srcOrd="0" destOrd="0" parTransId="{FA71FF4A-0D05-9046-8223-41581AEB7A56}" sibTransId="{A42AF4A5-12B9-9A47-87A1-A1080AFEF41D}"/>
     <dgm:cxn modelId="{F0670E2E-14D5-9F47-B6F9-DC9C974B0604}" srcId="{2C0A458E-41E7-0749-B5F3-B87B657B2C46}" destId="{9660AFDC-9955-D145-AA07-BA322E204FF1}" srcOrd="2" destOrd="0" parTransId="{A6C1C37F-5C64-984E-AAAF-AF823D71741C}" sibTransId="{B4E61655-3402-CD4D-86CF-CD333176EE4F}"/>
+    <dgm:cxn modelId="{2721F933-D91A-3B4C-829A-490E447893D9}" srcId="{0D594C62-8F0E-D547-B5C4-5454A990423E}" destId="{C90DA8F3-948E-5E47-8D95-D8BAF110C8B0}" srcOrd="1" destOrd="0" parTransId="{5D217272-209D-8A43-A914-E00481776B30}" sibTransId="{F0883202-FFD2-5142-9027-0DC0A2124AD6}"/>
     <dgm:cxn modelId="{77D2A235-EBAF-6F4A-B52D-E4EFBB604EFE}" type="presOf" srcId="{3DC5BF48-BA14-E94E-BE3F-8FB1C3CF1B90}" destId="{ECE4CE78-598F-7349-8860-765FB74D8A57}" srcOrd="0" destOrd="0" presId="urn:microsoft.com/office/officeart/2005/8/layout/hList1"/>
     <dgm:cxn modelId="{2759DD43-1160-1044-A393-4DA743613C0C}" type="presOf" srcId="{8A555377-C05A-8846-93A1-D11E746AD7A5}" destId="{20D095F7-62F7-7748-B677-217EAF898924}" srcOrd="0" destOrd="0" presId="urn:microsoft.com/office/officeart/2005/8/layout/hList1"/>
     <dgm:cxn modelId="{D838BC4F-8976-BD43-9465-5620F7EAB015}" type="presOf" srcId="{C8661A6B-810B-1E4B-B1CC-141DE757B849}" destId="{DCBBD6ED-E7E2-E641-94EA-3B38CC6CF4A5}" srcOrd="0" destOrd="0" presId="urn:microsoft.com/office/officeart/2005/8/layout/hList1"/>
@@ -3439,15 +3423,12 @@
     <dgm:cxn modelId="{2ED8D059-9856-FF46-BDDB-282375D96933}" srcId="{726FAEE0-0671-6A47-992E-19C958FAA5C0}" destId="{FD5B6DB0-8903-9A41-987A-7619C3A6D6F4}" srcOrd="0" destOrd="0" parTransId="{0C5AD9DB-07F0-E44E-9A6E-114F0755E04E}" sibTransId="{69BBBF78-3A94-2E43-83D7-80F5241431D3}"/>
     <dgm:cxn modelId="{002F695F-F451-1A4B-AAE9-1AD10E9C53BC}" srcId="{3DC5BF48-BA14-E94E-BE3F-8FB1C3CF1B90}" destId="{9BCFE93D-6E84-5B41-801F-56F19DAAF022}" srcOrd="1" destOrd="0" parTransId="{46E92058-9D74-764A-9EFC-E66B9D8CC71B}" sibTransId="{27A58515-4A87-C74B-9454-6E1124391473}"/>
     <dgm:cxn modelId="{6FAD4A6E-7329-6149-A025-6A4491A0D4E4}" srcId="{2C0A458E-41E7-0749-B5F3-B87B657B2C46}" destId="{2D8CDDA4-D3AB-9E47-B00E-87DCAED83B87}" srcOrd="0" destOrd="0" parTransId="{8A7665EC-796D-A24C-A7F2-A6B6B5E0B8AA}" sibTransId="{3F2151BD-3470-9243-83B7-646636527AA1}"/>
-    <dgm:cxn modelId="{A7FCF36E-B789-9243-912F-8A3BD6435061}" srcId="{0D594C62-8F0E-D547-B5C4-5454A990423E}" destId="{BE02F444-75AD-2A42-8E17-160D7AAD2ABE}" srcOrd="1" destOrd="0" parTransId="{24F19D2C-B734-2F47-8CCD-52020F2FC386}" sibTransId="{D5BFEAEF-6E75-DD46-97B0-38532E467148}"/>
     <dgm:cxn modelId="{05A24B7B-0A7A-D941-8899-E41721BD8E08}" type="presOf" srcId="{E2F99037-DD6C-444C-8200-8A7A20646B44}" destId="{A85479BA-39C3-B44C-8F28-84A809FAA5A1}" srcOrd="0" destOrd="1" presId="urn:microsoft.com/office/officeart/2005/8/layout/hList1"/>
     <dgm:cxn modelId="{7604DC7D-D5E0-9C4D-8786-9C0215029E69}" srcId="{C8661A6B-810B-1E4B-B1CC-141DE757B849}" destId="{2C0A458E-41E7-0749-B5F3-B87B657B2C46}" srcOrd="0" destOrd="0" parTransId="{85DFE8F1-77A0-D149-A78B-A94463996F28}" sibTransId="{B575B920-FFFA-344C-81D6-148E999212A2}"/>
     <dgm:cxn modelId="{C8720D7E-F463-3F4D-A842-D768FCF58084}" type="presOf" srcId="{9BCFE93D-6E84-5B41-801F-56F19DAAF022}" destId="{DD81468D-FAD2-994B-B911-D934DCB70CA1}" srcOrd="0" destOrd="1" presId="urn:microsoft.com/office/officeart/2005/8/layout/hList1"/>
     <dgm:cxn modelId="{22F1BE8A-8087-D042-8942-508C1308CD06}" srcId="{2C0A458E-41E7-0749-B5F3-B87B657B2C46}" destId="{E2F99037-DD6C-444C-8200-8A7A20646B44}" srcOrd="1" destOrd="0" parTransId="{0E183783-E209-9F4F-A70E-F492EA7BD742}" sibTransId="{1BC8B3A4-FB01-764A-8BED-6E8EB8032305}"/>
-    <dgm:cxn modelId="{68B3B68C-44FE-3D44-97BB-6B651DFB92A1}" type="presOf" srcId="{BE02F444-75AD-2A42-8E17-160D7AAD2ABE}" destId="{617F9704-C5B9-1648-98CF-94F97120C572}" srcOrd="0" destOrd="1" presId="urn:microsoft.com/office/officeart/2005/8/layout/hList1"/>
     <dgm:cxn modelId="{9C499E8F-780B-D84A-A972-D83685A19282}" type="presOf" srcId="{15AFFBE7-DAB1-FC45-9FC0-69BC8EFFD4BA}" destId="{DD81468D-FAD2-994B-B911-D934DCB70CA1}" srcOrd="0" destOrd="0" presId="urn:microsoft.com/office/officeart/2005/8/layout/hList1"/>
     <dgm:cxn modelId="{E8165391-402A-7348-93C1-E044107B9AF2}" type="presOf" srcId="{0D594C62-8F0E-D547-B5C4-5454A990423E}" destId="{4B864F2B-A171-CA4C-8EC7-98380C9D7AAC}" srcOrd="0" destOrd="0" presId="urn:microsoft.com/office/officeart/2005/8/layout/hList1"/>
-    <dgm:cxn modelId="{B414F291-BE96-F747-AFF7-540311917CA3}" type="presOf" srcId="{11C2A335-66EC-CF42-965A-816D0E00DA7F}" destId="{A85479BA-39C3-B44C-8F28-84A809FAA5A1}" srcOrd="0" destOrd="3" presId="urn:microsoft.com/office/officeart/2005/8/layout/hList1"/>
     <dgm:cxn modelId="{15CE1192-BA53-964B-9F08-908393A01D2E}" type="presOf" srcId="{9660AFDC-9955-D145-AA07-BA322E204FF1}" destId="{A85479BA-39C3-B44C-8F28-84A809FAA5A1}" srcOrd="0" destOrd="2" presId="urn:microsoft.com/office/officeart/2005/8/layout/hList1"/>
     <dgm:cxn modelId="{9DCBD597-D7C6-BB40-BBA9-AAA3815FF3ED}" srcId="{0D594C62-8F0E-D547-B5C4-5454A990423E}" destId="{960A4DE7-D040-C34C-BDE1-053507B5D5FA}" srcOrd="3" destOrd="0" parTransId="{E0587E6D-63CC-8243-A87A-C082692CF03E}" sibTransId="{D44503DF-7CCD-BB4A-9CB0-CA3BBA4B79F3}"/>
     <dgm:cxn modelId="{EF28A899-EE90-804D-A835-5E18D8C75057}" srcId="{C8661A6B-810B-1E4B-B1CC-141DE757B849}" destId="{726FAEE0-0671-6A47-992E-19C958FAA5C0}" srcOrd="4" destOrd="0" parTransId="{2F18166A-B3FC-6142-9EE6-69B7FBBE776A}" sibTransId="{5E8048C6-AB64-C744-BC71-8297C7F11082}"/>
@@ -3459,12 +3440,12 @@
     <dgm:cxn modelId="{F830BBB5-4B41-074F-85B1-93632C832A8E}" type="presOf" srcId="{9B3E5AEA-B70D-D64C-8C1D-10A6FB51ABAC}" destId="{20D095F7-62F7-7748-B677-217EAF898924}" srcOrd="0" destOrd="1" presId="urn:microsoft.com/office/officeart/2005/8/layout/hList1"/>
     <dgm:cxn modelId="{2A7391BD-E933-724E-B9B1-BA636999FB1D}" srcId="{C8661A6B-810B-1E4B-B1CC-141DE757B849}" destId="{3DC5BF48-BA14-E94E-BE3F-8FB1C3CF1B90}" srcOrd="1" destOrd="0" parTransId="{66636137-4F14-C340-9E6A-C098E47B6F2F}" sibTransId="{E2837041-A437-774B-A318-B655203B6D90}"/>
     <dgm:cxn modelId="{B308C8BD-5034-E74C-8CFA-FD678506FAEA}" srcId="{C8661A6B-810B-1E4B-B1CC-141DE757B849}" destId="{0D594C62-8F0E-D547-B5C4-5454A990423E}" srcOrd="3" destOrd="0" parTransId="{FE0DCDF9-B2F9-D24B-BA5F-F37FD6FA0851}" sibTransId="{C6B30F07-7703-C24B-B99C-F227B6A1DD06}"/>
+    <dgm:cxn modelId="{18DEE5BD-41A7-444F-BD52-DB2045FAD376}" type="presOf" srcId="{C90DA8F3-948E-5E47-8D95-D8BAF110C8B0}" destId="{617F9704-C5B9-1648-98CF-94F97120C572}" srcOrd="0" destOrd="1" presId="urn:microsoft.com/office/officeart/2005/8/layout/hList1"/>
     <dgm:cxn modelId="{1E5F0CCA-8CF7-3145-9F8A-F2D6CF258F45}" type="presOf" srcId="{726FAEE0-0671-6A47-992E-19C958FAA5C0}" destId="{3D66253D-95FC-7548-B49C-8D3767F33B71}" srcOrd="0" destOrd="0" presId="urn:microsoft.com/office/officeart/2005/8/layout/hList1"/>
     <dgm:cxn modelId="{045B70CB-FAA3-5D4D-B883-45F63E7E3F92}" srcId="{0D594C62-8F0E-D547-B5C4-5454A990423E}" destId="{60F038A9-D549-3F47-9C60-952B3F373EAE}" srcOrd="4" destOrd="0" parTransId="{9334ABF3-FD4B-7441-9DAA-A87EBE87EC64}" sibTransId="{9615906F-4BE0-2C47-B238-AFB062BC6D7D}"/>
     <dgm:cxn modelId="{4FECE9CC-0BBD-4044-81FD-9FCF00643F32}" type="presOf" srcId="{960A4DE7-D040-C34C-BDE1-053507B5D5FA}" destId="{617F9704-C5B9-1648-98CF-94F97120C572}" srcOrd="0" destOrd="3" presId="urn:microsoft.com/office/officeart/2005/8/layout/hList1"/>
     <dgm:cxn modelId="{4E85FED1-BB96-FD4E-951B-9804DE3F60AF}" srcId="{0D594C62-8F0E-D547-B5C4-5454A990423E}" destId="{9A9CBCCD-57D6-6049-97A4-2D69B1D04227}" srcOrd="2" destOrd="0" parTransId="{77709DF4-EF9D-1A4D-9774-B1816260482D}" sibTransId="{D7366BFB-E631-D74B-9BCC-B7D13F503B00}"/>
     <dgm:cxn modelId="{C48EE2E0-D7CA-EF46-88C1-F0D9323B00ED}" type="presOf" srcId="{FD5B6DB0-8903-9A41-987A-7619C3A6D6F4}" destId="{5C72DD71-135D-9842-880A-888477FED38E}" srcOrd="0" destOrd="0" presId="urn:microsoft.com/office/officeart/2005/8/layout/hList1"/>
-    <dgm:cxn modelId="{9BCC25E3-F2F1-0541-889E-C9E13EE2DC87}" srcId="{2C0A458E-41E7-0749-B5F3-B87B657B2C46}" destId="{11C2A335-66EC-CF42-965A-816D0E00DA7F}" srcOrd="3" destOrd="0" parTransId="{510801A3-F1C9-2247-B4A2-D7B920ABBEF4}" sibTransId="{BAFB61BC-61BC-ED48-AE80-0EAB47B7080C}"/>
     <dgm:cxn modelId="{5D8F6DEA-5CF5-6147-929E-1EC6EAF9490F}" type="presOf" srcId="{60F038A9-D549-3F47-9C60-952B3F373EAE}" destId="{617F9704-C5B9-1648-98CF-94F97120C572}" srcOrd="0" destOrd="4" presId="urn:microsoft.com/office/officeart/2005/8/layout/hList1"/>
     <dgm:cxn modelId="{02474DEB-CE66-9F49-874C-9046605C29DB}" type="presOf" srcId="{9A9CBCCD-57D6-6049-97A4-2D69B1D04227}" destId="{617F9704-C5B9-1648-98CF-94F97120C572}" srcOrd="0" destOrd="2" presId="urn:microsoft.com/office/officeart/2005/8/layout/hList1"/>
     <dgm:cxn modelId="{4D162DBB-9E40-B14B-9096-C651217A8161}" type="presParOf" srcId="{DCBBD6ED-E7E2-E641-94EA-3B38CC6CF4A5}" destId="{9F03E44B-F21C-A74E-8366-EA8D85CC04EA}" srcOrd="0" destOrd="0" presId="urn:microsoft.com/office/officeart/2005/8/layout/hList1"/>
@@ -3512,8 +3493,8 @@
       </dsp:nvSpPr>
       <dsp:spPr>
         <a:xfrm>
-          <a:off x="5715" y="705499"/>
-          <a:ext cx="2190749" cy="811378"/>
+          <a:off x="5715" y="14239"/>
+          <a:ext cx="2190749" cy="876300"/>
         </a:xfrm>
         <a:prstGeom prst="rect">
           <a:avLst/>
@@ -3555,12 +3536,12 @@
         </a:fontRef>
       </dsp:style>
       <dsp:txBody>
-        <a:bodyPr spcFirstLastPara="0" vert="horz" wrap="square" lIns="113792" tIns="65024" rIns="113792" bIns="65024" numCol="1" spcCol="1270" anchor="ctr" anchorCtr="0">
+        <a:bodyPr spcFirstLastPara="0" vert="horz" wrap="square" lIns="128016" tIns="73152" rIns="128016" bIns="73152" numCol="1" spcCol="1270" anchor="ctr" anchorCtr="0">
           <a:noAutofit/>
         </a:bodyPr>
         <a:lstStyle/>
         <a:p>
-          <a:pPr marL="0" lvl="0" indent="0" algn="ctr" defTabSz="711200">
+          <a:pPr marL="0" lvl="0" indent="0" algn="ctr" defTabSz="800100">
             <a:lnSpc>
               <a:spcPct val="90000"/>
             </a:lnSpc>
@@ -3573,7 +3554,7 @@
             <a:buNone/>
           </a:pPr>
           <a:r>
-            <a:rPr lang="pt-BR" sz="1600" kern="1200" noProof="0" dirty="0">
+            <a:rPr lang="pt-BR" sz="1800" kern="1200" noProof="0" dirty="0">
               <a:latin typeface="+mj-lt"/>
             </a:rPr>
             <a:t>Dia 1 - Introdução</a:t>
@@ -3581,8 +3562,8 @@
         </a:p>
       </dsp:txBody>
       <dsp:txXfrm>
-        <a:off x="5715" y="705499"/>
-        <a:ext cx="2190749" cy="811378"/>
+        <a:off x="5715" y="14239"/>
+        <a:ext cx="2190749" cy="876300"/>
       </dsp:txXfrm>
     </dsp:sp>
     <dsp:sp modelId="{A85479BA-39C3-B44C-8F28-84A809FAA5A1}">
@@ -3592,8 +3573,8 @@
       </dsp:nvSpPr>
       <dsp:spPr>
         <a:xfrm>
-          <a:off x="5715" y="1510355"/>
-          <a:ext cx="2190749" cy="1185840"/>
+          <a:off x="5715" y="898700"/>
+          <a:ext cx="2190749" cy="2503439"/>
         </a:xfrm>
         <a:prstGeom prst="rect">
           <a:avLst/>
@@ -3637,12 +3618,12 @@
         <a:fontRef idx="minor"/>
       </dsp:style>
       <dsp:txBody>
-        <a:bodyPr spcFirstLastPara="0" vert="horz" wrap="square" lIns="85344" tIns="85344" rIns="113792" bIns="128016" numCol="1" spcCol="1270" anchor="t" anchorCtr="0">
+        <a:bodyPr spcFirstLastPara="0" vert="horz" wrap="square" lIns="96012" tIns="96012" rIns="128016" bIns="144018" numCol="1" spcCol="1270" anchor="t" anchorCtr="0">
           <a:noAutofit/>
         </a:bodyPr>
         <a:lstStyle/>
         <a:p>
-          <a:pPr marL="171450" lvl="1" indent="-171450" algn="l" defTabSz="711200">
+          <a:pPr marL="171450" lvl="1" indent="-171450" algn="l" defTabSz="800100">
             <a:lnSpc>
               <a:spcPct val="90000"/>
             </a:lnSpc>
@@ -3655,20 +3636,20 @@
             <a:buChar char="•"/>
           </a:pPr>
           <a:r>
-            <a:rPr lang="pt-BR" sz="1600" kern="1200" noProof="0" dirty="0" err="1">
+            <a:rPr lang="pt-BR" sz="1800" kern="1200" noProof="0" dirty="0" err="1">
               <a:latin typeface="+mj-lt"/>
             </a:rPr>
             <a:t>Intro</a:t>
           </a:r>
           <a:r>
-            <a:rPr lang="pt-BR" sz="1600" kern="1200" noProof="0" dirty="0">
+            <a:rPr lang="pt-BR" sz="1800" kern="1200" noProof="0" dirty="0">
               <a:latin typeface="+mj-lt"/>
             </a:rPr>
             <a:t>. Curso (B+J)</a:t>
           </a:r>
         </a:p>
         <a:p>
-          <a:pPr marL="171450" lvl="1" indent="-171450" algn="l" defTabSz="711200">
+          <a:pPr marL="171450" lvl="1" indent="-171450" algn="l" defTabSz="800100">
             <a:lnSpc>
               <a:spcPct val="90000"/>
             </a:lnSpc>
@@ -3681,32 +3662,32 @@
             <a:buChar char="•"/>
           </a:pPr>
           <a:r>
-            <a:rPr lang="pt-BR" sz="1600" kern="1200" noProof="0" dirty="0" err="1">
+            <a:rPr lang="pt-BR" sz="1800" kern="1200" noProof="0" dirty="0" err="1">
               <a:latin typeface="+mj-lt"/>
             </a:rPr>
             <a:t>Intro</a:t>
           </a:r>
           <a:r>
-            <a:rPr lang="pt-BR" sz="1600" kern="1200" noProof="0" dirty="0">
+            <a:rPr lang="pt-BR" sz="1800" kern="1200" noProof="0" dirty="0">
               <a:latin typeface="+mj-lt"/>
             </a:rPr>
             <a:t>. Analises de dados ecológicos (</a:t>
           </a:r>
           <a:r>
-            <a:rPr lang="pt-BR" sz="1600" kern="1200" noProof="0" dirty="0" err="1">
+            <a:rPr lang="pt-BR" sz="1800" kern="1200" noProof="0" dirty="0" err="1">
               <a:latin typeface="+mj-lt"/>
             </a:rPr>
             <a:t>B</a:t>
           </a:r>
           <a:r>
-            <a:rPr lang="pt-BR" sz="1600" kern="1200" noProof="0" dirty="0">
+            <a:rPr lang="pt-BR" sz="1800" kern="1200" noProof="0" dirty="0">
               <a:latin typeface="+mj-lt"/>
             </a:rPr>
             <a:t>)</a:t>
           </a:r>
         </a:p>
         <a:p>
-          <a:pPr marL="171450" lvl="1" indent="-171450" algn="l" defTabSz="711200">
+          <a:pPr marL="171450" lvl="1" indent="-171450" algn="l" defTabSz="800100">
             <a:lnSpc>
               <a:spcPct val="90000"/>
             </a:lnSpc>
@@ -3719,7 +3700,7 @@
             <a:buChar char="•"/>
           </a:pPr>
           <a:r>
-            <a:rPr lang="pt-BR" sz="1600" kern="1200" noProof="0" dirty="0">
+            <a:rPr lang="pt-BR" sz="1800" kern="1200" noProof="0" dirty="0">
               <a:latin typeface="+mj-lt"/>
             </a:rPr>
             <a:t>Boas praticas (J)</a:t>
@@ -3727,8 +3708,8 @@
         </a:p>
       </dsp:txBody>
       <dsp:txXfrm>
-        <a:off x="5715" y="1510355"/>
-        <a:ext cx="2190749" cy="1185840"/>
+        <a:off x="5715" y="898700"/>
+        <a:ext cx="2190749" cy="2503439"/>
       </dsp:txXfrm>
     </dsp:sp>
     <dsp:sp modelId="{ECE4CE78-598F-7349-8860-765FB74D8A57}">
@@ -3738,8 +3719,8 @@
       </dsp:nvSpPr>
       <dsp:spPr>
         <a:xfrm>
-          <a:off x="2503170" y="705499"/>
-          <a:ext cx="2190749" cy="811378"/>
+          <a:off x="2503170" y="14239"/>
+          <a:ext cx="2190749" cy="876300"/>
         </a:xfrm>
         <a:prstGeom prst="rect">
           <a:avLst/>
@@ -3781,12 +3762,12 @@
         </a:fontRef>
       </dsp:style>
       <dsp:txBody>
-        <a:bodyPr spcFirstLastPara="0" vert="horz" wrap="square" lIns="113792" tIns="65024" rIns="113792" bIns="65024" numCol="1" spcCol="1270" anchor="ctr" anchorCtr="0">
+        <a:bodyPr spcFirstLastPara="0" vert="horz" wrap="square" lIns="120904" tIns="69088" rIns="120904" bIns="69088" numCol="1" spcCol="1270" anchor="ctr" anchorCtr="0">
           <a:noAutofit/>
         </a:bodyPr>
         <a:lstStyle/>
         <a:p>
-          <a:pPr marL="0" lvl="0" indent="0" algn="ctr" defTabSz="711200">
+          <a:pPr marL="0" lvl="0" indent="0" algn="ctr" defTabSz="755650">
             <a:lnSpc>
               <a:spcPct val="90000"/>
             </a:lnSpc>
@@ -3799,16 +3780,16 @@
             <a:buNone/>
           </a:pPr>
           <a:r>
-            <a:rPr lang="pt-BR" sz="1600" kern="1200" noProof="0" dirty="0">
+            <a:rPr lang="pt-BR" sz="1700" kern="1200" noProof="0" dirty="0">
               <a:latin typeface="+mj-lt"/>
             </a:rPr>
-            <a:t>Dia 2 - Teoria de nicho ecológico e distribuição de espécies (J)</a:t>
+            <a:t>Dia 2 - Teoria de nicho ecológico e modelos distribuição de espécies (J)</a:t>
           </a:r>
         </a:p>
       </dsp:txBody>
       <dsp:txXfrm>
-        <a:off x="2503170" y="705499"/>
-        <a:ext cx="2190749" cy="811378"/>
+        <a:off x="2503170" y="14239"/>
+        <a:ext cx="2190749" cy="876300"/>
       </dsp:txXfrm>
     </dsp:sp>
     <dsp:sp modelId="{DD81468D-FAD2-994B-B911-D934DCB70CA1}">
@@ -3818,8 +3799,8 @@
       </dsp:nvSpPr>
       <dsp:spPr>
         <a:xfrm>
-          <a:off x="2503170" y="1516878"/>
-          <a:ext cx="2190749" cy="1185840"/>
+          <a:off x="2503170" y="890539"/>
+          <a:ext cx="2190749" cy="2503439"/>
         </a:xfrm>
         <a:prstGeom prst="rect">
           <a:avLst/>
@@ -3863,12 +3844,12 @@
         <a:fontRef idx="minor"/>
       </dsp:style>
       <dsp:txBody>
-        <a:bodyPr spcFirstLastPara="0" vert="horz" wrap="square" lIns="85344" tIns="85344" rIns="113792" bIns="128016" numCol="1" spcCol="1270" anchor="t" anchorCtr="0">
+        <a:bodyPr spcFirstLastPara="0" vert="horz" wrap="square" lIns="96012" tIns="96012" rIns="128016" bIns="144018" numCol="1" spcCol="1270" anchor="t" anchorCtr="0">
           <a:noAutofit/>
         </a:bodyPr>
         <a:lstStyle/>
         <a:p>
-          <a:pPr marL="171450" lvl="1" indent="-171450" algn="l" defTabSz="711200">
+          <a:pPr marL="171450" lvl="1" indent="-171450" algn="l" defTabSz="800100">
             <a:lnSpc>
               <a:spcPct val="90000"/>
             </a:lnSpc>
@@ -3881,14 +3862,14 @@
             <a:buChar char="•"/>
           </a:pPr>
           <a:r>
-            <a:rPr lang="pt-BR" sz="1600" kern="1200" noProof="0" dirty="0">
+            <a:rPr lang="pt-BR" sz="1800" kern="1200" noProof="0" dirty="0">
               <a:latin typeface="+mj-lt"/>
             </a:rPr>
             <a:t>Distribuição de espécies</a:t>
           </a:r>
         </a:p>
         <a:p>
-          <a:pPr marL="171450" lvl="1" indent="-171450" algn="l" defTabSz="711200">
+          <a:pPr marL="171450" lvl="1" indent="-171450" algn="l" defTabSz="800100">
             <a:lnSpc>
               <a:spcPct val="90000"/>
             </a:lnSpc>
@@ -3901,14 +3882,14 @@
             <a:buChar char="•"/>
           </a:pPr>
           <a:r>
-            <a:rPr lang="pt-BR" sz="1600" kern="1200" noProof="0" dirty="0">
+            <a:rPr lang="pt-BR" sz="1800" kern="1200" noProof="0" dirty="0">
               <a:latin typeface="+mj-lt"/>
             </a:rPr>
             <a:t>Nicho ecológico </a:t>
           </a:r>
         </a:p>
         <a:p>
-          <a:pPr marL="171450" lvl="1" indent="-171450" algn="l" defTabSz="711200">
+          <a:pPr marL="171450" lvl="1" indent="-171450" algn="l" defTabSz="800100">
             <a:lnSpc>
               <a:spcPct val="90000"/>
             </a:lnSpc>
@@ -3921,19 +3902,19 @@
             <a:buChar char="•"/>
           </a:pPr>
           <a:r>
-            <a:rPr lang="pt-BR" sz="1600" b="0" i="0" kern="1200" noProof="0" dirty="0">
+            <a:rPr lang="pt-BR" sz="1800" b="0" i="0" kern="1200" noProof="0" dirty="0">
               <a:latin typeface="+mj-lt"/>
             </a:rPr>
             <a:t>Tipos de modelos</a:t>
           </a:r>
-          <a:endParaRPr lang="pt-BR" sz="1600" kern="1200" noProof="0" dirty="0">
+          <a:endParaRPr lang="pt-BR" sz="1800" kern="1200" noProof="0" dirty="0">
             <a:latin typeface="+mj-lt"/>
           </a:endParaRPr>
         </a:p>
       </dsp:txBody>
       <dsp:txXfrm>
-        <a:off x="2503170" y="1516878"/>
-        <a:ext cx="2190749" cy="1185840"/>
+        <a:off x="2503170" y="890539"/>
+        <a:ext cx="2190749" cy="2503439"/>
       </dsp:txXfrm>
     </dsp:sp>
     <dsp:sp modelId="{ADACA0E1-9830-504A-819D-FA1ACF8A190B}">
@@ -3943,8 +3924,8 @@
       </dsp:nvSpPr>
       <dsp:spPr>
         <a:xfrm>
-          <a:off x="5000625" y="705499"/>
-          <a:ext cx="2190749" cy="811378"/>
+          <a:off x="5000625" y="14239"/>
+          <a:ext cx="2190749" cy="876300"/>
         </a:xfrm>
         <a:prstGeom prst="rect">
           <a:avLst/>
@@ -3986,12 +3967,12 @@
         </a:fontRef>
       </dsp:style>
       <dsp:txBody>
-        <a:bodyPr spcFirstLastPara="0" vert="horz" wrap="square" lIns="113792" tIns="65024" rIns="113792" bIns="65024" numCol="1" spcCol="1270" anchor="ctr" anchorCtr="0">
+        <a:bodyPr spcFirstLastPara="0" vert="horz" wrap="square" lIns="120904" tIns="69088" rIns="120904" bIns="69088" numCol="1" spcCol="1270" anchor="ctr" anchorCtr="0">
           <a:noAutofit/>
         </a:bodyPr>
         <a:lstStyle/>
         <a:p>
-          <a:pPr marL="0" lvl="0" indent="0" algn="ctr" defTabSz="711200">
+          <a:pPr marL="0" lvl="0" indent="0" algn="ctr" defTabSz="755650">
             <a:lnSpc>
               <a:spcPct val="90000"/>
             </a:lnSpc>
@@ -4004,16 +3985,28 @@
             <a:buNone/>
           </a:pPr>
           <a:r>
-            <a:rPr lang="pt-BR" sz="1600" kern="1200" noProof="0" dirty="0">
+            <a:rPr lang="pt-BR" sz="1700" kern="1200" noProof="0" dirty="0">
               <a:latin typeface="+mj-lt"/>
             </a:rPr>
-            <a:t>Dia 3 – Bases de dados disponíveis para biologia / ecologia</a:t>
+            <a:t>Dia 3 – Bases de dados disponíveis para biologia / ecologia (</a:t>
+          </a:r>
+          <a:r>
+            <a:rPr lang="pt-BR" sz="1700" kern="1200" noProof="0" dirty="0" err="1">
+              <a:latin typeface="+mj-lt"/>
+            </a:rPr>
+            <a:t>B</a:t>
+          </a:r>
+          <a:r>
+            <a:rPr lang="pt-BR" sz="1700" kern="1200" noProof="0" dirty="0">
+              <a:latin typeface="+mj-lt"/>
+            </a:rPr>
+            <a:t>)</a:t>
           </a:r>
         </a:p>
       </dsp:txBody>
       <dsp:txXfrm>
-        <a:off x="5000625" y="705499"/>
-        <a:ext cx="2190749" cy="811378"/>
+        <a:off x="5000625" y="14239"/>
+        <a:ext cx="2190749" cy="876300"/>
       </dsp:txXfrm>
     </dsp:sp>
     <dsp:sp modelId="{20D095F7-62F7-7748-B677-217EAF898924}">
@@ -4023,8 +4016,8 @@
       </dsp:nvSpPr>
       <dsp:spPr>
         <a:xfrm>
-          <a:off x="5000625" y="1516878"/>
-          <a:ext cx="2190749" cy="1185840"/>
+          <a:off x="5000625" y="890539"/>
+          <a:ext cx="2190749" cy="2503439"/>
         </a:xfrm>
         <a:prstGeom prst="rect">
           <a:avLst/>
@@ -4068,12 +4061,12 @@
         <a:fontRef idx="minor"/>
       </dsp:style>
       <dsp:txBody>
-        <a:bodyPr spcFirstLastPara="0" vert="horz" wrap="square" lIns="85344" tIns="85344" rIns="113792" bIns="128016" numCol="1" spcCol="1270" anchor="t" anchorCtr="0">
+        <a:bodyPr spcFirstLastPara="0" vert="horz" wrap="square" lIns="96012" tIns="96012" rIns="128016" bIns="144018" numCol="1" spcCol="1270" anchor="t" anchorCtr="0">
           <a:noAutofit/>
         </a:bodyPr>
         <a:lstStyle/>
         <a:p>
-          <a:pPr marL="171450" lvl="1" indent="-171450" algn="l" defTabSz="711200">
+          <a:pPr marL="171450" lvl="1" indent="-171450" algn="l" defTabSz="800100">
             <a:lnSpc>
               <a:spcPct val="90000"/>
             </a:lnSpc>
@@ -4086,14 +4079,14 @@
             <a:buChar char="•"/>
           </a:pPr>
           <a:r>
-            <a:rPr lang="pt-BR" sz="1600" kern="1200" noProof="0" dirty="0">
+            <a:rPr lang="pt-BR" sz="1800" kern="1200" noProof="0" dirty="0">
               <a:latin typeface="+mj-lt"/>
             </a:rPr>
             <a:t>Principais bases de dados de ocorrências</a:t>
           </a:r>
         </a:p>
         <a:p>
-          <a:pPr marL="171450" lvl="1" indent="-171450" algn="l" defTabSz="711200">
+          <a:pPr marL="171450" lvl="1" indent="-171450" algn="l" defTabSz="800100">
             <a:lnSpc>
               <a:spcPct val="90000"/>
             </a:lnSpc>
@@ -4106,7 +4099,7 @@
             <a:buChar char="•"/>
           </a:pPr>
           <a:r>
-            <a:rPr lang="pt-BR" sz="1600" kern="1200" noProof="0" dirty="0">
+            <a:rPr lang="pt-BR" sz="1800" kern="1200" noProof="0" dirty="0">
               <a:latin typeface="+mj-lt"/>
             </a:rPr>
             <a:t>Principais bases de dados ambientais</a:t>
@@ -4114,8 +4107,8 @@
         </a:p>
       </dsp:txBody>
       <dsp:txXfrm>
-        <a:off x="5000625" y="1516878"/>
-        <a:ext cx="2190749" cy="1185840"/>
+        <a:off x="5000625" y="890539"/>
+        <a:ext cx="2190749" cy="2503439"/>
       </dsp:txXfrm>
     </dsp:sp>
     <dsp:sp modelId="{4B864F2B-A171-CA4C-8EC7-98380C9D7AAC}">
@@ -4125,8 +4118,8 @@
       </dsp:nvSpPr>
       <dsp:spPr>
         <a:xfrm>
-          <a:off x="7498080" y="705499"/>
-          <a:ext cx="2190749" cy="811378"/>
+          <a:off x="7498080" y="14239"/>
+          <a:ext cx="2190749" cy="876300"/>
         </a:xfrm>
         <a:prstGeom prst="rect">
           <a:avLst/>
@@ -4168,12 +4161,12 @@
         </a:fontRef>
       </dsp:style>
       <dsp:txBody>
-        <a:bodyPr spcFirstLastPara="0" vert="horz" wrap="square" lIns="113792" tIns="65024" rIns="113792" bIns="65024" numCol="1" spcCol="1270" anchor="ctr" anchorCtr="0">
+        <a:bodyPr spcFirstLastPara="0" vert="horz" wrap="square" lIns="128016" tIns="73152" rIns="128016" bIns="73152" numCol="1" spcCol="1270" anchor="ctr" anchorCtr="0">
           <a:noAutofit/>
         </a:bodyPr>
         <a:lstStyle/>
         <a:p>
-          <a:pPr marL="0" lvl="0" indent="0" algn="ctr" defTabSz="711200">
+          <a:pPr marL="0" lvl="0" indent="0" algn="ctr" defTabSz="800100">
             <a:lnSpc>
               <a:spcPct val="90000"/>
             </a:lnSpc>
@@ -4186,16 +4179,16 @@
             <a:buNone/>
           </a:pPr>
           <a:r>
-            <a:rPr lang="pt-BR" sz="1600" kern="1200" noProof="0" dirty="0">
+            <a:rPr lang="pt-BR" sz="1800" kern="1200" noProof="0" dirty="0">
               <a:latin typeface="+mj-lt"/>
             </a:rPr>
-            <a:t>Dia 4 – Problemas com bases de dados grandes</a:t>
+            <a:t>Dia 4 – Modelos de Distribuição de Espécies (J+B)</a:t>
           </a:r>
         </a:p>
       </dsp:txBody>
       <dsp:txXfrm>
-        <a:off x="7498080" y="705499"/>
-        <a:ext cx="2190749" cy="811378"/>
+        <a:off x="7498080" y="14239"/>
+        <a:ext cx="2190749" cy="876300"/>
       </dsp:txXfrm>
     </dsp:sp>
     <dsp:sp modelId="{617F9704-C5B9-1648-98CF-94F97120C572}">
@@ -4205,8 +4198,8 @@
       </dsp:nvSpPr>
       <dsp:spPr>
         <a:xfrm>
-          <a:off x="7498080" y="1516878"/>
-          <a:ext cx="2190749" cy="1185840"/>
+          <a:off x="7498080" y="890539"/>
+          <a:ext cx="2190749" cy="2503439"/>
         </a:xfrm>
         <a:prstGeom prst="rect">
           <a:avLst/>
@@ -4250,12 +4243,12 @@
         <a:fontRef idx="minor"/>
       </dsp:style>
       <dsp:txBody>
-        <a:bodyPr spcFirstLastPara="0" vert="horz" wrap="square" lIns="85344" tIns="85344" rIns="113792" bIns="128016" numCol="1" spcCol="1270" anchor="t" anchorCtr="0">
+        <a:bodyPr spcFirstLastPara="0" vert="horz" wrap="square" lIns="96012" tIns="96012" rIns="128016" bIns="144018" numCol="1" spcCol="1270" anchor="t" anchorCtr="0">
           <a:noAutofit/>
         </a:bodyPr>
         <a:lstStyle/>
         <a:p>
-          <a:pPr marL="171450" lvl="1" indent="-171450" algn="l" defTabSz="711200">
+          <a:pPr marL="171450" lvl="1" indent="-171450" algn="l" defTabSz="800100">
             <a:lnSpc>
               <a:spcPct val="90000"/>
             </a:lnSpc>
@@ -4268,25 +4261,28 @@
             <a:buChar char="•"/>
           </a:pPr>
           <a:r>
-            <a:rPr lang="pt-BR" sz="1600" kern="1200" noProof="0" dirty="0">
+            <a:rPr lang="pt-BR" sz="1800" kern="1200" noProof="0" dirty="0">
               <a:latin typeface="+mj-lt"/>
             </a:rPr>
             <a:t>Introdução a Modelos de Distribuição de Espécies em </a:t>
           </a:r>
           <a:r>
-            <a:rPr lang="pt-BR" sz="1600" kern="1200" noProof="0" dirty="0" err="1">
+            <a:rPr lang="pt-BR" sz="1800" kern="1200" noProof="0" dirty="0" err="1">
               <a:latin typeface="+mj-lt"/>
             </a:rPr>
             <a:t>R</a:t>
           </a:r>
-          <a:endParaRPr lang="pt-BR" sz="1600" kern="1200" noProof="0" dirty="0">
-            <a:latin typeface="+mj-lt"/>
-          </a:endParaRPr>
+          <a:r>
+            <a:rPr lang="pt-BR" sz="1800" kern="1200" noProof="0" dirty="0">
+              <a:latin typeface="+mj-lt"/>
+            </a:rPr>
+            <a:t> (J)</a:t>
+          </a:r>
         </a:p>
       </dsp:txBody>
       <dsp:txXfrm>
-        <a:off x="7498080" y="1516878"/>
-        <a:ext cx="2190749" cy="1185840"/>
+        <a:off x="7498080" y="890539"/>
+        <a:ext cx="2190749" cy="2503439"/>
       </dsp:txXfrm>
     </dsp:sp>
     <dsp:sp modelId="{3D66253D-95FC-7548-B49C-8D3767F33B71}">
@@ -4296,8 +4292,8 @@
       </dsp:nvSpPr>
       <dsp:spPr>
         <a:xfrm>
-          <a:off x="9995535" y="705499"/>
-          <a:ext cx="2190749" cy="811378"/>
+          <a:off x="9995535" y="14239"/>
+          <a:ext cx="2190749" cy="876300"/>
         </a:xfrm>
         <a:prstGeom prst="rect">
           <a:avLst/>
@@ -4339,12 +4335,12 @@
         </a:fontRef>
       </dsp:style>
       <dsp:txBody>
-        <a:bodyPr spcFirstLastPara="0" vert="horz" wrap="square" lIns="113792" tIns="65024" rIns="113792" bIns="65024" numCol="1" spcCol="1270" anchor="ctr" anchorCtr="0">
+        <a:bodyPr spcFirstLastPara="0" vert="horz" wrap="square" lIns="128016" tIns="73152" rIns="128016" bIns="73152" numCol="1" spcCol="1270" anchor="ctr" anchorCtr="0">
           <a:noAutofit/>
         </a:bodyPr>
         <a:lstStyle/>
         <a:p>
-          <a:pPr marL="0" lvl="0" indent="0" algn="ctr" defTabSz="711200">
+          <a:pPr marL="0" lvl="0" indent="0" algn="ctr" defTabSz="800100">
             <a:lnSpc>
               <a:spcPct val="90000"/>
             </a:lnSpc>
@@ -4357,16 +4353,16 @@
             <a:buNone/>
           </a:pPr>
           <a:r>
-            <a:rPr lang="pt-BR" sz="1600" kern="1200" noProof="0" dirty="0">
+            <a:rPr lang="pt-BR" sz="1800" kern="1200" noProof="0" dirty="0">
               <a:latin typeface="+mj-lt"/>
             </a:rPr>
-            <a:t>Dia 4</a:t>
+            <a:t>Dia 4 - Conclusão de curso</a:t>
           </a:r>
         </a:p>
       </dsp:txBody>
       <dsp:txXfrm>
-        <a:off x="9995535" y="705499"/>
-        <a:ext cx="2190749" cy="811378"/>
+        <a:off x="9995535" y="14239"/>
+        <a:ext cx="2190749" cy="876300"/>
       </dsp:txXfrm>
     </dsp:sp>
     <dsp:sp modelId="{5C72DD71-135D-9842-880A-888477FED38E}">
@@ -4376,8 +4372,8 @@
       </dsp:nvSpPr>
       <dsp:spPr>
         <a:xfrm>
-          <a:off x="9995535" y="1516878"/>
-          <a:ext cx="2190749" cy="1185840"/>
+          <a:off x="9995535" y="890539"/>
+          <a:ext cx="2190749" cy="2503439"/>
         </a:xfrm>
         <a:prstGeom prst="rect">
           <a:avLst/>
@@ -4421,12 +4417,12 @@
         <a:fontRef idx="minor"/>
       </dsp:style>
       <dsp:txBody>
-        <a:bodyPr spcFirstLastPara="0" vert="horz" wrap="square" lIns="85344" tIns="85344" rIns="113792" bIns="128016" numCol="1" spcCol="1270" anchor="t" anchorCtr="0">
+        <a:bodyPr spcFirstLastPara="0" vert="horz" wrap="square" lIns="96012" tIns="96012" rIns="128016" bIns="144018" numCol="1" spcCol="1270" anchor="t" anchorCtr="0">
           <a:noAutofit/>
         </a:bodyPr>
         <a:lstStyle/>
         <a:p>
-          <a:pPr marL="171450" lvl="1" indent="-171450" algn="l" defTabSz="711200">
+          <a:pPr marL="171450" lvl="1" indent="-171450" algn="l" defTabSz="800100">
             <a:lnSpc>
               <a:spcPct val="90000"/>
             </a:lnSpc>
@@ -4439,7 +4435,7 @@
             <a:buChar char="•"/>
           </a:pPr>
           <a:r>
-            <a:rPr lang="pt-BR" sz="1600" kern="1200" noProof="0" dirty="0">
+            <a:rPr lang="pt-BR" sz="1800" kern="1200" noProof="0" dirty="0">
               <a:latin typeface="+mj-lt"/>
             </a:rPr>
             <a:t>Conclusão de curso</a:t>
@@ -4447,8 +4443,8 @@
         </a:p>
       </dsp:txBody>
       <dsp:txXfrm>
-        <a:off x="9995535" y="1516878"/>
-        <a:ext cx="2190749" cy="1185840"/>
+        <a:off x="9995535" y="890539"/>
+        <a:ext cx="2190749" cy="2503439"/>
       </dsp:txXfrm>
     </dsp:sp>
   </dsp:spTree>
@@ -4470,8 +4466,8 @@
       </dsp:nvSpPr>
       <dsp:spPr>
         <a:xfrm>
-          <a:off x="5715" y="227249"/>
-          <a:ext cx="2190749" cy="801639"/>
+          <a:off x="5715" y="14239"/>
+          <a:ext cx="2190749" cy="876300"/>
         </a:xfrm>
         <a:prstGeom prst="rect">
           <a:avLst/>
@@ -4513,12 +4509,12 @@
         </a:fontRef>
       </dsp:style>
       <dsp:txBody>
-        <a:bodyPr spcFirstLastPara="0" vert="horz" wrap="square" lIns="113792" tIns="65024" rIns="113792" bIns="65024" numCol="1" spcCol="1270" anchor="ctr" anchorCtr="0">
+        <a:bodyPr spcFirstLastPara="0" vert="horz" wrap="square" lIns="128016" tIns="73152" rIns="128016" bIns="73152" numCol="1" spcCol="1270" anchor="ctr" anchorCtr="0">
           <a:noAutofit/>
         </a:bodyPr>
         <a:lstStyle/>
         <a:p>
-          <a:pPr marL="0" lvl="0" indent="0" algn="ctr" defTabSz="711200">
+          <a:pPr marL="0" lvl="0" indent="0" algn="ctr" defTabSz="800100">
             <a:lnSpc>
               <a:spcPct val="90000"/>
             </a:lnSpc>
@@ -4531,7 +4527,7 @@
             <a:buNone/>
           </a:pPr>
           <a:r>
-            <a:rPr lang="pt-BR" sz="1600" kern="1200" noProof="0" dirty="0">
+            <a:rPr lang="pt-BR" sz="1800" kern="1200" noProof="0" dirty="0">
               <a:latin typeface="+mj-lt"/>
             </a:rPr>
             <a:t>Dia 1 - Introdução</a:t>
@@ -4539,8 +4535,8 @@
         </a:p>
       </dsp:txBody>
       <dsp:txXfrm>
-        <a:off x="5715" y="227249"/>
-        <a:ext cx="2190749" cy="801639"/>
+        <a:off x="5715" y="14239"/>
+        <a:ext cx="2190749" cy="876300"/>
       </dsp:txXfrm>
     </dsp:sp>
     <dsp:sp modelId="{A85479BA-39C3-B44C-8F28-84A809FAA5A1}">
@@ -4550,8 +4546,8 @@
       </dsp:nvSpPr>
       <dsp:spPr>
         <a:xfrm>
-          <a:off x="5715" y="1028888"/>
-          <a:ext cx="2190749" cy="2152080"/>
+          <a:off x="5715" y="890539"/>
+          <a:ext cx="2190749" cy="2503439"/>
         </a:xfrm>
         <a:prstGeom prst="rect">
           <a:avLst/>
@@ -4595,12 +4591,12 @@
         <a:fontRef idx="minor"/>
       </dsp:style>
       <dsp:txBody>
-        <a:bodyPr spcFirstLastPara="0" vert="horz" wrap="square" lIns="85344" tIns="85344" rIns="113792" bIns="128016" numCol="1" spcCol="1270" anchor="t" anchorCtr="0">
+        <a:bodyPr spcFirstLastPara="0" vert="horz" wrap="square" lIns="96012" tIns="96012" rIns="128016" bIns="144018" numCol="1" spcCol="1270" anchor="t" anchorCtr="0">
           <a:noAutofit/>
         </a:bodyPr>
         <a:lstStyle/>
         <a:p>
-          <a:pPr marL="171450" lvl="1" indent="-171450" algn="l" defTabSz="711200">
+          <a:pPr marL="171450" lvl="1" indent="-171450" algn="l" defTabSz="800100">
             <a:lnSpc>
               <a:spcPct val="90000"/>
             </a:lnSpc>
@@ -4613,14 +4609,26 @@
             <a:buChar char="•"/>
           </a:pPr>
           <a:r>
-            <a:rPr lang="pt-BR" sz="1600" kern="1200" noProof="0" dirty="0">
+            <a:rPr lang="pt-BR" sz="1800" kern="1200" noProof="0" dirty="0">
               <a:latin typeface="+mj-lt"/>
             </a:rPr>
-            <a:t>Estrutura do curso (B+J)</a:t>
+            <a:t>Estrutura do </a:t>
+          </a:r>
+          <a:r>
+            <a:rPr lang="pt-BR" sz="1800" kern="1200" noProof="0" dirty="0" err="1">
+              <a:latin typeface="+mj-lt"/>
+            </a:rPr>
+            <a:t>repo</a:t>
+          </a:r>
+          <a:r>
+            <a:rPr lang="pt-BR" sz="1800" kern="1200" noProof="0" dirty="0">
+              <a:latin typeface="+mj-lt"/>
+            </a:rPr>
+            <a:t>. (J)</a:t>
           </a:r>
         </a:p>
         <a:p>
-          <a:pPr marL="171450" lvl="1" indent="-171450" algn="l" defTabSz="711200">
+          <a:pPr marL="171450" lvl="1" indent="-171450" algn="l" defTabSz="800100">
             <a:lnSpc>
               <a:spcPct val="90000"/>
             </a:lnSpc>
@@ -4633,41 +4641,41 @@
             <a:buChar char="•"/>
           </a:pPr>
           <a:r>
-            <a:rPr lang="pt-BR" sz="1600" b="0" i="0" kern="1200" noProof="0" dirty="0">
+            <a:rPr lang="pt-BR" sz="1800" b="0" i="0" kern="1200" noProof="0" dirty="0">
               <a:latin typeface="+mj-lt"/>
             </a:rPr>
             <a:t>Linguagem </a:t>
           </a:r>
           <a:r>
-            <a:rPr lang="pt-BR" sz="1600" b="0" i="0" kern="1200" noProof="0" dirty="0" err="1">
+            <a:rPr lang="pt-BR" sz="1800" b="0" i="0" kern="1200" noProof="0" dirty="0" err="1">
               <a:latin typeface="+mj-lt"/>
             </a:rPr>
             <a:t>R</a:t>
           </a:r>
           <a:r>
-            <a:rPr lang="pt-BR" sz="1600" b="0" i="0" kern="1200" noProof="0" dirty="0">
+            <a:rPr lang="pt-BR" sz="1800" b="0" i="0" kern="1200" noProof="0" dirty="0">
               <a:latin typeface="+mj-lt"/>
             </a:rPr>
             <a:t> para este curso (</a:t>
           </a:r>
           <a:r>
-            <a:rPr lang="pt-BR" sz="1600" b="0" i="0" kern="1200" noProof="0" dirty="0" err="1">
+            <a:rPr lang="pt-BR" sz="1800" b="0" i="0" kern="1200" noProof="0" dirty="0" err="1">
               <a:latin typeface="+mj-lt"/>
             </a:rPr>
             <a:t>B</a:t>
           </a:r>
           <a:r>
-            <a:rPr lang="pt-BR" sz="1600" b="0" i="0" kern="1200" noProof="0" dirty="0">
+            <a:rPr lang="pt-BR" sz="1800" b="0" i="0" kern="1200" noProof="0" dirty="0">
               <a:latin typeface="+mj-lt"/>
             </a:rPr>
             <a:t>)</a:t>
           </a:r>
-          <a:endParaRPr lang="pt-BR" sz="1600" kern="1200" noProof="0" dirty="0">
+          <a:endParaRPr lang="pt-BR" sz="1800" kern="1200" noProof="0" dirty="0">
             <a:latin typeface="+mj-lt"/>
           </a:endParaRPr>
         </a:p>
         <a:p>
-          <a:pPr marL="171450" lvl="1" indent="-171450" algn="l" defTabSz="711200">
+          <a:pPr marL="171450" lvl="1" indent="-171450" algn="l" defTabSz="800100">
             <a:lnSpc>
               <a:spcPct val="90000"/>
             </a:lnSpc>
@@ -4680,51 +4688,19 @@
             <a:buChar char="•"/>
           </a:pPr>
           <a:r>
-            <a:rPr lang="pt-BR" sz="1600" b="0" i="0" kern="1200" noProof="0" dirty="0">
+            <a:rPr lang="pt-BR" sz="1800" b="0" i="0" kern="1200" noProof="0" dirty="0">
               <a:latin typeface="+mj-lt"/>
             </a:rPr>
-            <a:t>Introdução à GitHub (J)</a:t>
+            <a:t>Introdução à GitHub (J+B)</a:t>
           </a:r>
-          <a:endParaRPr lang="pt-BR" sz="1600" kern="1200" noProof="0" dirty="0">
+          <a:endParaRPr lang="pt-BR" sz="1800" kern="1200" noProof="0" dirty="0">
             <a:latin typeface="+mj-lt"/>
           </a:endParaRPr>
         </a:p>
-        <a:p>
-          <a:pPr marL="171450" lvl="1" indent="-171450" algn="l" defTabSz="711200">
-            <a:lnSpc>
-              <a:spcPct val="90000"/>
-            </a:lnSpc>
-            <a:spcBef>
-              <a:spcPct val="0"/>
-            </a:spcBef>
-            <a:spcAft>
-              <a:spcPct val="15000"/>
-            </a:spcAft>
-            <a:buChar char="•"/>
-          </a:pPr>
-          <a:r>
-            <a:rPr lang="pt-BR" sz="1600" kern="1200" noProof="0" dirty="0">
-              <a:latin typeface="+mj-lt"/>
-            </a:rPr>
-            <a:t>Introdução a </a:t>
-          </a:r>
-          <a:r>
-            <a:rPr lang="pt-BR" sz="1600" kern="1200" noProof="0" dirty="0" err="1">
-              <a:latin typeface="+mj-lt"/>
-            </a:rPr>
-            <a:t>Rmarkdown</a:t>
-          </a:r>
-          <a:r>
-            <a:rPr lang="pt-BR" sz="1600" kern="1200" noProof="0" dirty="0">
-              <a:latin typeface="+mj-lt"/>
-            </a:rPr>
-            <a:t> (?)</a:t>
-          </a:r>
-        </a:p>
       </dsp:txBody>
       <dsp:txXfrm>
-        <a:off x="5715" y="1028888"/>
-        <a:ext cx="2190749" cy="2152080"/>
+        <a:off x="5715" y="890539"/>
+        <a:ext cx="2190749" cy="2503439"/>
       </dsp:txXfrm>
     </dsp:sp>
     <dsp:sp modelId="{ECE4CE78-598F-7349-8860-765FB74D8A57}">
@@ -4734,8 +4710,8 @@
       </dsp:nvSpPr>
       <dsp:spPr>
         <a:xfrm>
-          <a:off x="2503170" y="227249"/>
-          <a:ext cx="2190749" cy="801639"/>
+          <a:off x="2503170" y="14239"/>
+          <a:ext cx="2190749" cy="876300"/>
         </a:xfrm>
         <a:prstGeom prst="rect">
           <a:avLst/>
@@ -4777,12 +4753,12 @@
         </a:fontRef>
       </dsp:style>
       <dsp:txBody>
-        <a:bodyPr spcFirstLastPara="0" vert="horz" wrap="square" lIns="113792" tIns="65024" rIns="113792" bIns="65024" numCol="1" spcCol="1270" anchor="ctr" anchorCtr="0">
+        <a:bodyPr spcFirstLastPara="0" vert="horz" wrap="square" lIns="128016" tIns="73152" rIns="128016" bIns="73152" numCol="1" spcCol="1270" anchor="ctr" anchorCtr="0">
           <a:noAutofit/>
         </a:bodyPr>
         <a:lstStyle/>
         <a:p>
-          <a:pPr marL="0" lvl="0" indent="0" algn="ctr" defTabSz="711200">
+          <a:pPr marL="0" lvl="0" indent="0" algn="ctr" defTabSz="800100">
             <a:lnSpc>
               <a:spcPct val="90000"/>
             </a:lnSpc>
@@ -4795,7 +4771,7 @@
             <a:buNone/>
           </a:pPr>
           <a:r>
-            <a:rPr lang="pt-BR" sz="1600" kern="1200" noProof="0" dirty="0">
+            <a:rPr lang="pt-BR" sz="1800" kern="1200" noProof="0" dirty="0">
               <a:latin typeface="+mj-lt"/>
             </a:rPr>
             <a:t>Dia 2 – Analise de dados</a:t>
@@ -4803,8 +4779,8 @@
         </a:p>
       </dsp:txBody>
       <dsp:txXfrm>
-        <a:off x="2503170" y="227249"/>
-        <a:ext cx="2190749" cy="801639"/>
+        <a:off x="2503170" y="14239"/>
+        <a:ext cx="2190749" cy="876300"/>
       </dsp:txXfrm>
     </dsp:sp>
     <dsp:sp modelId="{DD81468D-FAD2-994B-B911-D934DCB70CA1}">
@@ -4814,8 +4790,8 @@
       </dsp:nvSpPr>
       <dsp:spPr>
         <a:xfrm>
-          <a:off x="2503170" y="1028888"/>
-          <a:ext cx="2190749" cy="2152080"/>
+          <a:off x="2503170" y="890539"/>
+          <a:ext cx="2190749" cy="2503439"/>
         </a:xfrm>
         <a:prstGeom prst="rect">
           <a:avLst/>
@@ -4859,12 +4835,12 @@
         <a:fontRef idx="minor"/>
       </dsp:style>
       <dsp:txBody>
-        <a:bodyPr spcFirstLastPara="0" vert="horz" wrap="square" lIns="85344" tIns="85344" rIns="113792" bIns="128016" numCol="1" spcCol="1270" anchor="t" anchorCtr="0">
+        <a:bodyPr spcFirstLastPara="0" vert="horz" wrap="square" lIns="96012" tIns="96012" rIns="128016" bIns="144018" numCol="1" spcCol="1270" anchor="t" anchorCtr="0">
           <a:noAutofit/>
         </a:bodyPr>
         <a:lstStyle/>
         <a:p>
-          <a:pPr marL="171450" lvl="1" indent="-171450" algn="l" defTabSz="711200">
+          <a:pPr marL="171450" lvl="1" indent="-171450" algn="l" defTabSz="800100">
             <a:lnSpc>
               <a:spcPct val="90000"/>
             </a:lnSpc>
@@ -4877,38 +4853,38 @@
             <a:buChar char="•"/>
           </a:pPr>
           <a:r>
-            <a:rPr lang="pt-BR" sz="1600" kern="1200" noProof="0" dirty="0">
+            <a:rPr lang="pt-BR" sz="1800" kern="1200" noProof="0" dirty="0">
               <a:latin typeface="+mj-lt"/>
             </a:rPr>
             <a:t>Análises de dados em </a:t>
           </a:r>
           <a:r>
-            <a:rPr lang="pt-BR" sz="1600" kern="1200" noProof="0" dirty="0" err="1">
+            <a:rPr lang="pt-BR" sz="1800" kern="1200" noProof="0" dirty="0" err="1">
               <a:latin typeface="+mj-lt"/>
             </a:rPr>
             <a:t>R</a:t>
           </a:r>
           <a:r>
-            <a:rPr lang="pt-BR" sz="1600" kern="1200" noProof="0" dirty="0">
+            <a:rPr lang="pt-BR" sz="1800" kern="1200" noProof="0" dirty="0">
               <a:latin typeface="+mj-lt"/>
             </a:rPr>
             <a:t> (</a:t>
           </a:r>
           <a:r>
-            <a:rPr lang="pt-BR" sz="1600" kern="1200" noProof="0" dirty="0" err="1">
+            <a:rPr lang="pt-BR" sz="1800" kern="1200" noProof="0" dirty="0" err="1">
               <a:latin typeface="+mj-lt"/>
             </a:rPr>
             <a:t>B</a:t>
           </a:r>
           <a:r>
-            <a:rPr lang="pt-BR" sz="1600" kern="1200" noProof="0" dirty="0">
+            <a:rPr lang="pt-BR" sz="1800" kern="1200" noProof="0" dirty="0">
               <a:latin typeface="+mj-lt"/>
             </a:rPr>
             <a:t>)</a:t>
           </a:r>
         </a:p>
         <a:p>
-          <a:pPr marL="171450" lvl="1" indent="-171450" algn="l" defTabSz="711200">
+          <a:pPr marL="171450" lvl="1" indent="-171450" algn="l" defTabSz="800100">
             <a:lnSpc>
               <a:spcPct val="90000"/>
             </a:lnSpc>
@@ -4921,19 +4897,19 @@
             <a:buChar char="•"/>
           </a:pPr>
           <a:r>
-            <a:rPr lang="pt-BR" sz="1600" kern="1200" noProof="0" dirty="0">
+            <a:rPr lang="pt-BR" sz="1800" kern="1200" noProof="0" dirty="0">
               <a:latin typeface="+mj-lt"/>
             </a:rPr>
             <a:t>Construindo mapas em </a:t>
           </a:r>
           <a:r>
-            <a:rPr lang="pt-BR" sz="1600" kern="1200" noProof="0" dirty="0" err="1">
+            <a:rPr lang="pt-BR" sz="1800" kern="1200" noProof="0" dirty="0" err="1">
               <a:latin typeface="+mj-lt"/>
             </a:rPr>
             <a:t>R</a:t>
           </a:r>
           <a:r>
-            <a:rPr lang="pt-BR" sz="1600" kern="1200" noProof="0" dirty="0">
+            <a:rPr lang="pt-BR" sz="1800" kern="1200" noProof="0" dirty="0">
               <a:latin typeface="+mj-lt"/>
             </a:rPr>
             <a:t> (J)</a:t>
@@ -4941,8 +4917,8 @@
         </a:p>
       </dsp:txBody>
       <dsp:txXfrm>
-        <a:off x="2503170" y="1028888"/>
-        <a:ext cx="2190749" cy="2152080"/>
+        <a:off x="2503170" y="890539"/>
+        <a:ext cx="2190749" cy="2503439"/>
       </dsp:txXfrm>
     </dsp:sp>
     <dsp:sp modelId="{ADACA0E1-9830-504A-819D-FA1ACF8A190B}">
@@ -4952,8 +4928,8 @@
       </dsp:nvSpPr>
       <dsp:spPr>
         <a:xfrm>
-          <a:off x="5000625" y="227249"/>
-          <a:ext cx="2190749" cy="801639"/>
+          <a:off x="5000625" y="14239"/>
+          <a:ext cx="2190749" cy="876300"/>
         </a:xfrm>
         <a:prstGeom prst="rect">
           <a:avLst/>
@@ -4995,12 +4971,12 @@
         </a:fontRef>
       </dsp:style>
       <dsp:txBody>
-        <a:bodyPr spcFirstLastPara="0" vert="horz" wrap="square" lIns="113792" tIns="65024" rIns="113792" bIns="65024" numCol="1" spcCol="1270" anchor="ctr" anchorCtr="0">
+        <a:bodyPr spcFirstLastPara="0" vert="horz" wrap="square" lIns="128016" tIns="73152" rIns="128016" bIns="73152" numCol="1" spcCol="1270" anchor="ctr" anchorCtr="0">
           <a:noAutofit/>
         </a:bodyPr>
         <a:lstStyle/>
         <a:p>
-          <a:pPr marL="0" lvl="0" indent="0" algn="ctr" defTabSz="711200">
+          <a:pPr marL="0" lvl="0" indent="0" algn="ctr" defTabSz="800100">
             <a:lnSpc>
               <a:spcPct val="90000"/>
             </a:lnSpc>
@@ -5013,16 +4989,28 @@
             <a:buNone/>
           </a:pPr>
           <a:r>
-            <a:rPr lang="pt-BR" sz="1600" kern="1200" noProof="0" dirty="0">
+            <a:rPr lang="pt-BR" sz="1800" kern="1200" noProof="0" dirty="0">
               <a:latin typeface="+mj-lt"/>
             </a:rPr>
-            <a:t>Dia 3 – Bases de dados disponíveis para biologia / ecologia</a:t>
+            <a:t>Dia 3 – Bases de dados disponíveis (</a:t>
+          </a:r>
+          <a:r>
+            <a:rPr lang="pt-BR" sz="1800" kern="1200" noProof="0" dirty="0" err="1">
+              <a:latin typeface="+mj-lt"/>
+            </a:rPr>
+            <a:t>B</a:t>
+          </a:r>
+          <a:r>
+            <a:rPr lang="pt-BR" sz="1800" kern="1200" noProof="0" dirty="0">
+              <a:latin typeface="+mj-lt"/>
+            </a:rPr>
+            <a:t>)</a:t>
           </a:r>
         </a:p>
       </dsp:txBody>
       <dsp:txXfrm>
-        <a:off x="5000625" y="227249"/>
-        <a:ext cx="2190749" cy="801639"/>
+        <a:off x="5000625" y="14239"/>
+        <a:ext cx="2190749" cy="876300"/>
       </dsp:txXfrm>
     </dsp:sp>
     <dsp:sp modelId="{20D095F7-62F7-7748-B677-217EAF898924}">
@@ -5032,8 +5020,8 @@
       </dsp:nvSpPr>
       <dsp:spPr>
         <a:xfrm>
-          <a:off x="5000625" y="1028888"/>
-          <a:ext cx="2190749" cy="2152080"/>
+          <a:off x="5000625" y="890539"/>
+          <a:ext cx="2190749" cy="2503439"/>
         </a:xfrm>
         <a:prstGeom prst="rect">
           <a:avLst/>
@@ -5077,12 +5065,12 @@
         <a:fontRef idx="minor"/>
       </dsp:style>
       <dsp:txBody>
-        <a:bodyPr spcFirstLastPara="0" vert="horz" wrap="square" lIns="85344" tIns="85344" rIns="113792" bIns="128016" numCol="1" spcCol="1270" anchor="t" anchorCtr="0">
+        <a:bodyPr spcFirstLastPara="0" vert="horz" wrap="square" lIns="96012" tIns="96012" rIns="128016" bIns="144018" numCol="1" spcCol="1270" anchor="t" anchorCtr="0">
           <a:noAutofit/>
         </a:bodyPr>
         <a:lstStyle/>
         <a:p>
-          <a:pPr marL="171450" lvl="1" indent="-171450" algn="l" defTabSz="711200">
+          <a:pPr marL="171450" lvl="1" indent="-171450" algn="l" defTabSz="800100">
             <a:lnSpc>
               <a:spcPct val="90000"/>
             </a:lnSpc>
@@ -5095,14 +5083,14 @@
             <a:buChar char="•"/>
           </a:pPr>
           <a:r>
-            <a:rPr lang="pt-BR" sz="1600" kern="1200" noProof="0" dirty="0">
+            <a:rPr lang="pt-BR" sz="1800" kern="1200" noProof="0" dirty="0">
               <a:latin typeface="+mj-lt"/>
             </a:rPr>
             <a:t>Como interagir com as bases</a:t>
           </a:r>
         </a:p>
         <a:p>
-          <a:pPr marL="171450" lvl="1" indent="-171450" algn="l" defTabSz="711200">
+          <a:pPr marL="171450" lvl="1" indent="-171450" algn="l" defTabSz="800100">
             <a:lnSpc>
               <a:spcPct val="90000"/>
             </a:lnSpc>
@@ -5115,14 +5103,14 @@
             <a:buChar char="•"/>
           </a:pPr>
           <a:r>
-            <a:rPr lang="pt-BR" sz="1600" kern="1200" noProof="0" dirty="0">
+            <a:rPr lang="pt-BR" sz="1800" kern="1200" noProof="0" dirty="0">
               <a:latin typeface="+mj-lt"/>
             </a:rPr>
             <a:t>Download de dados ambientais e de ocorrência</a:t>
           </a:r>
         </a:p>
         <a:p>
-          <a:pPr marL="171450" lvl="1" indent="-171450" algn="l" defTabSz="711200">
+          <a:pPr marL="171450" lvl="1" indent="-171450" algn="l" defTabSz="800100">
             <a:lnSpc>
               <a:spcPct val="90000"/>
             </a:lnSpc>
@@ -5135,7 +5123,7 @@
             <a:buChar char="•"/>
           </a:pPr>
           <a:r>
-            <a:rPr lang="pt-BR" sz="1600" kern="1200" noProof="0" dirty="0">
+            <a:rPr lang="pt-BR" sz="1800" kern="1200" noProof="0" dirty="0">
               <a:latin typeface="+mj-lt"/>
             </a:rPr>
             <a:t>Limpeza de dados de ocorrência </a:t>
@@ -5143,8 +5131,8 @@
         </a:p>
       </dsp:txBody>
       <dsp:txXfrm>
-        <a:off x="5000625" y="1028888"/>
-        <a:ext cx="2190749" cy="2152080"/>
+        <a:off x="5000625" y="890539"/>
+        <a:ext cx="2190749" cy="2503439"/>
       </dsp:txXfrm>
     </dsp:sp>
     <dsp:sp modelId="{4B864F2B-A171-CA4C-8EC7-98380C9D7AAC}">
@@ -5154,8 +5142,8 @@
       </dsp:nvSpPr>
       <dsp:spPr>
         <a:xfrm>
-          <a:off x="7498080" y="227249"/>
-          <a:ext cx="2190749" cy="801639"/>
+          <a:off x="7498080" y="14239"/>
+          <a:ext cx="2190749" cy="876300"/>
         </a:xfrm>
         <a:prstGeom prst="rect">
           <a:avLst/>
@@ -5197,12 +5185,12 @@
         </a:fontRef>
       </dsp:style>
       <dsp:txBody>
-        <a:bodyPr spcFirstLastPara="0" vert="horz" wrap="square" lIns="113792" tIns="65024" rIns="113792" bIns="65024" numCol="1" spcCol="1270" anchor="ctr" anchorCtr="0">
+        <a:bodyPr spcFirstLastPara="0" vert="horz" wrap="square" lIns="128016" tIns="73152" rIns="128016" bIns="73152" numCol="1" spcCol="1270" anchor="ctr" anchorCtr="0">
           <a:noAutofit/>
         </a:bodyPr>
         <a:lstStyle/>
         <a:p>
-          <a:pPr marL="0" lvl="0" indent="0" algn="ctr" defTabSz="711200">
+          <a:pPr marL="0" lvl="0" indent="0" algn="ctr" defTabSz="800100">
             <a:lnSpc>
               <a:spcPct val="90000"/>
             </a:lnSpc>
@@ -5215,16 +5203,16 @@
             <a:buNone/>
           </a:pPr>
           <a:r>
-            <a:rPr lang="pt-BR" sz="1600" kern="1200" noProof="0" dirty="0">
+            <a:rPr lang="pt-BR" sz="1800" kern="1200" noProof="0" dirty="0">
               <a:latin typeface="+mj-lt"/>
             </a:rPr>
-            <a:t>Dia 4</a:t>
+            <a:t>Dia 4 - MDE</a:t>
           </a:r>
         </a:p>
       </dsp:txBody>
       <dsp:txXfrm>
-        <a:off x="7498080" y="227249"/>
-        <a:ext cx="2190749" cy="801639"/>
+        <a:off x="7498080" y="14239"/>
+        <a:ext cx="2190749" cy="876300"/>
       </dsp:txXfrm>
     </dsp:sp>
     <dsp:sp modelId="{617F9704-C5B9-1648-98CF-94F97120C572}">
@@ -5234,8 +5222,8 @@
       </dsp:nvSpPr>
       <dsp:spPr>
         <a:xfrm>
-          <a:off x="7498080" y="1028888"/>
-          <a:ext cx="2190749" cy="2152080"/>
+          <a:off x="7498080" y="890539"/>
+          <a:ext cx="2190749" cy="2503439"/>
         </a:xfrm>
         <a:prstGeom prst="rect">
           <a:avLst/>
@@ -5279,12 +5267,12 @@
         <a:fontRef idx="minor"/>
       </dsp:style>
       <dsp:txBody>
-        <a:bodyPr spcFirstLastPara="0" vert="horz" wrap="square" lIns="85344" tIns="85344" rIns="113792" bIns="128016" numCol="1" spcCol="1270" anchor="t" anchorCtr="0">
+        <a:bodyPr spcFirstLastPara="0" vert="horz" wrap="square" lIns="96012" tIns="96012" rIns="128016" bIns="144018" numCol="1" spcCol="1270" anchor="t" anchorCtr="0">
           <a:noAutofit/>
         </a:bodyPr>
         <a:lstStyle/>
         <a:p>
-          <a:pPr marL="171450" lvl="1" indent="-171450" algn="l" defTabSz="711200">
+          <a:pPr marL="171450" lvl="1" indent="-171450" algn="l" defTabSz="800100">
             <a:lnSpc>
               <a:spcPct val="90000"/>
             </a:lnSpc>
@@ -5297,20 +5285,20 @@
             <a:buChar char="•"/>
           </a:pPr>
           <a:r>
-            <a:rPr lang="pt-BR" sz="1600" b="0" i="0" kern="1200" noProof="0" dirty="0">
+            <a:rPr lang="pt-BR" sz="1800" b="0" i="0" kern="1200" noProof="0" dirty="0">
               <a:latin typeface="+mj-lt"/>
             </a:rPr>
             <a:t>Preparação</a:t>
           </a:r>
           <a:r>
-            <a:rPr lang="pt-BR" sz="1600" kern="1200" noProof="0" dirty="0">
+            <a:rPr lang="pt-BR" sz="1800" kern="1200" noProof="0" dirty="0">
               <a:latin typeface="+mj-lt"/>
             </a:rPr>
-            <a:t> de dados para MDE</a:t>
+            <a:t> de dados para MDE (J+B)</a:t>
           </a:r>
         </a:p>
         <a:p>
-          <a:pPr marL="171450" lvl="1" indent="-171450" algn="l" defTabSz="711200">
+          <a:pPr marL="171450" lvl="1" indent="-171450" algn="l" defTabSz="800100">
             <a:lnSpc>
               <a:spcPct val="90000"/>
             </a:lnSpc>
@@ -5322,18 +5310,12 @@
             </a:spcAft>
             <a:buChar char="•"/>
           </a:pPr>
-          <a:r>
-            <a:rPr lang="pt-BR" sz="1600" b="0" i="0" kern="1200" noProof="0" dirty="0">
-              <a:latin typeface="+mj-lt"/>
-            </a:rPr>
-            <a:t>Modelos de MEM</a:t>
-          </a:r>
-          <a:endParaRPr lang="pt-BR" sz="1600" kern="1200" noProof="0" dirty="0">
+          <a:endParaRPr lang="pt-BR" sz="1800" kern="1200" noProof="0" dirty="0">
             <a:latin typeface="+mj-lt"/>
           </a:endParaRPr>
         </a:p>
         <a:p>
-          <a:pPr marL="171450" lvl="1" indent="-171450" algn="l" defTabSz="711200">
+          <a:pPr marL="171450" lvl="1" indent="-171450" algn="l" defTabSz="800100">
             <a:lnSpc>
               <a:spcPct val="90000"/>
             </a:lnSpc>
@@ -5345,12 +5327,12 @@
             </a:spcAft>
             <a:buChar char="•"/>
           </a:pPr>
-          <a:endParaRPr lang="pt-BR" sz="1600" b="0" i="0" kern="1200" noProof="0" dirty="0">
+          <a:endParaRPr lang="pt-BR" sz="1800" b="0" i="0" kern="1200" noProof="0" dirty="0">
             <a:latin typeface="+mj-lt"/>
           </a:endParaRPr>
         </a:p>
         <a:p>
-          <a:pPr marL="171450" lvl="1" indent="-171450" algn="l" defTabSz="711200">
+          <a:pPr marL="171450" lvl="1" indent="-171450" algn="l" defTabSz="800100">
             <a:lnSpc>
               <a:spcPct val="90000"/>
             </a:lnSpc>
@@ -5362,12 +5344,12 @@
             </a:spcAft>
             <a:buChar char="•"/>
           </a:pPr>
-          <a:endParaRPr lang="pt-BR" sz="1600" kern="1200" noProof="0" dirty="0">
+          <a:endParaRPr lang="pt-BR" sz="1800" kern="1200" noProof="0" dirty="0">
             <a:latin typeface="+mj-lt"/>
           </a:endParaRPr>
         </a:p>
         <a:p>
-          <a:pPr marL="171450" lvl="1" indent="-171450" algn="l" defTabSz="711200">
+          <a:pPr marL="171450" lvl="1" indent="-171450" algn="l" defTabSz="800100">
             <a:lnSpc>
               <a:spcPct val="90000"/>
             </a:lnSpc>
@@ -5379,14 +5361,14 @@
             </a:spcAft>
             <a:buChar char="•"/>
           </a:pPr>
-          <a:endParaRPr lang="pt-BR" sz="1600" kern="1200" noProof="0" dirty="0">
+          <a:endParaRPr lang="pt-BR" sz="1800" kern="1200" noProof="0" dirty="0">
             <a:latin typeface="+mj-lt"/>
           </a:endParaRPr>
         </a:p>
       </dsp:txBody>
       <dsp:txXfrm>
-        <a:off x="7498080" y="1028888"/>
-        <a:ext cx="2190749" cy="2152080"/>
+        <a:off x="7498080" y="890539"/>
+        <a:ext cx="2190749" cy="2503439"/>
       </dsp:txXfrm>
     </dsp:sp>
     <dsp:sp modelId="{3D66253D-95FC-7548-B49C-8D3767F33B71}">
@@ -5396,8 +5378,8 @@
       </dsp:nvSpPr>
       <dsp:spPr>
         <a:xfrm>
-          <a:off x="9995535" y="227249"/>
-          <a:ext cx="2190749" cy="801639"/>
+          <a:off x="9995535" y="14239"/>
+          <a:ext cx="2190749" cy="876300"/>
         </a:xfrm>
         <a:prstGeom prst="rect">
           <a:avLst/>
@@ -5439,12 +5421,12 @@
         </a:fontRef>
       </dsp:style>
       <dsp:txBody>
-        <a:bodyPr spcFirstLastPara="0" vert="horz" wrap="square" lIns="113792" tIns="65024" rIns="113792" bIns="65024" numCol="1" spcCol="1270" anchor="ctr" anchorCtr="0">
+        <a:bodyPr spcFirstLastPara="0" vert="horz" wrap="square" lIns="128016" tIns="73152" rIns="128016" bIns="73152" numCol="1" spcCol="1270" anchor="ctr" anchorCtr="0">
           <a:noAutofit/>
         </a:bodyPr>
         <a:lstStyle/>
         <a:p>
-          <a:pPr marL="0" lvl="0" indent="0" algn="ctr" defTabSz="711200">
+          <a:pPr marL="0" lvl="0" indent="0" algn="ctr" defTabSz="800100">
             <a:lnSpc>
               <a:spcPct val="90000"/>
             </a:lnSpc>
@@ -5457,7 +5439,7 @@
             <a:buNone/>
           </a:pPr>
           <a:r>
-            <a:rPr lang="pt-BR" sz="1600" kern="1200" noProof="0" dirty="0">
+            <a:rPr lang="pt-BR" sz="1800" kern="1200" noProof="0" dirty="0">
               <a:latin typeface="+mj-lt"/>
             </a:rPr>
             <a:t>Dia 4</a:t>
@@ -5465,8 +5447,8 @@
         </a:p>
       </dsp:txBody>
       <dsp:txXfrm>
-        <a:off x="9995535" y="227249"/>
-        <a:ext cx="2190749" cy="801639"/>
+        <a:off x="9995535" y="14239"/>
+        <a:ext cx="2190749" cy="876300"/>
       </dsp:txXfrm>
     </dsp:sp>
     <dsp:sp modelId="{5C72DD71-135D-9842-880A-888477FED38E}">
@@ -5476,8 +5458,8 @@
       </dsp:nvSpPr>
       <dsp:spPr>
         <a:xfrm>
-          <a:off x="9995535" y="1028888"/>
-          <a:ext cx="2190749" cy="2152080"/>
+          <a:off x="9995535" y="890539"/>
+          <a:ext cx="2190749" cy="2503439"/>
         </a:xfrm>
         <a:prstGeom prst="rect">
           <a:avLst/>
@@ -5521,12 +5503,12 @@
         <a:fontRef idx="minor"/>
       </dsp:style>
       <dsp:txBody>
-        <a:bodyPr spcFirstLastPara="0" vert="horz" wrap="square" lIns="85344" tIns="85344" rIns="113792" bIns="128016" numCol="1" spcCol="1270" anchor="t" anchorCtr="0">
+        <a:bodyPr spcFirstLastPara="0" vert="horz" wrap="square" lIns="96012" tIns="96012" rIns="128016" bIns="144018" numCol="1" spcCol="1270" anchor="t" anchorCtr="0">
           <a:noAutofit/>
         </a:bodyPr>
         <a:lstStyle/>
         <a:p>
-          <a:pPr marL="171450" lvl="1" indent="-171450" algn="l" defTabSz="711200">
+          <a:pPr marL="171450" lvl="1" indent="-171450" algn="l" defTabSz="800100">
             <a:lnSpc>
               <a:spcPct val="90000"/>
             </a:lnSpc>
@@ -5539,7 +5521,7 @@
             <a:buChar char="•"/>
           </a:pPr>
           <a:r>
-            <a:rPr lang="pt-BR" sz="1600" kern="1200" noProof="0" dirty="0">
+            <a:rPr lang="pt-BR" sz="1800" kern="1200" noProof="0" dirty="0">
               <a:latin typeface="+mj-lt"/>
             </a:rPr>
             <a:t>“troubleshoot” e apresentação de resultados</a:t>
@@ -5547,8 +5529,8 @@
         </a:p>
       </dsp:txBody>
       <dsp:txXfrm>
-        <a:off x="9995535" y="1028888"/>
-        <a:ext cx="2190749" cy="2152080"/>
+        <a:off x="9995535" y="890539"/>
+        <a:ext cx="2190749" cy="2503439"/>
       </dsp:txXfrm>
     </dsp:sp>
   </dsp:spTree>
@@ -12367,6 +12349,24 @@
               <a:t>Material todo no GitHub</a:t>
             </a:r>
           </a:p>
+          <a:p>
+            <a:pPr lvl="1"/>
+            <a:r>
+              <a:rPr lang="pt-BR" dirty="0">
+                <a:latin typeface="+mj-lt"/>
+              </a:rPr>
+              <a:t>Vamos trabalhar o mais possível no GitHub (</a:t>
+            </a:r>
+            <a:r>
+              <a:rPr lang="pt-BR">
+                <a:latin typeface="+mj-lt"/>
+              </a:rPr>
+              <a:t>Primeira aula!)</a:t>
+            </a:r>
+            <a:endParaRPr lang="pt-BR" dirty="0">
+              <a:latin typeface="+mj-lt"/>
+            </a:endParaRPr>
+          </a:p>
         </p:txBody>
       </p:sp>
     </p:spTree>
@@ -12772,7 +12772,7 @@
             <p:ph idx="1"/>
             <p:extLst>
               <p:ext uri="{D42A27DB-BD31-4B8C-83A1-F6EECF244321}">
-                <p14:modId xmlns:p14="http://schemas.microsoft.com/office/powerpoint/2010/main" val="3781565240"/>
+                <p14:modId xmlns:p14="http://schemas.microsoft.com/office/powerpoint/2010/main" val="947420742"/>
               </p:ext>
             </p:extLst>
           </p:nvPr>
@@ -12802,7 +12802,7 @@
           <p:nvPr>
             <p:extLst>
               <p:ext uri="{D42A27DB-BD31-4B8C-83A1-F6EECF244321}">
-                <p14:modId xmlns:p14="http://schemas.microsoft.com/office/powerpoint/2010/main" val="1445577382"/>
+                <p14:modId xmlns:p14="http://schemas.microsoft.com/office/powerpoint/2010/main" val="3642326768"/>
               </p:ext>
             </p:extLst>
           </p:nvPr>

--- a/sessoes/intorucao.pptx
+++ b/sessoes/intorucao.pptx
@@ -2261,6 +2261,13 @@
         </dgm:presLayoutVars>
       </dgm:prSet>
       <dgm:spPr/>
+      <dgm:t>
+        <a:bodyPr/>
+        <a:lstStyle/>
+        <a:p>
+          <a:endParaRPr lang="fr-FR"/>
+        </a:p>
+      </dgm:t>
     </dgm:pt>
     <dgm:pt modelId="{9F03E44B-F21C-A74E-8366-EA8D85CC04EA}" type="pres">
       <dgm:prSet presAssocID="{2C0A458E-41E7-0749-B5F3-B87B657B2C46}" presName="composite" presStyleCnt="0"/>
@@ -2275,6 +2282,13 @@
         </dgm:presLayoutVars>
       </dgm:prSet>
       <dgm:spPr/>
+      <dgm:t>
+        <a:bodyPr/>
+        <a:lstStyle/>
+        <a:p>
+          <a:endParaRPr lang="fr-FR"/>
+        </a:p>
+      </dgm:t>
     </dgm:pt>
     <dgm:pt modelId="{A85479BA-39C3-B44C-8F28-84A809FAA5A1}" type="pres">
       <dgm:prSet presAssocID="{2C0A458E-41E7-0749-B5F3-B87B657B2C46}" presName="desTx" presStyleLbl="alignAccFollowNode1" presStyleIdx="0" presStyleCnt="5" custLinFactNeighborY="326">
@@ -2283,6 +2297,13 @@
         </dgm:presLayoutVars>
       </dgm:prSet>
       <dgm:spPr/>
+      <dgm:t>
+        <a:bodyPr/>
+        <a:lstStyle/>
+        <a:p>
+          <a:endParaRPr lang="fr-FR"/>
+        </a:p>
+      </dgm:t>
     </dgm:pt>
     <dgm:pt modelId="{B327CB47-6E17-5948-874C-31D0E69A2BEE}" type="pres">
       <dgm:prSet presAssocID="{B575B920-FFFA-344C-81D6-148E999212A2}" presName="space" presStyleCnt="0"/>
@@ -2301,6 +2322,13 @@
         </dgm:presLayoutVars>
       </dgm:prSet>
       <dgm:spPr/>
+      <dgm:t>
+        <a:bodyPr/>
+        <a:lstStyle/>
+        <a:p>
+          <a:endParaRPr lang="fr-FR"/>
+        </a:p>
+      </dgm:t>
     </dgm:pt>
     <dgm:pt modelId="{DD81468D-FAD2-994B-B911-D934DCB70CA1}" type="pres">
       <dgm:prSet presAssocID="{3DC5BF48-BA14-E94E-BE3F-8FB1C3CF1B90}" presName="desTx" presStyleLbl="alignAccFollowNode1" presStyleIdx="1" presStyleCnt="5">
@@ -2309,6 +2337,13 @@
         </dgm:presLayoutVars>
       </dgm:prSet>
       <dgm:spPr/>
+      <dgm:t>
+        <a:bodyPr/>
+        <a:lstStyle/>
+        <a:p>
+          <a:endParaRPr lang="fr-FR"/>
+        </a:p>
+      </dgm:t>
     </dgm:pt>
     <dgm:pt modelId="{B8F785C1-DBB7-B746-B4C6-AE6279F67232}" type="pres">
       <dgm:prSet presAssocID="{E2837041-A437-774B-A318-B655203B6D90}" presName="space" presStyleCnt="0"/>
@@ -2327,6 +2362,13 @@
         </dgm:presLayoutVars>
       </dgm:prSet>
       <dgm:spPr/>
+      <dgm:t>
+        <a:bodyPr/>
+        <a:lstStyle/>
+        <a:p>
+          <a:endParaRPr lang="fr-FR"/>
+        </a:p>
+      </dgm:t>
     </dgm:pt>
     <dgm:pt modelId="{20D095F7-62F7-7748-B677-217EAF898924}" type="pres">
       <dgm:prSet presAssocID="{8EB3D4DA-D392-624C-ACBA-01FCEF0039D1}" presName="desTx" presStyleLbl="alignAccFollowNode1" presStyleIdx="2" presStyleCnt="5">
@@ -2335,6 +2377,13 @@
         </dgm:presLayoutVars>
       </dgm:prSet>
       <dgm:spPr/>
+      <dgm:t>
+        <a:bodyPr/>
+        <a:lstStyle/>
+        <a:p>
+          <a:endParaRPr lang="fr-FR"/>
+        </a:p>
+      </dgm:t>
     </dgm:pt>
     <dgm:pt modelId="{285CB6E8-F646-3048-87C1-F07CFEEBEBDC}" type="pres">
       <dgm:prSet presAssocID="{FDBEC8E4-56A3-A844-B9B6-F6031FEBD7F8}" presName="space" presStyleCnt="0"/>
@@ -2353,6 +2402,13 @@
         </dgm:presLayoutVars>
       </dgm:prSet>
       <dgm:spPr/>
+      <dgm:t>
+        <a:bodyPr/>
+        <a:lstStyle/>
+        <a:p>
+          <a:endParaRPr lang="fr-FR"/>
+        </a:p>
+      </dgm:t>
     </dgm:pt>
     <dgm:pt modelId="{617F9704-C5B9-1648-98CF-94F97120C572}" type="pres">
       <dgm:prSet presAssocID="{0D594C62-8F0E-D547-B5C4-5454A990423E}" presName="desTx" presStyleLbl="alignAccFollowNode1" presStyleIdx="3" presStyleCnt="5">
@@ -2361,6 +2417,13 @@
         </dgm:presLayoutVars>
       </dgm:prSet>
       <dgm:spPr/>
+      <dgm:t>
+        <a:bodyPr/>
+        <a:lstStyle/>
+        <a:p>
+          <a:endParaRPr lang="fr-FR"/>
+        </a:p>
+      </dgm:t>
     </dgm:pt>
     <dgm:pt modelId="{60BC2F4A-0F98-314D-8F14-6A231276C546}" type="pres">
       <dgm:prSet presAssocID="{C6B30F07-7703-C24B-B99C-F227B6A1DD06}" presName="space" presStyleCnt="0"/>
@@ -2379,6 +2442,13 @@
         </dgm:presLayoutVars>
       </dgm:prSet>
       <dgm:spPr/>
+      <dgm:t>
+        <a:bodyPr/>
+        <a:lstStyle/>
+        <a:p>
+          <a:endParaRPr lang="fr-FR"/>
+        </a:p>
+      </dgm:t>
     </dgm:pt>
     <dgm:pt modelId="{5C72DD71-135D-9842-880A-888477FED38E}" type="pres">
       <dgm:prSet presAssocID="{726FAEE0-0671-6A47-992E-19C958FAA5C0}" presName="desTx" presStyleLbl="alignAccFollowNode1" presStyleIdx="4" presStyleCnt="5">
@@ -2387,40 +2457,47 @@
         </dgm:presLayoutVars>
       </dgm:prSet>
       <dgm:spPr/>
+      <dgm:t>
+        <a:bodyPr/>
+        <a:lstStyle/>
+        <a:p>
+          <a:endParaRPr lang="fr-FR"/>
+        </a:p>
+      </dgm:t>
     </dgm:pt>
   </dgm:ptLst>
   <dgm:cxnLst>
     <dgm:cxn modelId="{0D42DA19-A0B1-5844-A3E3-808AD29B097B}" srcId="{C8661A6B-810B-1E4B-B1CC-141DE757B849}" destId="{8EB3D4DA-D392-624C-ACBA-01FCEF0039D1}" srcOrd="2" destOrd="0" parTransId="{10862054-81DB-8242-A4C6-06EAE50C713F}" sibTransId="{FDBEC8E4-56A3-A844-B9B6-F6031FEBD7F8}"/>
+    <dgm:cxn modelId="{77D2A235-EBAF-6F4A-B52D-E4EFBB604EFE}" type="presOf" srcId="{3DC5BF48-BA14-E94E-BE3F-8FB1C3CF1B90}" destId="{ECE4CE78-598F-7349-8860-765FB74D8A57}" srcOrd="0" destOrd="0" presId="urn:microsoft.com/office/officeart/2005/8/layout/hList1"/>
+    <dgm:cxn modelId="{EB007095-A9B2-5445-A1F5-5A90AE429483}" type="presOf" srcId="{7D131D1C-F090-D04A-A63A-BBE136B185DA}" destId="{A85479BA-39C3-B44C-8F28-84A809FAA5A1}" srcOrd="0" destOrd="1" presId="urn:microsoft.com/office/officeart/2005/8/layout/hList1"/>
+    <dgm:cxn modelId="{4C9024EB-A0A4-D343-962F-84342230B98F}" type="presOf" srcId="{ABAEC531-3B7E-8C43-947C-01941E1C3768}" destId="{617F9704-C5B9-1648-98CF-94F97120C572}" srcOrd="0" destOrd="0" presId="urn:microsoft.com/office/officeart/2005/8/layout/hList1"/>
+    <dgm:cxn modelId="{E8165391-402A-7348-93C1-E044107B9AF2}" type="presOf" srcId="{0D594C62-8F0E-D547-B5C4-5454A990423E}" destId="{4B864F2B-A171-CA4C-8EC7-98380C9D7AAC}" srcOrd="0" destOrd="0" presId="urn:microsoft.com/office/officeart/2005/8/layout/hList1"/>
+    <dgm:cxn modelId="{834412BB-BB26-C04C-A7F4-415DA9A5AB3E}" type="presOf" srcId="{D0F5AB6F-AA61-1842-ADBB-8A8C76FD68DD}" destId="{20D095F7-62F7-7748-B677-217EAF898924}" srcOrd="0" destOrd="1" presId="urn:microsoft.com/office/officeart/2005/8/layout/hList1"/>
+    <dgm:cxn modelId="{1E5F0CCA-8CF7-3145-9F8A-F2D6CF258F45}" type="presOf" srcId="{726FAEE0-0671-6A47-992E-19C958FAA5C0}" destId="{3D66253D-95FC-7548-B49C-8D3767F33B71}" srcOrd="0" destOrd="0" presId="urn:microsoft.com/office/officeart/2005/8/layout/hList1"/>
+    <dgm:cxn modelId="{C882F2C5-E6E0-944D-B8F0-974B83B5B5D3}" srcId="{2C0A458E-41E7-0749-B5F3-B87B657B2C46}" destId="{8C8069CD-959D-9D4A-9ABD-5817462EEBF6}" srcOrd="2" destOrd="0" parTransId="{481DF761-3B74-B14E-B504-A2D81087B8DE}" sibTransId="{66F90A01-CE31-CF4D-A82B-776B9E72F357}"/>
+    <dgm:cxn modelId="{2A7391BD-E933-724E-B9B1-BA636999FB1D}" srcId="{C8661A6B-810B-1E4B-B1CC-141DE757B849}" destId="{3DC5BF48-BA14-E94E-BE3F-8FB1C3CF1B90}" srcOrd="1" destOrd="0" parTransId="{66636137-4F14-C340-9E6A-C098E47B6F2F}" sibTransId="{E2837041-A437-774B-A318-B655203B6D90}"/>
+    <dgm:cxn modelId="{B308C8BD-5034-E74C-8CFA-FD678506FAEA}" srcId="{C8661A6B-810B-1E4B-B1CC-141DE757B849}" destId="{0D594C62-8F0E-D547-B5C4-5454A990423E}" srcOrd="3" destOrd="0" parTransId="{FE0DCDF9-B2F9-D24B-BA5F-F37FD6FA0851}" sibTransId="{C6B30F07-7703-C24B-B99C-F227B6A1DD06}"/>
+    <dgm:cxn modelId="{AB9249E6-EA10-9547-ABEB-157FFF007F8A}" srcId="{726FAEE0-0671-6A47-992E-19C958FAA5C0}" destId="{B104E1B0-0B7A-2D46-BBDC-0278907C22A0}" srcOrd="0" destOrd="0" parTransId="{3FC769AB-EBF6-DB47-AE23-6A9F1B819A57}" sibTransId="{4EC74BF3-5D61-FE45-AF6F-E01E9EE4F832}"/>
+    <dgm:cxn modelId="{A24F04F8-2A68-1841-B2F0-DC0315498993}" srcId="{8EB3D4DA-D392-624C-ACBA-01FCEF0039D1}" destId="{D0F5AB6F-AA61-1842-ADBB-8A8C76FD68DD}" srcOrd="1" destOrd="0" parTransId="{63FFC8E7-2D75-5349-83DF-D30B2105CE85}" sibTransId="{2B38A7C9-399A-364B-831A-2FCEE643928E}"/>
+    <dgm:cxn modelId="{6D7E1459-596F-1E43-81B4-B1710AB5BCE8}" srcId="{3DC5BF48-BA14-E94E-BE3F-8FB1C3CF1B90}" destId="{969DF257-AE32-3940-821C-98D9DA62B596}" srcOrd="1" destOrd="0" parTransId="{899B722F-0208-884C-87B5-A4B5E83F6CA6}" sibTransId="{9C6A73F5-B390-6C48-94B3-31B88DAF5DBE}"/>
+    <dgm:cxn modelId="{770DD680-9B9E-1448-ACAC-4AC00C5F8673}" type="presOf" srcId="{969DF257-AE32-3940-821C-98D9DA62B596}" destId="{DD81468D-FAD2-994B-B911-D934DCB70CA1}" srcOrd="0" destOrd="1" presId="urn:microsoft.com/office/officeart/2005/8/layout/hList1"/>
+    <dgm:cxn modelId="{0DFB3AE6-68B7-2E46-8331-94C6789F6430}" type="presOf" srcId="{B104E1B0-0B7A-2D46-BBDC-0278907C22A0}" destId="{5C72DD71-135D-9842-880A-888477FED38E}" srcOrd="0" destOrd="0" presId="urn:microsoft.com/office/officeart/2005/8/layout/hList1"/>
+    <dgm:cxn modelId="{F76BE794-DF5B-8545-8128-F63DFB80AADD}" srcId="{3DC5BF48-BA14-E94E-BE3F-8FB1C3CF1B90}" destId="{9769F036-4C76-ED46-85A5-616220C10A05}" srcOrd="2" destOrd="0" parTransId="{157B4043-DCCF-804B-9AEB-31EE4499F0B8}" sibTransId="{CDC60C96-298E-FC43-B684-0C663FCE5785}"/>
+    <dgm:cxn modelId="{970470AD-6AA5-8344-9FD1-1772C3893C52}" type="presOf" srcId="{8C8069CD-959D-9D4A-9ABD-5817462EEBF6}" destId="{A85479BA-39C3-B44C-8F28-84A809FAA5A1}" srcOrd="0" destOrd="2" presId="urn:microsoft.com/office/officeart/2005/8/layout/hList1"/>
     <dgm:cxn modelId="{B24B6C27-1328-D64D-82C4-A8ADB45E9BF7}" srcId="{8EB3D4DA-D392-624C-ACBA-01FCEF0039D1}" destId="{8A555377-C05A-8846-93A1-D11E746AD7A5}" srcOrd="0" destOrd="0" parTransId="{FA71FF4A-0D05-9046-8223-41581AEB7A56}" sibTransId="{A42AF4A5-12B9-9A47-87A1-A1080AFEF41D}"/>
     <dgm:cxn modelId="{BD826E33-4F4A-424B-8A9A-18DEC9A5DA62}" srcId="{0D594C62-8F0E-D547-B5C4-5454A990423E}" destId="{ABAEC531-3B7E-8C43-947C-01941E1C3768}" srcOrd="0" destOrd="0" parTransId="{95B22694-E70F-BA40-A0AF-AA4F7A94BF92}" sibTransId="{F8A9044D-EDC9-1E4A-82B2-CA2EF10AEE85}"/>
-    <dgm:cxn modelId="{77D2A235-EBAF-6F4A-B52D-E4EFBB604EFE}" type="presOf" srcId="{3DC5BF48-BA14-E94E-BE3F-8FB1C3CF1B90}" destId="{ECE4CE78-598F-7349-8860-765FB74D8A57}" srcOrd="0" destOrd="0" presId="urn:microsoft.com/office/officeart/2005/8/layout/hList1"/>
+    <dgm:cxn modelId="{22F1BE8A-8087-D042-8942-508C1308CD06}" srcId="{2C0A458E-41E7-0749-B5F3-B87B657B2C46}" destId="{E2F99037-DD6C-444C-8200-8A7A20646B44}" srcOrd="0" destOrd="0" parTransId="{0E183783-E209-9F4F-A70E-F492EA7BD742}" sibTransId="{1BC8B3A4-FB01-764A-8BED-6E8EB8032305}"/>
     <dgm:cxn modelId="{BC83073B-4613-0648-88AF-812CFA5098D4}" srcId="{2C0A458E-41E7-0749-B5F3-B87B657B2C46}" destId="{7D131D1C-F090-D04A-A63A-BBE136B185DA}" srcOrd="1" destOrd="0" parTransId="{6866C270-D1BB-114C-95FB-E9733E899357}" sibTransId="{9EB610D1-342B-B94E-AE57-D52C2F18278D}"/>
+    <dgm:cxn modelId="{481898B3-7418-894E-A791-4F84721C1A3C}" type="presOf" srcId="{2C0A458E-41E7-0749-B5F3-B87B657B2C46}" destId="{25F78C9F-B521-2441-8888-89EBACCB579C}" srcOrd="0" destOrd="0" presId="urn:microsoft.com/office/officeart/2005/8/layout/hList1"/>
+    <dgm:cxn modelId="{9C499E8F-780B-D84A-A972-D83685A19282}" type="presOf" srcId="{15AFFBE7-DAB1-FC45-9FC0-69BC8EFFD4BA}" destId="{DD81468D-FAD2-994B-B911-D934DCB70CA1}" srcOrd="0" destOrd="0" presId="urn:microsoft.com/office/officeart/2005/8/layout/hList1"/>
+    <dgm:cxn modelId="{EF28A899-EE90-804D-A835-5E18D8C75057}" srcId="{C8661A6B-810B-1E4B-B1CC-141DE757B849}" destId="{726FAEE0-0671-6A47-992E-19C958FAA5C0}" srcOrd="4" destOrd="0" parTransId="{2F18166A-B3FC-6142-9EE6-69B7FBBE776A}" sibTransId="{5E8048C6-AB64-C744-BC71-8297C7F11082}"/>
     <dgm:cxn modelId="{2759DD43-1160-1044-A393-4DA743613C0C}" type="presOf" srcId="{8A555377-C05A-8846-93A1-D11E746AD7A5}" destId="{20D095F7-62F7-7748-B677-217EAF898924}" srcOrd="0" destOrd="0" presId="urn:microsoft.com/office/officeart/2005/8/layout/hList1"/>
+    <dgm:cxn modelId="{CB125556-6806-D04F-B199-FDC2D0D9AE6D}" srcId="{3DC5BF48-BA14-E94E-BE3F-8FB1C3CF1B90}" destId="{15AFFBE7-DAB1-FC45-9FC0-69BC8EFFD4BA}" srcOrd="0" destOrd="0" parTransId="{8BD24FEB-079D-DD4D-9ED0-A15F63FF9A47}" sibTransId="{133DDD6A-9990-B948-8B47-3948C694B1CD}"/>
     <dgm:cxn modelId="{D838BC4F-8976-BD43-9465-5620F7EAB015}" type="presOf" srcId="{C8661A6B-810B-1E4B-B1CC-141DE757B849}" destId="{DCBBD6ED-E7E2-E641-94EA-3B38CC6CF4A5}" srcOrd="0" destOrd="0" presId="urn:microsoft.com/office/officeart/2005/8/layout/hList1"/>
-    <dgm:cxn modelId="{CB125556-6806-D04F-B199-FDC2D0D9AE6D}" srcId="{3DC5BF48-BA14-E94E-BE3F-8FB1C3CF1B90}" destId="{15AFFBE7-DAB1-FC45-9FC0-69BC8EFFD4BA}" srcOrd="0" destOrd="0" parTransId="{8BD24FEB-079D-DD4D-9ED0-A15F63FF9A47}" sibTransId="{133DDD6A-9990-B948-8B47-3948C694B1CD}"/>
-    <dgm:cxn modelId="{6D7E1459-596F-1E43-81B4-B1710AB5BCE8}" srcId="{3DC5BF48-BA14-E94E-BE3F-8FB1C3CF1B90}" destId="{969DF257-AE32-3940-821C-98D9DA62B596}" srcOrd="1" destOrd="0" parTransId="{899B722F-0208-884C-87B5-A4B5E83F6CA6}" sibTransId="{9C6A73F5-B390-6C48-94B3-31B88DAF5DBE}"/>
+    <dgm:cxn modelId="{7604DC7D-D5E0-9C4D-8786-9C0215029E69}" srcId="{C8661A6B-810B-1E4B-B1CC-141DE757B849}" destId="{2C0A458E-41E7-0749-B5F3-B87B657B2C46}" srcOrd="0" destOrd="0" parTransId="{85DFE8F1-77A0-D149-A78B-A94463996F28}" sibTransId="{B575B920-FFFA-344C-81D6-148E999212A2}"/>
+    <dgm:cxn modelId="{ECAF81A3-ACA0-3649-9D30-242B00837DB5}" type="presOf" srcId="{8EB3D4DA-D392-624C-ACBA-01FCEF0039D1}" destId="{ADACA0E1-9830-504A-819D-FA1ACF8A190B}" srcOrd="0" destOrd="0" presId="urn:microsoft.com/office/officeart/2005/8/layout/hList1"/>
     <dgm:cxn modelId="{20DE6B73-3698-9E41-BF10-05178F64D69D}" type="presOf" srcId="{9769F036-4C76-ED46-85A5-616220C10A05}" destId="{DD81468D-FAD2-994B-B911-D934DCB70CA1}" srcOrd="0" destOrd="2" presId="urn:microsoft.com/office/officeart/2005/8/layout/hList1"/>
     <dgm:cxn modelId="{05A24B7B-0A7A-D941-8899-E41721BD8E08}" type="presOf" srcId="{E2F99037-DD6C-444C-8200-8A7A20646B44}" destId="{A85479BA-39C3-B44C-8F28-84A809FAA5A1}" srcOrd="0" destOrd="0" presId="urn:microsoft.com/office/officeart/2005/8/layout/hList1"/>
-    <dgm:cxn modelId="{7604DC7D-D5E0-9C4D-8786-9C0215029E69}" srcId="{C8661A6B-810B-1E4B-B1CC-141DE757B849}" destId="{2C0A458E-41E7-0749-B5F3-B87B657B2C46}" srcOrd="0" destOrd="0" parTransId="{85DFE8F1-77A0-D149-A78B-A94463996F28}" sibTransId="{B575B920-FFFA-344C-81D6-148E999212A2}"/>
-    <dgm:cxn modelId="{770DD680-9B9E-1448-ACAC-4AC00C5F8673}" type="presOf" srcId="{969DF257-AE32-3940-821C-98D9DA62B596}" destId="{DD81468D-FAD2-994B-B911-D934DCB70CA1}" srcOrd="0" destOrd="1" presId="urn:microsoft.com/office/officeart/2005/8/layout/hList1"/>
-    <dgm:cxn modelId="{22F1BE8A-8087-D042-8942-508C1308CD06}" srcId="{2C0A458E-41E7-0749-B5F3-B87B657B2C46}" destId="{E2F99037-DD6C-444C-8200-8A7A20646B44}" srcOrd="0" destOrd="0" parTransId="{0E183783-E209-9F4F-A70E-F492EA7BD742}" sibTransId="{1BC8B3A4-FB01-764A-8BED-6E8EB8032305}"/>
-    <dgm:cxn modelId="{9C499E8F-780B-D84A-A972-D83685A19282}" type="presOf" srcId="{15AFFBE7-DAB1-FC45-9FC0-69BC8EFFD4BA}" destId="{DD81468D-FAD2-994B-B911-D934DCB70CA1}" srcOrd="0" destOrd="0" presId="urn:microsoft.com/office/officeart/2005/8/layout/hList1"/>
-    <dgm:cxn modelId="{E8165391-402A-7348-93C1-E044107B9AF2}" type="presOf" srcId="{0D594C62-8F0E-D547-B5C4-5454A990423E}" destId="{4B864F2B-A171-CA4C-8EC7-98380C9D7AAC}" srcOrd="0" destOrd="0" presId="urn:microsoft.com/office/officeart/2005/8/layout/hList1"/>
-    <dgm:cxn modelId="{F76BE794-DF5B-8545-8128-F63DFB80AADD}" srcId="{3DC5BF48-BA14-E94E-BE3F-8FB1C3CF1B90}" destId="{9769F036-4C76-ED46-85A5-616220C10A05}" srcOrd="2" destOrd="0" parTransId="{157B4043-DCCF-804B-9AEB-31EE4499F0B8}" sibTransId="{CDC60C96-298E-FC43-B684-0C663FCE5785}"/>
-    <dgm:cxn modelId="{EB007095-A9B2-5445-A1F5-5A90AE429483}" type="presOf" srcId="{7D131D1C-F090-D04A-A63A-BBE136B185DA}" destId="{A85479BA-39C3-B44C-8F28-84A809FAA5A1}" srcOrd="0" destOrd="1" presId="urn:microsoft.com/office/officeart/2005/8/layout/hList1"/>
-    <dgm:cxn modelId="{EF28A899-EE90-804D-A835-5E18D8C75057}" srcId="{C8661A6B-810B-1E4B-B1CC-141DE757B849}" destId="{726FAEE0-0671-6A47-992E-19C958FAA5C0}" srcOrd="4" destOrd="0" parTransId="{2F18166A-B3FC-6142-9EE6-69B7FBBE776A}" sibTransId="{5E8048C6-AB64-C744-BC71-8297C7F11082}"/>
-    <dgm:cxn modelId="{ECAF81A3-ACA0-3649-9D30-242B00837DB5}" type="presOf" srcId="{8EB3D4DA-D392-624C-ACBA-01FCEF0039D1}" destId="{ADACA0E1-9830-504A-819D-FA1ACF8A190B}" srcOrd="0" destOrd="0" presId="urn:microsoft.com/office/officeart/2005/8/layout/hList1"/>
-    <dgm:cxn modelId="{970470AD-6AA5-8344-9FD1-1772C3893C52}" type="presOf" srcId="{8C8069CD-959D-9D4A-9ABD-5817462EEBF6}" destId="{A85479BA-39C3-B44C-8F28-84A809FAA5A1}" srcOrd="0" destOrd="2" presId="urn:microsoft.com/office/officeart/2005/8/layout/hList1"/>
-    <dgm:cxn modelId="{481898B3-7418-894E-A791-4F84721C1A3C}" type="presOf" srcId="{2C0A458E-41E7-0749-B5F3-B87B657B2C46}" destId="{25F78C9F-B521-2441-8888-89EBACCB579C}" srcOrd="0" destOrd="0" presId="urn:microsoft.com/office/officeart/2005/8/layout/hList1"/>
-    <dgm:cxn modelId="{834412BB-BB26-C04C-A7F4-415DA9A5AB3E}" type="presOf" srcId="{D0F5AB6F-AA61-1842-ADBB-8A8C76FD68DD}" destId="{20D095F7-62F7-7748-B677-217EAF898924}" srcOrd="0" destOrd="1" presId="urn:microsoft.com/office/officeart/2005/8/layout/hList1"/>
-    <dgm:cxn modelId="{2A7391BD-E933-724E-B9B1-BA636999FB1D}" srcId="{C8661A6B-810B-1E4B-B1CC-141DE757B849}" destId="{3DC5BF48-BA14-E94E-BE3F-8FB1C3CF1B90}" srcOrd="1" destOrd="0" parTransId="{66636137-4F14-C340-9E6A-C098E47B6F2F}" sibTransId="{E2837041-A437-774B-A318-B655203B6D90}"/>
-    <dgm:cxn modelId="{B308C8BD-5034-E74C-8CFA-FD678506FAEA}" srcId="{C8661A6B-810B-1E4B-B1CC-141DE757B849}" destId="{0D594C62-8F0E-D547-B5C4-5454A990423E}" srcOrd="3" destOrd="0" parTransId="{FE0DCDF9-B2F9-D24B-BA5F-F37FD6FA0851}" sibTransId="{C6B30F07-7703-C24B-B99C-F227B6A1DD06}"/>
-    <dgm:cxn modelId="{C882F2C5-E6E0-944D-B8F0-974B83B5B5D3}" srcId="{2C0A458E-41E7-0749-B5F3-B87B657B2C46}" destId="{8C8069CD-959D-9D4A-9ABD-5817462EEBF6}" srcOrd="2" destOrd="0" parTransId="{481DF761-3B74-B14E-B504-A2D81087B8DE}" sibTransId="{66F90A01-CE31-CF4D-A82B-776B9E72F357}"/>
-    <dgm:cxn modelId="{1E5F0CCA-8CF7-3145-9F8A-F2D6CF258F45}" type="presOf" srcId="{726FAEE0-0671-6A47-992E-19C958FAA5C0}" destId="{3D66253D-95FC-7548-B49C-8D3767F33B71}" srcOrd="0" destOrd="0" presId="urn:microsoft.com/office/officeart/2005/8/layout/hList1"/>
-    <dgm:cxn modelId="{0DFB3AE6-68B7-2E46-8331-94C6789F6430}" type="presOf" srcId="{B104E1B0-0B7A-2D46-BBDC-0278907C22A0}" destId="{5C72DD71-135D-9842-880A-888477FED38E}" srcOrd="0" destOrd="0" presId="urn:microsoft.com/office/officeart/2005/8/layout/hList1"/>
-    <dgm:cxn modelId="{AB9249E6-EA10-9547-ABEB-157FFF007F8A}" srcId="{726FAEE0-0671-6A47-992E-19C958FAA5C0}" destId="{B104E1B0-0B7A-2D46-BBDC-0278907C22A0}" srcOrd="0" destOrd="0" parTransId="{3FC769AB-EBF6-DB47-AE23-6A9F1B819A57}" sibTransId="{4EC74BF3-5D61-FE45-AF6F-E01E9EE4F832}"/>
-    <dgm:cxn modelId="{4C9024EB-A0A4-D343-962F-84342230B98F}" type="presOf" srcId="{ABAEC531-3B7E-8C43-947C-01941E1C3768}" destId="{617F9704-C5B9-1648-98CF-94F97120C572}" srcOrd="0" destOrd="0" presId="urn:microsoft.com/office/officeart/2005/8/layout/hList1"/>
-    <dgm:cxn modelId="{A24F04F8-2A68-1841-B2F0-DC0315498993}" srcId="{8EB3D4DA-D392-624C-ACBA-01FCEF0039D1}" destId="{D0F5AB6F-AA61-1842-ADBB-8A8C76FD68DD}" srcOrd="1" destOrd="0" parTransId="{63FFC8E7-2D75-5349-83DF-D30B2105CE85}" sibTransId="{2B38A7C9-399A-364B-831A-2FCEE643928E}"/>
     <dgm:cxn modelId="{4D162DBB-9E40-B14B-9096-C651217A8161}" type="presParOf" srcId="{DCBBD6ED-E7E2-E641-94EA-3B38CC6CF4A5}" destId="{9F03E44B-F21C-A74E-8366-EA8D85CC04EA}" srcOrd="0" destOrd="0" presId="urn:microsoft.com/office/officeart/2005/8/layout/hList1"/>
     <dgm:cxn modelId="{88B32E11-C6D5-1B4E-B1B1-C841B86D33DC}" type="presParOf" srcId="{9F03E44B-F21C-A74E-8366-EA8D85CC04EA}" destId="{25F78C9F-B521-2441-8888-89EBACCB579C}" srcOrd="0" destOrd="0" presId="urn:microsoft.com/office/officeart/2005/8/layout/hList1"/>
     <dgm:cxn modelId="{2B6C4102-AD3B-714C-8D58-F8BC3669FE0A}" type="presParOf" srcId="{9F03E44B-F21C-A74E-8366-EA8D85CC04EA}" destId="{A85479BA-39C3-B44C-8F28-84A809FAA5A1}" srcOrd="1" destOrd="0" presId="urn:microsoft.com/office/officeart/2005/8/layout/hList1"/>
@@ -3280,6 +3357,13 @@
         </dgm:presLayoutVars>
       </dgm:prSet>
       <dgm:spPr/>
+      <dgm:t>
+        <a:bodyPr/>
+        <a:lstStyle/>
+        <a:p>
+          <a:endParaRPr lang="fr-FR"/>
+        </a:p>
+      </dgm:t>
     </dgm:pt>
     <dgm:pt modelId="{9F03E44B-F21C-A74E-8366-EA8D85CC04EA}" type="pres">
       <dgm:prSet presAssocID="{2C0A458E-41E7-0749-B5F3-B87B657B2C46}" presName="composite" presStyleCnt="0"/>
@@ -3294,6 +3378,13 @@
         </dgm:presLayoutVars>
       </dgm:prSet>
       <dgm:spPr/>
+      <dgm:t>
+        <a:bodyPr/>
+        <a:lstStyle/>
+        <a:p>
+          <a:endParaRPr lang="fr-FR"/>
+        </a:p>
+      </dgm:t>
     </dgm:pt>
     <dgm:pt modelId="{A85479BA-39C3-B44C-8F28-84A809FAA5A1}" type="pres">
       <dgm:prSet presAssocID="{2C0A458E-41E7-0749-B5F3-B87B657B2C46}" presName="desTx" presStyleLbl="alignAccFollowNode1" presStyleIdx="0" presStyleCnt="5">
@@ -3302,6 +3393,13 @@
         </dgm:presLayoutVars>
       </dgm:prSet>
       <dgm:spPr/>
+      <dgm:t>
+        <a:bodyPr/>
+        <a:lstStyle/>
+        <a:p>
+          <a:endParaRPr lang="fr-FR"/>
+        </a:p>
+      </dgm:t>
     </dgm:pt>
     <dgm:pt modelId="{B327CB47-6E17-5948-874C-31D0E69A2BEE}" type="pres">
       <dgm:prSet presAssocID="{B575B920-FFFA-344C-81D6-148E999212A2}" presName="space" presStyleCnt="0"/>
@@ -3320,6 +3418,13 @@
         </dgm:presLayoutVars>
       </dgm:prSet>
       <dgm:spPr/>
+      <dgm:t>
+        <a:bodyPr/>
+        <a:lstStyle/>
+        <a:p>
+          <a:endParaRPr lang="fr-FR"/>
+        </a:p>
+      </dgm:t>
     </dgm:pt>
     <dgm:pt modelId="{DD81468D-FAD2-994B-B911-D934DCB70CA1}" type="pres">
       <dgm:prSet presAssocID="{3DC5BF48-BA14-E94E-BE3F-8FB1C3CF1B90}" presName="desTx" presStyleLbl="alignAccFollowNode1" presStyleIdx="1" presStyleCnt="5">
@@ -3328,6 +3433,13 @@
         </dgm:presLayoutVars>
       </dgm:prSet>
       <dgm:spPr/>
+      <dgm:t>
+        <a:bodyPr/>
+        <a:lstStyle/>
+        <a:p>
+          <a:endParaRPr lang="fr-FR"/>
+        </a:p>
+      </dgm:t>
     </dgm:pt>
     <dgm:pt modelId="{B8F785C1-DBB7-B746-B4C6-AE6279F67232}" type="pres">
       <dgm:prSet presAssocID="{E2837041-A437-774B-A318-B655203B6D90}" presName="space" presStyleCnt="0"/>
@@ -3346,6 +3458,13 @@
         </dgm:presLayoutVars>
       </dgm:prSet>
       <dgm:spPr/>
+      <dgm:t>
+        <a:bodyPr/>
+        <a:lstStyle/>
+        <a:p>
+          <a:endParaRPr lang="fr-FR"/>
+        </a:p>
+      </dgm:t>
     </dgm:pt>
     <dgm:pt modelId="{20D095F7-62F7-7748-B677-217EAF898924}" type="pres">
       <dgm:prSet presAssocID="{8EB3D4DA-D392-624C-ACBA-01FCEF0039D1}" presName="desTx" presStyleLbl="alignAccFollowNode1" presStyleIdx="2" presStyleCnt="5">
@@ -3354,6 +3473,13 @@
         </dgm:presLayoutVars>
       </dgm:prSet>
       <dgm:spPr/>
+      <dgm:t>
+        <a:bodyPr/>
+        <a:lstStyle/>
+        <a:p>
+          <a:endParaRPr lang="fr-FR"/>
+        </a:p>
+      </dgm:t>
     </dgm:pt>
     <dgm:pt modelId="{285CB6E8-F646-3048-87C1-F07CFEEBEBDC}" type="pres">
       <dgm:prSet presAssocID="{FDBEC8E4-56A3-A844-B9B6-F6031FEBD7F8}" presName="space" presStyleCnt="0"/>
@@ -3372,6 +3498,13 @@
         </dgm:presLayoutVars>
       </dgm:prSet>
       <dgm:spPr/>
+      <dgm:t>
+        <a:bodyPr/>
+        <a:lstStyle/>
+        <a:p>
+          <a:endParaRPr lang="fr-FR"/>
+        </a:p>
+      </dgm:t>
     </dgm:pt>
     <dgm:pt modelId="{617F9704-C5B9-1648-98CF-94F97120C572}" type="pres">
       <dgm:prSet presAssocID="{0D594C62-8F0E-D547-B5C4-5454A990423E}" presName="desTx" presStyleLbl="alignAccFollowNode1" presStyleIdx="3" presStyleCnt="5">
@@ -3380,6 +3513,13 @@
         </dgm:presLayoutVars>
       </dgm:prSet>
       <dgm:spPr/>
+      <dgm:t>
+        <a:bodyPr/>
+        <a:lstStyle/>
+        <a:p>
+          <a:endParaRPr lang="fr-FR"/>
+        </a:p>
+      </dgm:t>
     </dgm:pt>
     <dgm:pt modelId="{60BC2F4A-0F98-314D-8F14-6A231276C546}" type="pres">
       <dgm:prSet presAssocID="{C6B30F07-7703-C24B-B99C-F227B6A1DD06}" presName="space" presStyleCnt="0"/>
@@ -3398,6 +3538,13 @@
         </dgm:presLayoutVars>
       </dgm:prSet>
       <dgm:spPr/>
+      <dgm:t>
+        <a:bodyPr/>
+        <a:lstStyle/>
+        <a:p>
+          <a:endParaRPr lang="fr-FR"/>
+        </a:p>
+      </dgm:t>
     </dgm:pt>
     <dgm:pt modelId="{5C72DD71-135D-9842-880A-888477FED38E}" type="pres">
       <dgm:prSet presAssocID="{726FAEE0-0671-6A47-992E-19C958FAA5C0}" presName="desTx" presStyleLbl="alignAccFollowNode1" presStyleIdx="4" presStyleCnt="5">
@@ -3406,48 +3553,55 @@
         </dgm:presLayoutVars>
       </dgm:prSet>
       <dgm:spPr/>
+      <dgm:t>
+        <a:bodyPr/>
+        <a:lstStyle/>
+        <a:p>
+          <a:endParaRPr lang="fr-FR"/>
+        </a:p>
+      </dgm:t>
     </dgm:pt>
   </dgm:ptLst>
   <dgm:cxnLst>
-    <dgm:cxn modelId="{F5E0E600-20DE-2A40-8E81-8B907B1030A6}" type="presOf" srcId="{2D8CDDA4-D3AB-9E47-B00E-87DCAED83B87}" destId="{A85479BA-39C3-B44C-8F28-84A809FAA5A1}" srcOrd="0" destOrd="0" presId="urn:microsoft.com/office/officeart/2005/8/layout/hList1"/>
-    <dgm:cxn modelId="{D61FA604-1C4A-7340-94AD-0D0E57B936BC}" type="presOf" srcId="{DE1CDDE1-B268-7548-8985-61F74E9269E2}" destId="{20D095F7-62F7-7748-B677-217EAF898924}" srcOrd="0" destOrd="2" presId="urn:microsoft.com/office/officeart/2005/8/layout/hList1"/>
     <dgm:cxn modelId="{0D42DA19-A0B1-5844-A3E3-808AD29B097B}" srcId="{C8661A6B-810B-1E4B-B1CC-141DE757B849}" destId="{8EB3D4DA-D392-624C-ACBA-01FCEF0039D1}" srcOrd="2" destOrd="0" parTransId="{10862054-81DB-8242-A4C6-06EAE50C713F}" sibTransId="{FDBEC8E4-56A3-A844-B9B6-F6031FEBD7F8}"/>
-    <dgm:cxn modelId="{F6CFB626-0E56-0B44-8EF2-464372C4762C}" type="presOf" srcId="{9794766A-8C01-0E48-91EA-38B71167FB12}" destId="{617F9704-C5B9-1648-98CF-94F97120C572}" srcOrd="0" destOrd="0" presId="urn:microsoft.com/office/officeart/2005/8/layout/hList1"/>
-    <dgm:cxn modelId="{B24B6C27-1328-D64D-82C4-A8ADB45E9BF7}" srcId="{8EB3D4DA-D392-624C-ACBA-01FCEF0039D1}" destId="{8A555377-C05A-8846-93A1-D11E746AD7A5}" srcOrd="0" destOrd="0" parTransId="{FA71FF4A-0D05-9046-8223-41581AEB7A56}" sibTransId="{A42AF4A5-12B9-9A47-87A1-A1080AFEF41D}"/>
+    <dgm:cxn modelId="{2ED8D059-9856-FF46-BDDB-282375D96933}" srcId="{726FAEE0-0671-6A47-992E-19C958FAA5C0}" destId="{FD5B6DB0-8903-9A41-987A-7619C3A6D6F4}" srcOrd="0" destOrd="0" parTransId="{0C5AD9DB-07F0-E44E-9A6E-114F0755E04E}" sibTransId="{69BBBF78-3A94-2E43-83D7-80F5241431D3}"/>
+    <dgm:cxn modelId="{4FECE9CC-0BBD-4044-81FD-9FCF00643F32}" type="presOf" srcId="{960A4DE7-D040-C34C-BDE1-053507B5D5FA}" destId="{617F9704-C5B9-1648-98CF-94F97120C572}" srcOrd="0" destOrd="3" presId="urn:microsoft.com/office/officeart/2005/8/layout/hList1"/>
+    <dgm:cxn modelId="{6FAD4A6E-7329-6149-A025-6A4491A0D4E4}" srcId="{2C0A458E-41E7-0749-B5F3-B87B657B2C46}" destId="{2D8CDDA4-D3AB-9E47-B00E-87DCAED83B87}" srcOrd="0" destOrd="0" parTransId="{8A7665EC-796D-A24C-A7F2-A6B6B5E0B8AA}" sibTransId="{3F2151BD-3470-9243-83B7-646636527AA1}"/>
     <dgm:cxn modelId="{F0670E2E-14D5-9F47-B6F9-DC9C974B0604}" srcId="{2C0A458E-41E7-0749-B5F3-B87B657B2C46}" destId="{9660AFDC-9955-D145-AA07-BA322E204FF1}" srcOrd="2" destOrd="0" parTransId="{A6C1C37F-5C64-984E-AAAF-AF823D71741C}" sibTransId="{B4E61655-3402-CD4D-86CF-CD333176EE4F}"/>
-    <dgm:cxn modelId="{2721F933-D91A-3B4C-829A-490E447893D9}" srcId="{0D594C62-8F0E-D547-B5C4-5454A990423E}" destId="{C90DA8F3-948E-5E47-8D95-D8BAF110C8B0}" srcOrd="1" destOrd="0" parTransId="{5D217272-209D-8A43-A914-E00481776B30}" sibTransId="{F0883202-FFD2-5142-9027-0DC0A2124AD6}"/>
+    <dgm:cxn modelId="{5D8F6DEA-5CF5-6147-929E-1EC6EAF9490F}" type="presOf" srcId="{60F038A9-D549-3F47-9C60-952B3F373EAE}" destId="{617F9704-C5B9-1648-98CF-94F97120C572}" srcOrd="0" destOrd="4" presId="urn:microsoft.com/office/officeart/2005/8/layout/hList1"/>
     <dgm:cxn modelId="{77D2A235-EBAF-6F4A-B52D-E4EFBB604EFE}" type="presOf" srcId="{3DC5BF48-BA14-E94E-BE3F-8FB1C3CF1B90}" destId="{ECE4CE78-598F-7349-8860-765FB74D8A57}" srcOrd="0" destOrd="0" presId="urn:microsoft.com/office/officeart/2005/8/layout/hList1"/>
-    <dgm:cxn modelId="{2759DD43-1160-1044-A393-4DA743613C0C}" type="presOf" srcId="{8A555377-C05A-8846-93A1-D11E746AD7A5}" destId="{20D095F7-62F7-7748-B677-217EAF898924}" srcOrd="0" destOrd="0" presId="urn:microsoft.com/office/officeart/2005/8/layout/hList1"/>
-    <dgm:cxn modelId="{D838BC4F-8976-BD43-9465-5620F7EAB015}" type="presOf" srcId="{C8661A6B-810B-1E4B-B1CC-141DE757B849}" destId="{DCBBD6ED-E7E2-E641-94EA-3B38CC6CF4A5}" srcOrd="0" destOrd="0" presId="urn:microsoft.com/office/officeart/2005/8/layout/hList1"/>
-    <dgm:cxn modelId="{CB125556-6806-D04F-B199-FDC2D0D9AE6D}" srcId="{3DC5BF48-BA14-E94E-BE3F-8FB1C3CF1B90}" destId="{15AFFBE7-DAB1-FC45-9FC0-69BC8EFFD4BA}" srcOrd="0" destOrd="0" parTransId="{8BD24FEB-079D-DD4D-9ED0-A15F63FF9A47}" sibTransId="{133DDD6A-9990-B948-8B47-3948C694B1CD}"/>
-    <dgm:cxn modelId="{2ED8D059-9856-FF46-BDDB-282375D96933}" srcId="{726FAEE0-0671-6A47-992E-19C958FAA5C0}" destId="{FD5B6DB0-8903-9A41-987A-7619C3A6D6F4}" srcOrd="0" destOrd="0" parTransId="{0C5AD9DB-07F0-E44E-9A6E-114F0755E04E}" sibTransId="{69BBBF78-3A94-2E43-83D7-80F5241431D3}"/>
+    <dgm:cxn modelId="{E8165391-402A-7348-93C1-E044107B9AF2}" type="presOf" srcId="{0D594C62-8F0E-D547-B5C4-5454A990423E}" destId="{4B864F2B-A171-CA4C-8EC7-98380C9D7AAC}" srcOrd="0" destOrd="0" presId="urn:microsoft.com/office/officeart/2005/8/layout/hList1"/>
+    <dgm:cxn modelId="{C8720D7E-F463-3F4D-A842-D768FCF58084}" type="presOf" srcId="{9BCFE93D-6E84-5B41-801F-56F19DAAF022}" destId="{DD81468D-FAD2-994B-B911-D934DCB70CA1}" srcOrd="0" destOrd="1" presId="urn:microsoft.com/office/officeart/2005/8/layout/hList1"/>
     <dgm:cxn modelId="{002F695F-F451-1A4B-AAE9-1AD10E9C53BC}" srcId="{3DC5BF48-BA14-E94E-BE3F-8FB1C3CF1B90}" destId="{9BCFE93D-6E84-5B41-801F-56F19DAAF022}" srcOrd="1" destOrd="0" parTransId="{46E92058-9D74-764A-9EFC-E66B9D8CC71B}" sibTransId="{27A58515-4A87-C74B-9454-6E1124391473}"/>
-    <dgm:cxn modelId="{6FAD4A6E-7329-6149-A025-6A4491A0D4E4}" srcId="{2C0A458E-41E7-0749-B5F3-B87B657B2C46}" destId="{2D8CDDA4-D3AB-9E47-B00E-87DCAED83B87}" srcOrd="0" destOrd="0" parTransId="{8A7665EC-796D-A24C-A7F2-A6B6B5E0B8AA}" sibTransId="{3F2151BD-3470-9243-83B7-646636527AA1}"/>
-    <dgm:cxn modelId="{05A24B7B-0A7A-D941-8899-E41721BD8E08}" type="presOf" srcId="{E2F99037-DD6C-444C-8200-8A7A20646B44}" destId="{A85479BA-39C3-B44C-8F28-84A809FAA5A1}" srcOrd="0" destOrd="1" presId="urn:microsoft.com/office/officeart/2005/8/layout/hList1"/>
-    <dgm:cxn modelId="{7604DC7D-D5E0-9C4D-8786-9C0215029E69}" srcId="{C8661A6B-810B-1E4B-B1CC-141DE757B849}" destId="{2C0A458E-41E7-0749-B5F3-B87B657B2C46}" srcOrd="0" destOrd="0" parTransId="{85DFE8F1-77A0-D149-A78B-A94463996F28}" sibTransId="{B575B920-FFFA-344C-81D6-148E999212A2}"/>
-    <dgm:cxn modelId="{C8720D7E-F463-3F4D-A842-D768FCF58084}" type="presOf" srcId="{9BCFE93D-6E84-5B41-801F-56F19DAAF022}" destId="{DD81468D-FAD2-994B-B911-D934DCB70CA1}" srcOrd="0" destOrd="1" presId="urn:microsoft.com/office/officeart/2005/8/layout/hList1"/>
-    <dgm:cxn modelId="{22F1BE8A-8087-D042-8942-508C1308CD06}" srcId="{2C0A458E-41E7-0749-B5F3-B87B657B2C46}" destId="{E2F99037-DD6C-444C-8200-8A7A20646B44}" srcOrd="1" destOrd="0" parTransId="{0E183783-E209-9F4F-A70E-F492EA7BD742}" sibTransId="{1BC8B3A4-FB01-764A-8BED-6E8EB8032305}"/>
-    <dgm:cxn modelId="{9C499E8F-780B-D84A-A972-D83685A19282}" type="presOf" srcId="{15AFFBE7-DAB1-FC45-9FC0-69BC8EFFD4BA}" destId="{DD81468D-FAD2-994B-B911-D934DCB70CA1}" srcOrd="0" destOrd="0" presId="urn:microsoft.com/office/officeart/2005/8/layout/hList1"/>
-    <dgm:cxn modelId="{E8165391-402A-7348-93C1-E044107B9AF2}" type="presOf" srcId="{0D594C62-8F0E-D547-B5C4-5454A990423E}" destId="{4B864F2B-A171-CA4C-8EC7-98380C9D7AAC}" srcOrd="0" destOrd="0" presId="urn:microsoft.com/office/officeart/2005/8/layout/hList1"/>
-    <dgm:cxn modelId="{15CE1192-BA53-964B-9F08-908393A01D2E}" type="presOf" srcId="{9660AFDC-9955-D145-AA07-BA322E204FF1}" destId="{A85479BA-39C3-B44C-8F28-84A809FAA5A1}" srcOrd="0" destOrd="2" presId="urn:microsoft.com/office/officeart/2005/8/layout/hList1"/>
-    <dgm:cxn modelId="{9DCBD597-D7C6-BB40-BBA9-AAA3815FF3ED}" srcId="{0D594C62-8F0E-D547-B5C4-5454A990423E}" destId="{960A4DE7-D040-C34C-BDE1-053507B5D5FA}" srcOrd="3" destOrd="0" parTransId="{E0587E6D-63CC-8243-A87A-C082692CF03E}" sibTransId="{D44503DF-7CCD-BB4A-9CB0-CA3BBA4B79F3}"/>
-    <dgm:cxn modelId="{EF28A899-EE90-804D-A835-5E18D8C75057}" srcId="{C8661A6B-810B-1E4B-B1CC-141DE757B849}" destId="{726FAEE0-0671-6A47-992E-19C958FAA5C0}" srcOrd="4" destOrd="0" parTransId="{2F18166A-B3FC-6142-9EE6-69B7FBBE776A}" sibTransId="{5E8048C6-AB64-C744-BC71-8297C7F11082}"/>
-    <dgm:cxn modelId="{A0DBB09D-7EDD-1148-9333-DCE4C93BA9D7}" srcId="{0D594C62-8F0E-D547-B5C4-5454A990423E}" destId="{9794766A-8C01-0E48-91EA-38B71167FB12}" srcOrd="0" destOrd="0" parTransId="{D5ED0948-3692-0F48-8054-F38A33146C84}" sibTransId="{AD5BA8C9-50EC-8149-9EB8-8BC88A3B2CED}"/>
-    <dgm:cxn modelId="{F03D22A0-61F8-9949-94DF-881B03906FB0}" srcId="{8EB3D4DA-D392-624C-ACBA-01FCEF0039D1}" destId="{DE1CDDE1-B268-7548-8985-61F74E9269E2}" srcOrd="2" destOrd="0" parTransId="{6D7F318D-F80C-6845-9578-A6979BF57975}" sibTransId="{1FC01AD1-4FC9-074B-B42A-F4B832EDFC4D}"/>
-    <dgm:cxn modelId="{ECAF81A3-ACA0-3649-9D30-242B00837DB5}" type="presOf" srcId="{8EB3D4DA-D392-624C-ACBA-01FCEF0039D1}" destId="{ADACA0E1-9830-504A-819D-FA1ACF8A190B}" srcOrd="0" destOrd="0" presId="urn:microsoft.com/office/officeart/2005/8/layout/hList1"/>
-    <dgm:cxn modelId="{E9BE94A7-DA39-C840-9B01-6DBE523708CD}" srcId="{8EB3D4DA-D392-624C-ACBA-01FCEF0039D1}" destId="{9B3E5AEA-B70D-D64C-8C1D-10A6FB51ABAC}" srcOrd="1" destOrd="0" parTransId="{1495C82C-8764-6441-89E2-F327E9C03D4B}" sibTransId="{1DA55D21-382C-1F4A-9B46-B7D18EC4F32F}"/>
-    <dgm:cxn modelId="{481898B3-7418-894E-A791-4F84721C1A3C}" type="presOf" srcId="{2C0A458E-41E7-0749-B5F3-B87B657B2C46}" destId="{25F78C9F-B521-2441-8888-89EBACCB579C}" srcOrd="0" destOrd="0" presId="urn:microsoft.com/office/officeart/2005/8/layout/hList1"/>
-    <dgm:cxn modelId="{F830BBB5-4B41-074F-85B1-93632C832A8E}" type="presOf" srcId="{9B3E5AEA-B70D-D64C-8C1D-10A6FB51ABAC}" destId="{20D095F7-62F7-7748-B677-217EAF898924}" srcOrd="0" destOrd="1" presId="urn:microsoft.com/office/officeart/2005/8/layout/hList1"/>
+    <dgm:cxn modelId="{1E5F0CCA-8CF7-3145-9F8A-F2D6CF258F45}" type="presOf" srcId="{726FAEE0-0671-6A47-992E-19C958FAA5C0}" destId="{3D66253D-95FC-7548-B49C-8D3767F33B71}" srcOrd="0" destOrd="0" presId="urn:microsoft.com/office/officeart/2005/8/layout/hList1"/>
     <dgm:cxn modelId="{2A7391BD-E933-724E-B9B1-BA636999FB1D}" srcId="{C8661A6B-810B-1E4B-B1CC-141DE757B849}" destId="{3DC5BF48-BA14-E94E-BE3F-8FB1C3CF1B90}" srcOrd="1" destOrd="0" parTransId="{66636137-4F14-C340-9E6A-C098E47B6F2F}" sibTransId="{E2837041-A437-774B-A318-B655203B6D90}"/>
     <dgm:cxn modelId="{B308C8BD-5034-E74C-8CFA-FD678506FAEA}" srcId="{C8661A6B-810B-1E4B-B1CC-141DE757B849}" destId="{0D594C62-8F0E-D547-B5C4-5454A990423E}" srcOrd="3" destOrd="0" parTransId="{FE0DCDF9-B2F9-D24B-BA5F-F37FD6FA0851}" sibTransId="{C6B30F07-7703-C24B-B99C-F227B6A1DD06}"/>
+    <dgm:cxn modelId="{C48EE2E0-D7CA-EF46-88C1-F0D9323B00ED}" type="presOf" srcId="{FD5B6DB0-8903-9A41-987A-7619C3A6D6F4}" destId="{5C72DD71-135D-9842-880A-888477FED38E}" srcOrd="0" destOrd="0" presId="urn:microsoft.com/office/officeart/2005/8/layout/hList1"/>
+    <dgm:cxn modelId="{F03D22A0-61F8-9949-94DF-881B03906FB0}" srcId="{8EB3D4DA-D392-624C-ACBA-01FCEF0039D1}" destId="{DE1CDDE1-B268-7548-8985-61F74E9269E2}" srcOrd="2" destOrd="0" parTransId="{6D7F318D-F80C-6845-9578-A6979BF57975}" sibTransId="{1FC01AD1-4FC9-074B-B42A-F4B832EDFC4D}"/>
+    <dgm:cxn modelId="{2721F933-D91A-3B4C-829A-490E447893D9}" srcId="{0D594C62-8F0E-D547-B5C4-5454A990423E}" destId="{C90DA8F3-948E-5E47-8D95-D8BAF110C8B0}" srcOrd="1" destOrd="0" parTransId="{5D217272-209D-8A43-A914-E00481776B30}" sibTransId="{F0883202-FFD2-5142-9027-0DC0A2124AD6}"/>
+    <dgm:cxn modelId="{F5E0E600-20DE-2A40-8E81-8B907B1030A6}" type="presOf" srcId="{2D8CDDA4-D3AB-9E47-B00E-87DCAED83B87}" destId="{A85479BA-39C3-B44C-8F28-84A809FAA5A1}" srcOrd="0" destOrd="0" presId="urn:microsoft.com/office/officeart/2005/8/layout/hList1"/>
+    <dgm:cxn modelId="{15CE1192-BA53-964B-9F08-908393A01D2E}" type="presOf" srcId="{9660AFDC-9955-D145-AA07-BA322E204FF1}" destId="{A85479BA-39C3-B44C-8F28-84A809FAA5A1}" srcOrd="0" destOrd="2" presId="urn:microsoft.com/office/officeart/2005/8/layout/hList1"/>
+    <dgm:cxn modelId="{F6CFB626-0E56-0B44-8EF2-464372C4762C}" type="presOf" srcId="{9794766A-8C01-0E48-91EA-38B71167FB12}" destId="{617F9704-C5B9-1648-98CF-94F97120C572}" srcOrd="0" destOrd="0" presId="urn:microsoft.com/office/officeart/2005/8/layout/hList1"/>
+    <dgm:cxn modelId="{02474DEB-CE66-9F49-874C-9046605C29DB}" type="presOf" srcId="{9A9CBCCD-57D6-6049-97A4-2D69B1D04227}" destId="{617F9704-C5B9-1648-98CF-94F97120C572}" srcOrd="0" destOrd="2" presId="urn:microsoft.com/office/officeart/2005/8/layout/hList1"/>
+    <dgm:cxn modelId="{045B70CB-FAA3-5D4D-B883-45F63E7E3F92}" srcId="{0D594C62-8F0E-D547-B5C4-5454A990423E}" destId="{60F038A9-D549-3F47-9C60-952B3F373EAE}" srcOrd="4" destOrd="0" parTransId="{9334ABF3-FD4B-7441-9DAA-A87EBE87EC64}" sibTransId="{9615906F-4BE0-2C47-B238-AFB062BC6D7D}"/>
+    <dgm:cxn modelId="{E9BE94A7-DA39-C840-9B01-6DBE523708CD}" srcId="{8EB3D4DA-D392-624C-ACBA-01FCEF0039D1}" destId="{9B3E5AEA-B70D-D64C-8C1D-10A6FB51ABAC}" srcOrd="1" destOrd="0" parTransId="{1495C82C-8764-6441-89E2-F327E9C03D4B}" sibTransId="{1DA55D21-382C-1F4A-9B46-B7D18EC4F32F}"/>
+    <dgm:cxn modelId="{B24B6C27-1328-D64D-82C4-A8ADB45E9BF7}" srcId="{8EB3D4DA-D392-624C-ACBA-01FCEF0039D1}" destId="{8A555377-C05A-8846-93A1-D11E746AD7A5}" srcOrd="0" destOrd="0" parTransId="{FA71FF4A-0D05-9046-8223-41581AEB7A56}" sibTransId="{A42AF4A5-12B9-9A47-87A1-A1080AFEF41D}"/>
+    <dgm:cxn modelId="{F830BBB5-4B41-074F-85B1-93632C832A8E}" type="presOf" srcId="{9B3E5AEA-B70D-D64C-8C1D-10A6FB51ABAC}" destId="{20D095F7-62F7-7748-B677-217EAF898924}" srcOrd="0" destOrd="1" presId="urn:microsoft.com/office/officeart/2005/8/layout/hList1"/>
+    <dgm:cxn modelId="{4E85FED1-BB96-FD4E-951B-9804DE3F60AF}" srcId="{0D594C62-8F0E-D547-B5C4-5454A990423E}" destId="{9A9CBCCD-57D6-6049-97A4-2D69B1D04227}" srcOrd="2" destOrd="0" parTransId="{77709DF4-EF9D-1A4D-9774-B1816260482D}" sibTransId="{D7366BFB-E631-D74B-9BCC-B7D13F503B00}"/>
     <dgm:cxn modelId="{18DEE5BD-41A7-444F-BD52-DB2045FAD376}" type="presOf" srcId="{C90DA8F3-948E-5E47-8D95-D8BAF110C8B0}" destId="{617F9704-C5B9-1648-98CF-94F97120C572}" srcOrd="0" destOrd="1" presId="urn:microsoft.com/office/officeart/2005/8/layout/hList1"/>
-    <dgm:cxn modelId="{1E5F0CCA-8CF7-3145-9F8A-F2D6CF258F45}" type="presOf" srcId="{726FAEE0-0671-6A47-992E-19C958FAA5C0}" destId="{3D66253D-95FC-7548-B49C-8D3767F33B71}" srcOrd="0" destOrd="0" presId="urn:microsoft.com/office/officeart/2005/8/layout/hList1"/>
-    <dgm:cxn modelId="{045B70CB-FAA3-5D4D-B883-45F63E7E3F92}" srcId="{0D594C62-8F0E-D547-B5C4-5454A990423E}" destId="{60F038A9-D549-3F47-9C60-952B3F373EAE}" srcOrd="4" destOrd="0" parTransId="{9334ABF3-FD4B-7441-9DAA-A87EBE87EC64}" sibTransId="{9615906F-4BE0-2C47-B238-AFB062BC6D7D}"/>
-    <dgm:cxn modelId="{4FECE9CC-0BBD-4044-81FD-9FCF00643F32}" type="presOf" srcId="{960A4DE7-D040-C34C-BDE1-053507B5D5FA}" destId="{617F9704-C5B9-1648-98CF-94F97120C572}" srcOrd="0" destOrd="3" presId="urn:microsoft.com/office/officeart/2005/8/layout/hList1"/>
-    <dgm:cxn modelId="{4E85FED1-BB96-FD4E-951B-9804DE3F60AF}" srcId="{0D594C62-8F0E-D547-B5C4-5454A990423E}" destId="{9A9CBCCD-57D6-6049-97A4-2D69B1D04227}" srcOrd="2" destOrd="0" parTransId="{77709DF4-EF9D-1A4D-9774-B1816260482D}" sibTransId="{D7366BFB-E631-D74B-9BCC-B7D13F503B00}"/>
-    <dgm:cxn modelId="{C48EE2E0-D7CA-EF46-88C1-F0D9323B00ED}" type="presOf" srcId="{FD5B6DB0-8903-9A41-987A-7619C3A6D6F4}" destId="{5C72DD71-135D-9842-880A-888477FED38E}" srcOrd="0" destOrd="0" presId="urn:microsoft.com/office/officeart/2005/8/layout/hList1"/>
-    <dgm:cxn modelId="{5D8F6DEA-5CF5-6147-929E-1EC6EAF9490F}" type="presOf" srcId="{60F038A9-D549-3F47-9C60-952B3F373EAE}" destId="{617F9704-C5B9-1648-98CF-94F97120C572}" srcOrd="0" destOrd="4" presId="urn:microsoft.com/office/officeart/2005/8/layout/hList1"/>
-    <dgm:cxn modelId="{02474DEB-CE66-9F49-874C-9046605C29DB}" type="presOf" srcId="{9A9CBCCD-57D6-6049-97A4-2D69B1D04227}" destId="{617F9704-C5B9-1648-98CF-94F97120C572}" srcOrd="0" destOrd="2" presId="urn:microsoft.com/office/officeart/2005/8/layout/hList1"/>
+    <dgm:cxn modelId="{22F1BE8A-8087-D042-8942-508C1308CD06}" srcId="{2C0A458E-41E7-0749-B5F3-B87B657B2C46}" destId="{E2F99037-DD6C-444C-8200-8A7A20646B44}" srcOrd="1" destOrd="0" parTransId="{0E183783-E209-9F4F-A70E-F492EA7BD742}" sibTransId="{1BC8B3A4-FB01-764A-8BED-6E8EB8032305}"/>
+    <dgm:cxn modelId="{A0DBB09D-7EDD-1148-9333-DCE4C93BA9D7}" srcId="{0D594C62-8F0E-D547-B5C4-5454A990423E}" destId="{9794766A-8C01-0E48-91EA-38B71167FB12}" srcOrd="0" destOrd="0" parTransId="{D5ED0948-3692-0F48-8054-F38A33146C84}" sibTransId="{AD5BA8C9-50EC-8149-9EB8-8BC88A3B2CED}"/>
+    <dgm:cxn modelId="{D61FA604-1C4A-7340-94AD-0D0E57B936BC}" type="presOf" srcId="{DE1CDDE1-B268-7548-8985-61F74E9269E2}" destId="{20D095F7-62F7-7748-B677-217EAF898924}" srcOrd="0" destOrd="2" presId="urn:microsoft.com/office/officeart/2005/8/layout/hList1"/>
+    <dgm:cxn modelId="{481898B3-7418-894E-A791-4F84721C1A3C}" type="presOf" srcId="{2C0A458E-41E7-0749-B5F3-B87B657B2C46}" destId="{25F78C9F-B521-2441-8888-89EBACCB579C}" srcOrd="0" destOrd="0" presId="urn:microsoft.com/office/officeart/2005/8/layout/hList1"/>
+    <dgm:cxn modelId="{9C499E8F-780B-D84A-A972-D83685A19282}" type="presOf" srcId="{15AFFBE7-DAB1-FC45-9FC0-69BC8EFFD4BA}" destId="{DD81468D-FAD2-994B-B911-D934DCB70CA1}" srcOrd="0" destOrd="0" presId="urn:microsoft.com/office/officeart/2005/8/layout/hList1"/>
+    <dgm:cxn modelId="{EF28A899-EE90-804D-A835-5E18D8C75057}" srcId="{C8661A6B-810B-1E4B-B1CC-141DE757B849}" destId="{726FAEE0-0671-6A47-992E-19C958FAA5C0}" srcOrd="4" destOrd="0" parTransId="{2F18166A-B3FC-6142-9EE6-69B7FBBE776A}" sibTransId="{5E8048C6-AB64-C744-BC71-8297C7F11082}"/>
+    <dgm:cxn modelId="{2759DD43-1160-1044-A393-4DA743613C0C}" type="presOf" srcId="{8A555377-C05A-8846-93A1-D11E746AD7A5}" destId="{20D095F7-62F7-7748-B677-217EAF898924}" srcOrd="0" destOrd="0" presId="urn:microsoft.com/office/officeart/2005/8/layout/hList1"/>
+    <dgm:cxn modelId="{CB125556-6806-D04F-B199-FDC2D0D9AE6D}" srcId="{3DC5BF48-BA14-E94E-BE3F-8FB1C3CF1B90}" destId="{15AFFBE7-DAB1-FC45-9FC0-69BC8EFFD4BA}" srcOrd="0" destOrd="0" parTransId="{8BD24FEB-079D-DD4D-9ED0-A15F63FF9A47}" sibTransId="{133DDD6A-9990-B948-8B47-3948C694B1CD}"/>
+    <dgm:cxn modelId="{D838BC4F-8976-BD43-9465-5620F7EAB015}" type="presOf" srcId="{C8661A6B-810B-1E4B-B1CC-141DE757B849}" destId="{DCBBD6ED-E7E2-E641-94EA-3B38CC6CF4A5}" srcOrd="0" destOrd="0" presId="urn:microsoft.com/office/officeart/2005/8/layout/hList1"/>
+    <dgm:cxn modelId="{7604DC7D-D5E0-9C4D-8786-9C0215029E69}" srcId="{C8661A6B-810B-1E4B-B1CC-141DE757B849}" destId="{2C0A458E-41E7-0749-B5F3-B87B657B2C46}" srcOrd="0" destOrd="0" parTransId="{85DFE8F1-77A0-D149-A78B-A94463996F28}" sibTransId="{B575B920-FFFA-344C-81D6-148E999212A2}"/>
+    <dgm:cxn modelId="{9DCBD597-D7C6-BB40-BBA9-AAA3815FF3ED}" srcId="{0D594C62-8F0E-D547-B5C4-5454A990423E}" destId="{960A4DE7-D040-C34C-BDE1-053507B5D5FA}" srcOrd="3" destOrd="0" parTransId="{E0587E6D-63CC-8243-A87A-C082692CF03E}" sibTransId="{D44503DF-7CCD-BB4A-9CB0-CA3BBA4B79F3}"/>
+    <dgm:cxn modelId="{ECAF81A3-ACA0-3649-9D30-242B00837DB5}" type="presOf" srcId="{8EB3D4DA-D392-624C-ACBA-01FCEF0039D1}" destId="{ADACA0E1-9830-504A-819D-FA1ACF8A190B}" srcOrd="0" destOrd="0" presId="urn:microsoft.com/office/officeart/2005/8/layout/hList1"/>
+    <dgm:cxn modelId="{05A24B7B-0A7A-D941-8899-E41721BD8E08}" type="presOf" srcId="{E2F99037-DD6C-444C-8200-8A7A20646B44}" destId="{A85479BA-39C3-B44C-8F28-84A809FAA5A1}" srcOrd="0" destOrd="1" presId="urn:microsoft.com/office/officeart/2005/8/layout/hList1"/>
     <dgm:cxn modelId="{4D162DBB-9E40-B14B-9096-C651217A8161}" type="presParOf" srcId="{DCBBD6ED-E7E2-E641-94EA-3B38CC6CF4A5}" destId="{9F03E44B-F21C-A74E-8366-EA8D85CC04EA}" srcOrd="0" destOrd="0" presId="urn:microsoft.com/office/officeart/2005/8/layout/hList1"/>
     <dgm:cxn modelId="{88B32E11-C6D5-1B4E-B1B1-C841B86D33DC}" type="presParOf" srcId="{9F03E44B-F21C-A74E-8366-EA8D85CC04EA}" destId="{25F78C9F-B521-2441-8888-89EBACCB579C}" srcOrd="0" destOrd="0" presId="urn:microsoft.com/office/officeart/2005/8/layout/hList1"/>
     <dgm:cxn modelId="{2B6C4102-AD3B-714C-8D58-F8BC3669FE0A}" type="presParOf" srcId="{9F03E44B-F21C-A74E-8366-EA8D85CC04EA}" destId="{A85479BA-39C3-B44C-8F28-84A809FAA5A1}" srcOrd="1" destOrd="0" presId="urn:microsoft.com/office/officeart/2005/8/layout/hList1"/>
@@ -3541,7 +3695,7 @@
         </a:bodyPr>
         <a:lstStyle/>
         <a:p>
-          <a:pPr marL="0" lvl="0" indent="0" algn="ctr" defTabSz="800100">
+          <a:pPr lvl="0" algn="ctr" defTabSz="800100">
             <a:lnSpc>
               <a:spcPct val="90000"/>
             </a:lnSpc>
@@ -3551,7 +3705,6 @@
             <a:spcAft>
               <a:spcPct val="35000"/>
             </a:spcAft>
-            <a:buNone/>
           </a:pPr>
           <a:r>
             <a:rPr lang="pt-BR" sz="1800" kern="1200" noProof="0" dirty="0">
@@ -3633,7 +3786,7 @@
             <a:spcAft>
               <a:spcPct val="15000"/>
             </a:spcAft>
-            <a:buChar char="•"/>
+            <a:buChar char="••"/>
           </a:pPr>
           <a:r>
             <a:rPr lang="pt-BR" sz="1800" kern="1200" noProof="0" dirty="0" err="1">
@@ -3659,7 +3812,7 @@
             <a:spcAft>
               <a:spcPct val="15000"/>
             </a:spcAft>
-            <a:buChar char="•"/>
+            <a:buChar char="••"/>
           </a:pPr>
           <a:r>
             <a:rPr lang="pt-BR" sz="1800" kern="1200" noProof="0" dirty="0" err="1">
@@ -3697,7 +3850,7 @@
             <a:spcAft>
               <a:spcPct val="15000"/>
             </a:spcAft>
-            <a:buChar char="•"/>
+            <a:buChar char="••"/>
           </a:pPr>
           <a:r>
             <a:rPr lang="pt-BR" sz="1800" kern="1200" noProof="0" dirty="0">
@@ -3767,7 +3920,7 @@
         </a:bodyPr>
         <a:lstStyle/>
         <a:p>
-          <a:pPr marL="0" lvl="0" indent="0" algn="ctr" defTabSz="755650">
+          <a:pPr lvl="0" algn="ctr" defTabSz="755650">
             <a:lnSpc>
               <a:spcPct val="90000"/>
             </a:lnSpc>
@@ -3777,7 +3930,6 @@
             <a:spcAft>
               <a:spcPct val="35000"/>
             </a:spcAft>
-            <a:buNone/>
           </a:pPr>
           <a:r>
             <a:rPr lang="pt-BR" sz="1700" kern="1200" noProof="0" dirty="0">
@@ -3859,7 +4011,7 @@
             <a:spcAft>
               <a:spcPct val="15000"/>
             </a:spcAft>
-            <a:buChar char="•"/>
+            <a:buChar char="••"/>
           </a:pPr>
           <a:r>
             <a:rPr lang="pt-BR" sz="1800" kern="1200" noProof="0" dirty="0">
@@ -3879,7 +4031,7 @@
             <a:spcAft>
               <a:spcPct val="15000"/>
             </a:spcAft>
-            <a:buChar char="•"/>
+            <a:buChar char="••"/>
           </a:pPr>
           <a:r>
             <a:rPr lang="pt-BR" sz="1800" kern="1200" noProof="0" dirty="0">
@@ -3899,7 +4051,7 @@
             <a:spcAft>
               <a:spcPct val="15000"/>
             </a:spcAft>
-            <a:buChar char="•"/>
+            <a:buChar char="••"/>
           </a:pPr>
           <a:r>
             <a:rPr lang="pt-BR" sz="1800" b="0" i="0" kern="1200" noProof="0" dirty="0">
@@ -3972,7 +4124,7 @@
         </a:bodyPr>
         <a:lstStyle/>
         <a:p>
-          <a:pPr marL="0" lvl="0" indent="0" algn="ctr" defTabSz="755650">
+          <a:pPr lvl="0" algn="ctr" defTabSz="755650">
             <a:lnSpc>
               <a:spcPct val="90000"/>
             </a:lnSpc>
@@ -3982,7 +4134,6 @@
             <a:spcAft>
               <a:spcPct val="35000"/>
             </a:spcAft>
-            <a:buNone/>
           </a:pPr>
           <a:r>
             <a:rPr lang="pt-BR" sz="1700" kern="1200" noProof="0" dirty="0">
@@ -4076,7 +4227,7 @@
             <a:spcAft>
               <a:spcPct val="15000"/>
             </a:spcAft>
-            <a:buChar char="•"/>
+            <a:buChar char="••"/>
           </a:pPr>
           <a:r>
             <a:rPr lang="pt-BR" sz="1800" kern="1200" noProof="0" dirty="0">
@@ -4096,7 +4247,7 @@
             <a:spcAft>
               <a:spcPct val="15000"/>
             </a:spcAft>
-            <a:buChar char="•"/>
+            <a:buChar char="••"/>
           </a:pPr>
           <a:r>
             <a:rPr lang="pt-BR" sz="1800" kern="1200" noProof="0" dirty="0">
@@ -4166,7 +4317,7 @@
         </a:bodyPr>
         <a:lstStyle/>
         <a:p>
-          <a:pPr marL="0" lvl="0" indent="0" algn="ctr" defTabSz="800100">
+          <a:pPr lvl="0" algn="ctr" defTabSz="800100">
             <a:lnSpc>
               <a:spcPct val="90000"/>
             </a:lnSpc>
@@ -4176,7 +4327,6 @@
             <a:spcAft>
               <a:spcPct val="35000"/>
             </a:spcAft>
-            <a:buNone/>
           </a:pPr>
           <a:r>
             <a:rPr lang="pt-BR" sz="1800" kern="1200" noProof="0" dirty="0">
@@ -4258,7 +4408,7 @@
             <a:spcAft>
               <a:spcPct val="15000"/>
             </a:spcAft>
-            <a:buChar char="•"/>
+            <a:buChar char="••"/>
           </a:pPr>
           <a:r>
             <a:rPr lang="pt-BR" sz="1800" kern="1200" noProof="0" dirty="0">
@@ -4340,7 +4490,7 @@
         </a:bodyPr>
         <a:lstStyle/>
         <a:p>
-          <a:pPr marL="0" lvl="0" indent="0" algn="ctr" defTabSz="800100">
+          <a:pPr lvl="0" algn="ctr" defTabSz="800100">
             <a:lnSpc>
               <a:spcPct val="90000"/>
             </a:lnSpc>
@@ -4350,7 +4500,6 @@
             <a:spcAft>
               <a:spcPct val="35000"/>
             </a:spcAft>
-            <a:buNone/>
           </a:pPr>
           <a:r>
             <a:rPr lang="pt-BR" sz="1800" kern="1200" noProof="0" dirty="0">
@@ -4432,7 +4581,7 @@
             <a:spcAft>
               <a:spcPct val="15000"/>
             </a:spcAft>
-            <a:buChar char="•"/>
+            <a:buChar char="••"/>
           </a:pPr>
           <a:r>
             <a:rPr lang="pt-BR" sz="1800" kern="1200" noProof="0" dirty="0">
@@ -4514,7 +4663,7 @@
         </a:bodyPr>
         <a:lstStyle/>
         <a:p>
-          <a:pPr marL="0" lvl="0" indent="0" algn="ctr" defTabSz="800100">
+          <a:pPr lvl="0" algn="ctr" defTabSz="800100">
             <a:lnSpc>
               <a:spcPct val="90000"/>
             </a:lnSpc>
@@ -4524,7 +4673,6 @@
             <a:spcAft>
               <a:spcPct val="35000"/>
             </a:spcAft>
-            <a:buNone/>
           </a:pPr>
           <a:r>
             <a:rPr lang="pt-BR" sz="1800" kern="1200" noProof="0" dirty="0">
@@ -4606,7 +4754,7 @@
             <a:spcAft>
               <a:spcPct val="15000"/>
             </a:spcAft>
-            <a:buChar char="•"/>
+            <a:buChar char="••"/>
           </a:pPr>
           <a:r>
             <a:rPr lang="pt-BR" sz="1800" kern="1200" noProof="0" dirty="0">
@@ -4638,7 +4786,7 @@
             <a:spcAft>
               <a:spcPct val="15000"/>
             </a:spcAft>
-            <a:buChar char="•"/>
+            <a:buChar char="••"/>
           </a:pPr>
           <a:r>
             <a:rPr lang="pt-BR" sz="1800" b="0" i="0" kern="1200" noProof="0" dirty="0">
@@ -4685,7 +4833,7 @@
             <a:spcAft>
               <a:spcPct val="15000"/>
             </a:spcAft>
-            <a:buChar char="•"/>
+            <a:buChar char="••"/>
           </a:pPr>
           <a:r>
             <a:rPr lang="pt-BR" sz="1800" b="0" i="0" kern="1200" noProof="0" dirty="0">
@@ -4758,7 +4906,7 @@
         </a:bodyPr>
         <a:lstStyle/>
         <a:p>
-          <a:pPr marL="0" lvl="0" indent="0" algn="ctr" defTabSz="800100">
+          <a:pPr lvl="0" algn="ctr" defTabSz="800100">
             <a:lnSpc>
               <a:spcPct val="90000"/>
             </a:lnSpc>
@@ -4768,7 +4916,6 @@
             <a:spcAft>
               <a:spcPct val="35000"/>
             </a:spcAft>
-            <a:buNone/>
           </a:pPr>
           <a:r>
             <a:rPr lang="pt-BR" sz="1800" kern="1200" noProof="0" dirty="0">
@@ -4850,7 +4997,7 @@
             <a:spcAft>
               <a:spcPct val="15000"/>
             </a:spcAft>
-            <a:buChar char="•"/>
+            <a:buChar char="••"/>
           </a:pPr>
           <a:r>
             <a:rPr lang="pt-BR" sz="1800" kern="1200" noProof="0" dirty="0">
@@ -4894,7 +5041,7 @@
             <a:spcAft>
               <a:spcPct val="15000"/>
             </a:spcAft>
-            <a:buChar char="•"/>
+            <a:buChar char="••"/>
           </a:pPr>
           <a:r>
             <a:rPr lang="pt-BR" sz="1800" kern="1200" noProof="0" dirty="0">
@@ -4976,7 +5123,7 @@
         </a:bodyPr>
         <a:lstStyle/>
         <a:p>
-          <a:pPr marL="0" lvl="0" indent="0" algn="ctr" defTabSz="800100">
+          <a:pPr lvl="0" algn="ctr" defTabSz="800100">
             <a:lnSpc>
               <a:spcPct val="90000"/>
             </a:lnSpc>
@@ -4986,7 +5133,6 @@
             <a:spcAft>
               <a:spcPct val="35000"/>
             </a:spcAft>
-            <a:buNone/>
           </a:pPr>
           <a:r>
             <a:rPr lang="pt-BR" sz="1800" kern="1200" noProof="0" dirty="0">
@@ -5080,7 +5226,7 @@
             <a:spcAft>
               <a:spcPct val="15000"/>
             </a:spcAft>
-            <a:buChar char="•"/>
+            <a:buChar char="••"/>
           </a:pPr>
           <a:r>
             <a:rPr lang="pt-BR" sz="1800" kern="1200" noProof="0" dirty="0">
@@ -5100,7 +5246,7 @@
             <a:spcAft>
               <a:spcPct val="15000"/>
             </a:spcAft>
-            <a:buChar char="•"/>
+            <a:buChar char="••"/>
           </a:pPr>
           <a:r>
             <a:rPr lang="pt-BR" sz="1800" kern="1200" noProof="0" dirty="0">
@@ -5120,7 +5266,7 @@
             <a:spcAft>
               <a:spcPct val="15000"/>
             </a:spcAft>
-            <a:buChar char="•"/>
+            <a:buChar char="••"/>
           </a:pPr>
           <a:r>
             <a:rPr lang="pt-BR" sz="1800" kern="1200" noProof="0" dirty="0">
@@ -5190,7 +5336,7 @@
         </a:bodyPr>
         <a:lstStyle/>
         <a:p>
-          <a:pPr marL="0" lvl="0" indent="0" algn="ctr" defTabSz="800100">
+          <a:pPr lvl="0" algn="ctr" defTabSz="800100">
             <a:lnSpc>
               <a:spcPct val="90000"/>
             </a:lnSpc>
@@ -5200,7 +5346,6 @@
             <a:spcAft>
               <a:spcPct val="35000"/>
             </a:spcAft>
-            <a:buNone/>
           </a:pPr>
           <a:r>
             <a:rPr lang="pt-BR" sz="1800" kern="1200" noProof="0" dirty="0">
@@ -5282,7 +5427,7 @@
             <a:spcAft>
               <a:spcPct val="15000"/>
             </a:spcAft>
-            <a:buChar char="•"/>
+            <a:buChar char="••"/>
           </a:pPr>
           <a:r>
             <a:rPr lang="pt-BR" sz="1800" b="0" i="0" kern="1200" noProof="0" dirty="0">
@@ -5308,7 +5453,7 @@
             <a:spcAft>
               <a:spcPct val="15000"/>
             </a:spcAft>
-            <a:buChar char="•"/>
+            <a:buChar char="••"/>
           </a:pPr>
           <a:endParaRPr lang="pt-BR" sz="1800" kern="1200" noProof="0" dirty="0">
             <a:latin typeface="+mj-lt"/>
@@ -5325,7 +5470,7 @@
             <a:spcAft>
               <a:spcPct val="15000"/>
             </a:spcAft>
-            <a:buChar char="•"/>
+            <a:buChar char="••"/>
           </a:pPr>
           <a:endParaRPr lang="pt-BR" sz="1800" b="0" i="0" kern="1200" noProof="0" dirty="0">
             <a:latin typeface="+mj-lt"/>
@@ -5342,7 +5487,7 @@
             <a:spcAft>
               <a:spcPct val="15000"/>
             </a:spcAft>
-            <a:buChar char="•"/>
+            <a:buChar char="••"/>
           </a:pPr>
           <a:endParaRPr lang="pt-BR" sz="1800" kern="1200" noProof="0" dirty="0">
             <a:latin typeface="+mj-lt"/>
@@ -5359,7 +5504,7 @@
             <a:spcAft>
               <a:spcPct val="15000"/>
             </a:spcAft>
-            <a:buChar char="•"/>
+            <a:buChar char="••"/>
           </a:pPr>
           <a:endParaRPr lang="pt-BR" sz="1800" kern="1200" noProof="0" dirty="0">
             <a:latin typeface="+mj-lt"/>
@@ -5426,7 +5571,7 @@
         </a:bodyPr>
         <a:lstStyle/>
         <a:p>
-          <a:pPr marL="0" lvl="0" indent="0" algn="ctr" defTabSz="800100">
+          <a:pPr lvl="0" algn="ctr" defTabSz="800100">
             <a:lnSpc>
               <a:spcPct val="90000"/>
             </a:lnSpc>
@@ -5436,7 +5581,6 @@
             <a:spcAft>
               <a:spcPct val="35000"/>
             </a:spcAft>
-            <a:buNone/>
           </a:pPr>
           <a:r>
             <a:rPr lang="pt-BR" sz="1800" kern="1200" noProof="0" dirty="0">
@@ -5518,7 +5662,7 @@
             <a:spcAft>
               <a:spcPct val="15000"/>
             </a:spcAft>
-            <a:buChar char="•"/>
+            <a:buChar char="••"/>
           </a:pPr>
           <a:r>
             <a:rPr lang="pt-BR" sz="1800" kern="1200" noProof="0" dirty="0">
@@ -8121,7 +8265,7 @@
           <a:p>
             <a:fld id="{5AFA61FE-4757-8249-859C-CA645ADF0426}" type="datetimeFigureOut">
               <a:rPr lang="pt-BR" smtClean="0"/>
-              <a:t>30/10/2024</a:t>
+              <a:t>01/11/2024</a:t>
             </a:fld>
             <a:endParaRPr lang="pt-BR"/>
           </a:p>
@@ -8280,7 +8424,7 @@
           <a:p>
             <a:fld id="{D20E458C-D4B3-CA4F-89B0-835E8555A89E}" type="slidenum">
               <a:rPr lang="pt-BR" smtClean="0"/>
-              <a:t>‹#›</a:t>
+              <a:t>‹N°›</a:t>
             </a:fld>
             <a:endParaRPr lang="pt-BR"/>
           </a:p>
@@ -8622,7 +8766,7 @@
           <a:p>
             <a:fld id="{DEF62065-7324-6243-AE8C-BB5572CA16CD}" type="datetimeFigureOut">
               <a:rPr lang="pt-BR" smtClean="0"/>
-              <a:t>30/10/2024</a:t>
+              <a:t>01/11/2024</a:t>
             </a:fld>
             <a:endParaRPr lang="pt-BR"/>
           </a:p>
@@ -8676,7 +8820,7 @@
           <a:p>
             <a:fld id="{F825DAD3-D6D1-9F42-BB95-4436DB5AEA18}" type="slidenum">
               <a:rPr lang="pt-BR" smtClean="0"/>
-              <a:t>‹#›</a:t>
+              <a:t>‹N°›</a:t>
             </a:fld>
             <a:endParaRPr lang="pt-BR"/>
           </a:p>
@@ -8822,7 +8966,7 @@
           <a:p>
             <a:fld id="{DEF62065-7324-6243-AE8C-BB5572CA16CD}" type="datetimeFigureOut">
               <a:rPr lang="pt-BR" smtClean="0"/>
-              <a:t>30/10/2024</a:t>
+              <a:t>01/11/2024</a:t>
             </a:fld>
             <a:endParaRPr lang="pt-BR"/>
           </a:p>
@@ -8876,7 +9020,7 @@
           <a:p>
             <a:fld id="{F825DAD3-D6D1-9F42-BB95-4436DB5AEA18}" type="slidenum">
               <a:rPr lang="pt-BR" smtClean="0"/>
-              <a:t>‹#›</a:t>
+              <a:t>‹N°›</a:t>
             </a:fld>
             <a:endParaRPr lang="pt-BR"/>
           </a:p>
@@ -9032,7 +9176,7 @@
           <a:p>
             <a:fld id="{DEF62065-7324-6243-AE8C-BB5572CA16CD}" type="datetimeFigureOut">
               <a:rPr lang="pt-BR" smtClean="0"/>
-              <a:t>30/10/2024</a:t>
+              <a:t>01/11/2024</a:t>
             </a:fld>
             <a:endParaRPr lang="pt-BR"/>
           </a:p>
@@ -9086,7 +9230,7 @@
           <a:p>
             <a:fld id="{F825DAD3-D6D1-9F42-BB95-4436DB5AEA18}" type="slidenum">
               <a:rPr lang="pt-BR" smtClean="0"/>
-              <a:t>‹#›</a:t>
+              <a:t>‹N°›</a:t>
             </a:fld>
             <a:endParaRPr lang="pt-BR"/>
           </a:p>
@@ -9232,7 +9376,7 @@
           <a:p>
             <a:fld id="{DEF62065-7324-6243-AE8C-BB5572CA16CD}" type="datetimeFigureOut">
               <a:rPr lang="pt-BR" smtClean="0"/>
-              <a:t>30/10/2024</a:t>
+              <a:t>01/11/2024</a:t>
             </a:fld>
             <a:endParaRPr lang="pt-BR"/>
           </a:p>
@@ -9286,7 +9430,7 @@
           <a:p>
             <a:fld id="{F825DAD3-D6D1-9F42-BB95-4436DB5AEA18}" type="slidenum">
               <a:rPr lang="pt-BR" smtClean="0"/>
-              <a:t>‹#›</a:t>
+              <a:t>‹N°›</a:t>
             </a:fld>
             <a:endParaRPr lang="pt-BR"/>
           </a:p>
@@ -9508,7 +9652,7 @@
           <a:p>
             <a:fld id="{DEF62065-7324-6243-AE8C-BB5572CA16CD}" type="datetimeFigureOut">
               <a:rPr lang="pt-BR" smtClean="0"/>
-              <a:t>30/10/2024</a:t>
+              <a:t>01/11/2024</a:t>
             </a:fld>
             <a:endParaRPr lang="pt-BR"/>
           </a:p>
@@ -9562,7 +9706,7 @@
           <a:p>
             <a:fld id="{F825DAD3-D6D1-9F42-BB95-4436DB5AEA18}" type="slidenum">
               <a:rPr lang="pt-BR" smtClean="0"/>
-              <a:t>‹#›</a:t>
+              <a:t>‹N°›</a:t>
             </a:fld>
             <a:endParaRPr lang="pt-BR"/>
           </a:p>
@@ -9776,7 +9920,7 @@
           <a:p>
             <a:fld id="{DEF62065-7324-6243-AE8C-BB5572CA16CD}" type="datetimeFigureOut">
               <a:rPr lang="pt-BR" smtClean="0"/>
-              <a:t>30/10/2024</a:t>
+              <a:t>01/11/2024</a:t>
             </a:fld>
             <a:endParaRPr lang="pt-BR"/>
           </a:p>
@@ -9830,7 +9974,7 @@
           <a:p>
             <a:fld id="{F825DAD3-D6D1-9F42-BB95-4436DB5AEA18}" type="slidenum">
               <a:rPr lang="pt-BR" smtClean="0"/>
-              <a:t>‹#›</a:t>
+              <a:t>‹N°›</a:t>
             </a:fld>
             <a:endParaRPr lang="pt-BR"/>
           </a:p>
@@ -10191,7 +10335,7 @@
           <a:p>
             <a:fld id="{DEF62065-7324-6243-AE8C-BB5572CA16CD}" type="datetimeFigureOut">
               <a:rPr lang="pt-BR" smtClean="0"/>
-              <a:t>30/10/2024</a:t>
+              <a:t>01/11/2024</a:t>
             </a:fld>
             <a:endParaRPr lang="pt-BR"/>
           </a:p>
@@ -10245,7 +10389,7 @@
           <a:p>
             <a:fld id="{F825DAD3-D6D1-9F42-BB95-4436DB5AEA18}" type="slidenum">
               <a:rPr lang="pt-BR" smtClean="0"/>
-              <a:t>‹#›</a:t>
+              <a:t>‹N°›</a:t>
             </a:fld>
             <a:endParaRPr lang="pt-BR"/>
           </a:p>
@@ -10333,7 +10477,7 @@
           <a:p>
             <a:fld id="{DEF62065-7324-6243-AE8C-BB5572CA16CD}" type="datetimeFigureOut">
               <a:rPr lang="pt-BR" smtClean="0"/>
-              <a:t>30/10/2024</a:t>
+              <a:t>01/11/2024</a:t>
             </a:fld>
             <a:endParaRPr lang="pt-BR"/>
           </a:p>
@@ -10387,7 +10531,7 @@
           <a:p>
             <a:fld id="{F825DAD3-D6D1-9F42-BB95-4436DB5AEA18}" type="slidenum">
               <a:rPr lang="pt-BR" smtClean="0"/>
-              <a:t>‹#›</a:t>
+              <a:t>‹N°›</a:t>
             </a:fld>
             <a:endParaRPr lang="pt-BR"/>
           </a:p>
@@ -10446,7 +10590,7 @@
           <a:p>
             <a:fld id="{DEF62065-7324-6243-AE8C-BB5572CA16CD}" type="datetimeFigureOut">
               <a:rPr lang="pt-BR" smtClean="0"/>
-              <a:t>30/10/2024</a:t>
+              <a:t>01/11/2024</a:t>
             </a:fld>
             <a:endParaRPr lang="pt-BR"/>
           </a:p>
@@ -10500,7 +10644,7 @@
           <a:p>
             <a:fld id="{F825DAD3-D6D1-9F42-BB95-4436DB5AEA18}" type="slidenum">
               <a:rPr lang="pt-BR" smtClean="0"/>
-              <a:t>‹#›</a:t>
+              <a:t>‹N°›</a:t>
             </a:fld>
             <a:endParaRPr lang="pt-BR"/>
           </a:p>
@@ -10759,7 +10903,7 @@
           <a:p>
             <a:fld id="{DEF62065-7324-6243-AE8C-BB5572CA16CD}" type="datetimeFigureOut">
               <a:rPr lang="pt-BR" smtClean="0"/>
-              <a:t>30/10/2024</a:t>
+              <a:t>01/11/2024</a:t>
             </a:fld>
             <a:endParaRPr lang="pt-BR"/>
           </a:p>
@@ -10813,7 +10957,7 @@
           <a:p>
             <a:fld id="{F825DAD3-D6D1-9F42-BB95-4436DB5AEA18}" type="slidenum">
               <a:rPr lang="pt-BR" smtClean="0"/>
-              <a:t>‹#›</a:t>
+              <a:t>‹N°›</a:t>
             </a:fld>
             <a:endParaRPr lang="pt-BR"/>
           </a:p>
@@ -11048,7 +11192,7 @@
           <a:p>
             <a:fld id="{DEF62065-7324-6243-AE8C-BB5572CA16CD}" type="datetimeFigureOut">
               <a:rPr lang="pt-BR" smtClean="0"/>
-              <a:t>30/10/2024</a:t>
+              <a:t>01/11/2024</a:t>
             </a:fld>
             <a:endParaRPr lang="pt-BR"/>
           </a:p>
@@ -11102,7 +11246,7 @@
           <a:p>
             <a:fld id="{F825DAD3-D6D1-9F42-BB95-4436DB5AEA18}" type="slidenum">
               <a:rPr lang="pt-BR" smtClean="0"/>
-              <a:t>‹#›</a:t>
+              <a:t>‹N°›</a:t>
             </a:fld>
             <a:endParaRPr lang="pt-BR"/>
           </a:p>
@@ -11291,7 +11435,7 @@
           <a:p>
             <a:fld id="{DEF62065-7324-6243-AE8C-BB5572CA16CD}" type="datetimeFigureOut">
               <a:rPr lang="pt-BR" smtClean="0"/>
-              <a:t>30/10/2024</a:t>
+              <a:t>01/11/2024</a:t>
             </a:fld>
             <a:endParaRPr lang="pt-BR"/>
           </a:p>
@@ -11381,7 +11525,7 @@
           <a:p>
             <a:fld id="{F825DAD3-D6D1-9F42-BB95-4436DB5AEA18}" type="slidenum">
               <a:rPr lang="pt-BR" smtClean="0"/>
-              <a:t>‹#›</a:t>
+              <a:t>‹N°›</a:t>
             </a:fld>
             <a:endParaRPr lang="pt-BR"/>
           </a:p>
@@ -11772,10 +11916,16 @@
           <a:lstStyle/>
           <a:p>
             <a:r>
+              <a:rPr lang="pt-BR" sz="3500" noProof="0" dirty="0" smtClean="0">
+                <a:latin typeface="+mj-lt"/>
+              </a:rPr>
+              <a:t>Brunno </a:t>
+            </a:r>
+            <a:r>
               <a:rPr lang="pt-BR" sz="3500" noProof="0" dirty="0">
                 <a:latin typeface="+mj-lt"/>
               </a:rPr>
-              <a:t>Bruno Oliveira</a:t>
+              <a:t>Oliveira</a:t>
             </a:r>
           </a:p>
           <a:p>
@@ -12043,17 +12193,55 @@
             <p:ph sz="half" idx="1"/>
           </p:nvPr>
         </p:nvSpPr>
-        <p:spPr/>
+        <p:spPr>
+          <a:xfrm>
+            <a:off x="838200" y="1592712"/>
+            <a:ext cx="5181600" cy="4351338"/>
+          </a:xfrm>
+        </p:spPr>
         <p:txBody>
           <a:bodyPr/>
           <a:lstStyle/>
           <a:p>
             <a:r>
-              <a:rPr lang="pt-BR" dirty="0">
+              <a:rPr lang="pt-BR" dirty="0" smtClean="0">
                 <a:latin typeface="+mj-lt"/>
               </a:rPr>
-              <a:t>Bruno Oliveira... </a:t>
-            </a:r>
+              <a:t>Brunno Oliveira</a:t>
+            </a:r>
+            <a:endParaRPr lang="pt-BR" dirty="0">
+              <a:latin typeface="+mj-lt"/>
+            </a:endParaRPr>
+          </a:p>
+          <a:p>
+            <a:pPr lvl="1"/>
+            <a:r>
+              <a:rPr lang="pt-BR" dirty="0" smtClean="0">
+                <a:latin typeface="+mj-lt"/>
+              </a:rPr>
+              <a:t>Ecólogo</a:t>
+            </a:r>
+          </a:p>
+          <a:p>
+            <a:pPr lvl="1"/>
+            <a:r>
+              <a:rPr lang="pt-BR" dirty="0" smtClean="0">
+                <a:latin typeface="+mj-lt"/>
+              </a:rPr>
+              <a:t>PosDoc. Centro de Sínteses e Analáses em Biodiversidade, França (CESAB)</a:t>
+            </a:r>
+          </a:p>
+          <a:p>
+            <a:pPr lvl="1"/>
+            <a:r>
+              <a:rPr lang="pt-BR" dirty="0" smtClean="0">
+                <a:latin typeface="+mj-lt"/>
+              </a:rPr>
+              <a:t>Macroecologia, Macroevolução, e mudanças climáticas e ecológicas</a:t>
+            </a:r>
+            <a:endParaRPr lang="pt-BR" dirty="0">
+              <a:latin typeface="+mj-lt"/>
+            </a:endParaRPr>
           </a:p>
           <a:p>
             <a:endParaRPr lang="pt-BR" dirty="0">
@@ -12086,7 +12274,12 @@
             <p:ph sz="half" idx="2"/>
           </p:nvPr>
         </p:nvSpPr>
-        <p:spPr/>
+        <p:spPr>
+          <a:xfrm>
+            <a:off x="6172200" y="1592712"/>
+            <a:ext cx="5181600" cy="4351338"/>
+          </a:xfrm>
+        </p:spPr>
         <p:txBody>
           <a:bodyPr/>
           <a:lstStyle/>
@@ -12181,6 +12374,35 @@
           <a:xfrm>
             <a:off x="7981372" y="4490027"/>
             <a:ext cx="2212109" cy="2212109"/>
+          </a:xfrm>
+          <a:prstGeom prst="rect">
+            <a:avLst/>
+          </a:prstGeom>
+        </p:spPr>
+      </p:pic>
+      <p:pic>
+        <p:nvPicPr>
+          <p:cNvPr id="4" name="Image 3"/>
+          <p:cNvPicPr>
+            <a:picLocks noChangeAspect="1"/>
+          </p:cNvPicPr>
+          <p:nvPr/>
+        </p:nvPicPr>
+        <p:blipFill rotWithShape="1">
+          <a:blip r:embed="rId3">
+            <a:extLst>
+              <a:ext uri="{28A0092B-C50C-407E-A947-70E740481C1C}">
+                <a14:useLocalDpi xmlns:a14="http://schemas.microsoft.com/office/drawing/2010/main" val="0"/>
+              </a:ext>
+            </a:extLst>
+          </a:blip>
+          <a:srcRect l="32129" t="31841" r="38331" b="27622"/>
+          <a:stretch/>
+        </p:blipFill>
+        <p:spPr>
+          <a:xfrm>
+            <a:off x="2216989" y="4490026"/>
+            <a:ext cx="2149304" cy="2212109"/>
           </a:xfrm>
           <a:prstGeom prst="rect">
             <a:avLst/>
@@ -12578,14 +12800,23 @@
               <a:t>Em quanto um esta dando a oficina, </a:t>
             </a:r>
             <a:r>
-              <a:rPr lang="pt-BR" b="0" i="0" noProof="0" dirty="0" err="1">
+              <a:rPr lang="pt-BR" dirty="0" err="1">
+                <a:solidFill>
+                  <a:srgbClr val="1A292C"/>
+                </a:solidFill>
+                <a:latin typeface="Fira Sans" panose="020B0503050000020004" pitchFamily="34" charset="0"/>
+              </a:rPr>
+              <a:t>o</a:t>
+            </a:r>
+            <a:r>
+              <a:rPr lang="pt-BR" b="0" i="0" noProof="0" dirty="0" smtClean="0">
                 <a:solidFill>
                   <a:srgbClr val="1A292C"/>
                 </a:solidFill>
                 <a:effectLst/>
                 <a:latin typeface="Fira Sans" panose="020B0503050000020004" pitchFamily="34" charset="0"/>
               </a:rPr>
-              <a:t>u</a:t>
+              <a:t> </a:t>
             </a:r>
             <a:r>
               <a:rPr lang="pt-BR" b="0" i="0" noProof="0" dirty="0">
@@ -12595,10 +12826,10 @@
                 <a:effectLst/>
                 <a:latin typeface="Fira Sans" panose="020B0503050000020004" pitchFamily="34" charset="0"/>
               </a:rPr>
-              <a:t> outro ajuda no </a:t>
-            </a:r>
-            <a:r>
-              <a:rPr lang="pt-BR" b="0" i="1" noProof="0" dirty="0" err="1">
+              <a:t>outro ajuda no </a:t>
+            </a:r>
+            <a:r>
+              <a:rPr lang="pt-BR" b="0" i="1" noProof="0" dirty="0">
                 <a:solidFill>
                   <a:srgbClr val="1A292C"/>
                 </a:solidFill>
@@ -12618,7 +12849,7 @@
               <a:t> </a:t>
             </a:r>
             <a:r>
-              <a:rPr lang="pt-BR" b="0" i="1" noProof="0" dirty="0" err="1">
+              <a:rPr lang="pt-BR" b="0" i="1" noProof="0" dirty="0">
                 <a:solidFill>
                   <a:srgbClr val="1A292C"/>
                 </a:solidFill>
@@ -12627,13 +12858,6 @@
               </a:rPr>
               <a:t>shoot</a:t>
             </a:r>
-            <a:endParaRPr lang="pt-BR" b="0" i="1" noProof="0" dirty="0">
-              <a:solidFill>
-                <a:srgbClr val="1A292C"/>
-              </a:solidFill>
-              <a:effectLst/>
-              <a:latin typeface="Fira Sans" panose="020B0503050000020004" pitchFamily="34" charset="0"/>
-            </a:endParaRPr>
           </a:p>
           <a:p>
             <a:pPr lvl="1"/>
